--- a/20251104_n8n報告.pptx
+++ b/20251104_n8n報告.pptx
@@ -5,7 +5,7 @@
     <p:sldMasterId id="2147483648" r:id="rId1"/>
   </p:sldMasterIdLst>
   <p:notesMasterIdLst>
-    <p:notesMasterId r:id="rId19"/>
+    <p:notesMasterId r:id="rId16"/>
   </p:notesMasterIdLst>
   <p:sldIdLst>
     <p:sldId id="256" r:id="rId2"/>
@@ -18,13 +18,10 @@
     <p:sldId id="319" r:id="rId9"/>
     <p:sldId id="320" r:id="rId10"/>
     <p:sldId id="308" r:id="rId11"/>
-    <p:sldId id="316" r:id="rId12"/>
-    <p:sldId id="317" r:id="rId13"/>
-    <p:sldId id="312" r:id="rId14"/>
-    <p:sldId id="313" r:id="rId15"/>
-    <p:sldId id="310" r:id="rId16"/>
-    <p:sldId id="311" r:id="rId17"/>
-    <p:sldId id="304" r:id="rId18"/>
+    <p:sldId id="321" r:id="rId12"/>
+    <p:sldId id="310" r:id="rId13"/>
+    <p:sldId id="311" r:id="rId14"/>
+    <p:sldId id="304" r:id="rId15"/>
   </p:sldIdLst>
   <p:sldSz cx="12192000" cy="6858000"/>
   <p:notesSz cx="6858000" cy="9144000"/>
@@ -224,7 +221,7 @@
           <a:p>
             <a:fld id="{BE424292-4941-4D5B-98B4-4EBD045B9FE1}" type="datetimeFigureOut">
               <a:rPr lang="zh-TW" altLang="en-US" smtClean="0"/>
-              <a:t>2025/11/18</a:t>
+              <a:t>2025/11/24</a:t>
             </a:fld>
             <a:endParaRPr lang="zh-TW" altLang="en-US"/>
           </a:p>
@@ -536,20 +533,16 @@
           <a:lstStyle/>
           <a:p>
             <a:r>
-              <a:rPr lang="en-US" altLang="zh-TW" smtClean="0"/>
-              <a:t>https://</a:t>
-            </a:r>
-            <a:r>
-              <a:rPr lang="en-US" altLang="zh-TW" smtClean="0"/>
-              <a:t>www.cc.ntu.edu.tw/chinese/epaper/home/2025</a:t>
-            </a:r>
-          </a:p>
-          <a:p>
-            <a:endParaRPr lang="en-US" altLang="zh-TW" smtClean="0"/>
-          </a:p>
-          <a:p>
-            <a:r>
-              <a:rPr lang="en-US" altLang="zh-TW" sz="1200" b="1" i="0" kern="1200" smtClean="0">
+              <a:rPr lang="en-US" altLang="zh-TW" dirty="0" smtClean="0"/>
+              <a:t>https://www.cc.ntu.edu.tw/chinese/epaper/home/2025</a:t>
+            </a:r>
+          </a:p>
+          <a:p>
+            <a:endParaRPr lang="en-US" altLang="zh-TW" dirty="0" smtClean="0"/>
+          </a:p>
+          <a:p>
+            <a:r>
+              <a:rPr lang="en-US" altLang="zh-TW" sz="1200" b="1" i="0" kern="1200" dirty="0" smtClean="0">
                 <a:solidFill>
                   <a:schemeClr val="tx1"/>
                 </a:solidFill>
@@ -561,7 +554,7 @@
               <a:t>n8n </a:t>
             </a:r>
             <a:r>
-              <a:rPr lang="zh-TW" altLang="en-US" sz="1200" b="1" i="0" kern="1200" smtClean="0">
+              <a:rPr lang="zh-TW" altLang="en-US" sz="1200" b="1" i="0" kern="1200" dirty="0" smtClean="0">
                 <a:solidFill>
                   <a:schemeClr val="tx1"/>
                 </a:solidFill>
@@ -570,17 +563,17 @@
                 <a:ea typeface="+mn-ea"/>
                 <a:cs typeface="+mn-cs"/>
               </a:rPr>
-              <a:t>是一個開源自動化工具，能幫助你自動化日常的工作流程。</a:t>
-            </a:r>
-            <a:r>
-              <a:rPr lang="zh-TW" altLang="en-US" smtClean="0"/>
+              <a:t>是一個開源的工作流設計工具</a:t>
+            </a:r>
+            <a:r>
+              <a:rPr lang="zh-TW" altLang="en-US" dirty="0" smtClean="0"/>
               <a:t/>
             </a:r>
             <a:br>
-              <a:rPr lang="zh-TW" altLang="en-US" smtClean="0"/>
+              <a:rPr lang="zh-TW" altLang="en-US" dirty="0" smtClean="0"/>
             </a:br>
             <a:r>
-              <a:rPr lang="zh-TW" altLang="en-US" sz="1200" b="0" i="0" kern="1200" smtClean="0">
+              <a:rPr lang="zh-TW" altLang="en-US" sz="1200" b="0" i="0" kern="1200" dirty="0" smtClean="0">
                 <a:solidFill>
                   <a:schemeClr val="tx1"/>
                 </a:solidFill>
@@ -589,10 +582,10 @@
                 <a:ea typeface="+mn-ea"/>
                 <a:cs typeface="+mn-cs"/>
               </a:rPr>
-              <a:t>舉例來說，假設你每天都需要手動查股市數據，</a:t>
-            </a:r>
-            <a:r>
-              <a:rPr lang="en-US" altLang="zh-TW" sz="1200" b="0" i="0" kern="1200" smtClean="0">
+              <a:t>舉例來說，</a:t>
+            </a:r>
+            <a:r>
+              <a:rPr lang="en-US" altLang="zh-TW" sz="1200" b="0" i="0" kern="1200" dirty="0" smtClean="0">
                 <a:solidFill>
                   <a:schemeClr val="tx1"/>
                 </a:solidFill>
@@ -604,7 +597,7 @@
               <a:t>n8n </a:t>
             </a:r>
             <a:r>
-              <a:rPr lang="zh-TW" altLang="en-US" sz="1200" b="0" i="0" kern="1200" smtClean="0">
+              <a:rPr lang="zh-TW" altLang="en-US" sz="1200" b="0" i="0" kern="1200" dirty="0" smtClean="0">
                 <a:solidFill>
                   <a:schemeClr val="tx1"/>
                 </a:solidFill>
@@ -616,7 +609,7 @@
               <a:t>可以設定一個流程，讓它自動抓取股市數據，並將結果存入 </a:t>
             </a:r>
             <a:r>
-              <a:rPr lang="en-US" altLang="zh-TW" sz="1200" b="0" i="0" kern="1200" smtClean="0">
+              <a:rPr lang="en-US" altLang="zh-TW" sz="1200" b="0" i="0" kern="1200" dirty="0" smtClean="0">
                 <a:solidFill>
                   <a:schemeClr val="tx1"/>
                 </a:solidFill>
@@ -628,7 +621,7 @@
               <a:t>Google Sheets</a:t>
             </a:r>
             <a:r>
-              <a:rPr lang="zh-TW" altLang="en-US" sz="1200" b="0" i="0" kern="1200" smtClean="0">
+              <a:rPr lang="zh-TW" altLang="en-US" sz="1200" b="0" i="0" kern="1200" dirty="0" smtClean="0">
                 <a:solidFill>
                   <a:schemeClr val="tx1"/>
                 </a:solidFill>
@@ -637,10 +630,10 @@
                 <a:ea typeface="+mn-ea"/>
                 <a:cs typeface="+mn-cs"/>
               </a:rPr>
-              <a:t>。當股價達到某個預設值時，</a:t>
-            </a:r>
-            <a:r>
-              <a:rPr lang="en-US" altLang="zh-TW" sz="1200" b="0" i="0" kern="1200" smtClean="0">
+              <a:t>，</a:t>
+            </a:r>
+            <a:r>
+              <a:rPr lang="en-US" altLang="zh-TW" sz="1200" b="0" i="0" kern="1200" dirty="0" smtClean="0">
                 <a:solidFill>
                   <a:schemeClr val="tx1"/>
                 </a:solidFill>
@@ -652,7 +645,7 @@
               <a:t>n8n </a:t>
             </a:r>
             <a:r>
-              <a:rPr lang="zh-TW" altLang="en-US" sz="1200" b="0" i="0" kern="1200" smtClean="0">
+              <a:rPr lang="zh-TW" altLang="en-US" sz="1200" b="0" i="0" kern="1200" dirty="0" smtClean="0">
                 <a:solidFill>
                   <a:schemeClr val="tx1"/>
                 </a:solidFill>
@@ -661,13 +654,9 @@
                 <a:ea typeface="+mn-ea"/>
                 <a:cs typeface="+mn-cs"/>
               </a:rPr>
-              <a:t>還可以自動發送通知，告訴你該進行操作</a:t>
-            </a:r>
-            <a:r>
-              <a:rPr lang="en-US" altLang="zh-TW" smtClean="0"/>
-              <a:t>0620_007304.html</a:t>
-            </a:r>
-            <a:endParaRPr lang="zh-TW" altLang="en-US"/>
+              <a:t>還可以自動發送通知，</a:t>
+            </a:r>
+            <a:endParaRPr lang="zh-TW" altLang="en-US" dirty="0"/>
           </a:p>
         </p:txBody>
       </p:sp>
@@ -752,10 +741,10 @@
           <a:lstStyle/>
           <a:p>
             <a:r>
-              <a:rPr lang="en-US" altLang="zh-TW" smtClean="0"/>
+              <a:rPr lang="en-US" altLang="zh-TW" dirty="0" smtClean="0"/>
               <a:t>https://raymondhouch.com/lifehacker/digital-workflow/automation-tools-review/</a:t>
             </a:r>
-            <a:endParaRPr lang="zh-TW" altLang="en-US"/>
+            <a:endParaRPr lang="zh-TW" altLang="en-US" dirty="0"/>
           </a:p>
         </p:txBody>
       </p:sp>
@@ -3488,40 +3477,44 @@
               </a:spcAft>
             </a:pPr>
             <a:r>
-              <a:rPr lang="en-US" altLang="zh-TW" b="1"/>
-              <a:t>n8n × MCP </a:t>
-            </a:r>
-            <a:r>
-              <a:rPr lang="zh-TW" altLang="en-US" b="1"/>
-              <a:t>工作流程實戰</a:t>
-            </a:r>
-            <a:r>
-              <a:rPr lang="en-US" altLang="zh-TW" b="1"/>
+              <a:rPr lang="en-US" altLang="zh-TW" b="1" dirty="0"/>
+              <a:t>n8n </a:t>
+            </a:r>
+            <a:r>
+              <a:rPr lang="zh-TW" altLang="en-US" b="1" dirty="0" smtClean="0"/>
+              <a:t>工作流程</a:t>
+            </a:r>
+            <a:r>
+              <a:rPr lang="zh-TW" altLang="en-US" b="1" dirty="0"/>
+              <a:t>報告</a:t>
+            </a:r>
+            <a:r>
+              <a:rPr lang="en-US" altLang="zh-TW" b="1" dirty="0"/>
               <a:t/>
             </a:r>
             <a:br>
-              <a:rPr lang="en-US" altLang="zh-TW" b="1"/>
+              <a:rPr lang="en-US" altLang="zh-TW" b="1" dirty="0"/>
             </a:br>
             <a:r>
-              <a:rPr lang="en-US" altLang="zh-TW" b="1"/>
+              <a:rPr lang="en-US" altLang="zh-TW" b="1" dirty="0"/>
               <a:t/>
             </a:r>
             <a:br>
-              <a:rPr lang="en-US" altLang="zh-TW" b="1"/>
+              <a:rPr lang="en-US" altLang="zh-TW" b="1" dirty="0"/>
             </a:br>
             <a:r>
-              <a:rPr lang="zh-TW" altLang="en-US" sz="3200"/>
+              <a:rPr lang="zh-TW" altLang="en-US" sz="3200" dirty="0"/>
               <a:t>開源自動化平台 </a:t>
             </a:r>
             <a:r>
-              <a:rPr lang="en-US" altLang="zh-TW" sz="3200"/>
+              <a:rPr lang="en-US" altLang="zh-TW" sz="3200" dirty="0"/>
               <a:t>+ </a:t>
             </a:r>
             <a:r>
-              <a:rPr lang="zh-TW" altLang="en-US" sz="3200"/>
+              <a:rPr lang="zh-TW" altLang="en-US" sz="3200" dirty="0"/>
               <a:t>多場景流程串接</a:t>
             </a:r>
-            <a:endParaRPr lang="zh-TW" altLang="en-US" sz="3200" b="1">
+            <a:endParaRPr lang="zh-TW" altLang="en-US" sz="3200" b="1" dirty="0">
               <a:solidFill>
                 <a:schemeClr val="bg1"/>
               </a:solidFill>
@@ -3694,6 +3687,29 @@
           <a:chExt cx="0" cy="0"/>
         </a:xfrm>
       </p:grpSpPr>
+      <p:pic>
+        <p:nvPicPr>
+          <p:cNvPr id="8" name="圖片 7"/>
+          <p:cNvPicPr>
+            <a:picLocks noChangeAspect="1"/>
+          </p:cNvPicPr>
+          <p:nvPr/>
+        </p:nvPicPr>
+        <p:blipFill rotWithShape="1">
+          <a:blip r:embed="rId2"/>
+          <a:srcRect t="14392"/>
+          <a:stretch/>
+        </p:blipFill>
+        <p:spPr>
+          <a:xfrm>
+            <a:off x="101600" y="995680"/>
+            <a:ext cx="11647449" cy="5297196"/>
+          </a:xfrm>
+          <a:prstGeom prst="rect">
+            <a:avLst/>
+          </a:prstGeom>
+        </p:spPr>
+      </p:pic>
       <p:sp>
         <p:nvSpPr>
           <p:cNvPr id="4" name="投影片編號版面配置區 3">
@@ -3746,22 +3762,22 @@
           <a:lstStyle/>
           <a:p>
             <a:r>
-              <a:rPr lang="zh-TW" altLang="en-US" sz="2400" smtClean="0">
+              <a:rPr lang="en-US" altLang="zh-TW" sz="2400" dirty="0" smtClean="0">
                 <a:solidFill>
                   <a:srgbClr val="006666"/>
                 </a:solidFill>
               </a:rPr>
-              <a:t>程式</a:t>
-            </a:r>
-            <a:r>
-              <a:rPr lang="zh-TW" altLang="en-US" sz="2400">
+              <a:t>n8n</a:t>
+            </a:r>
+            <a:r>
+              <a:rPr lang="zh-TW" altLang="en-US" sz="2400" dirty="0" smtClean="0">
                 <a:solidFill>
                   <a:srgbClr val="006666"/>
                 </a:solidFill>
               </a:rPr>
-              <a:t>流程</a:t>
-            </a:r>
-            <a:endParaRPr lang="zh-TW" altLang="en-US" sz="2400" b="1">
+              <a:t>介面</a:t>
+            </a:r>
+            <a:endParaRPr lang="zh-TW" altLang="en-US" sz="2400" b="1" dirty="0">
               <a:solidFill>
                 <a:srgbClr val="006666"/>
               </a:solidFill>
@@ -3815,6 +3831,583 @@
           </a:p>
         </p:txBody>
       </p:sp>
+      <p:sp>
+        <p:nvSpPr>
+          <p:cNvPr id="2" name="Rectangle 1"/>
+          <p:cNvSpPr>
+            <a:spLocks noChangeArrowheads="1"/>
+          </p:cNvSpPr>
+          <p:nvPr/>
+        </p:nvSpPr>
+        <p:spPr bwMode="auto">
+          <a:xfrm>
+            <a:off x="0" y="0"/>
+            <a:ext cx="12192000" cy="0"/>
+          </a:xfrm>
+          <a:prstGeom prst="rect">
+            <a:avLst/>
+          </a:prstGeom>
+          <a:solidFill>
+            <a:srgbClr val="FFFFFF"/>
+          </a:solidFill>
+          <a:ln>
+            <a:noFill/>
+          </a:ln>
+          <a:effectLst/>
+          <a:extLst>
+            <a:ext uri="{91240B29-F687-4F45-9708-019B960494DF}">
+              <a14:hiddenLine xmlns:a14="http://schemas.microsoft.com/office/drawing/2010/main" w="9525">
+                <a:solidFill>
+                  <a:schemeClr val="tx1"/>
+                </a:solidFill>
+                <a:miter lim="800000"/>
+                <a:headEnd/>
+                <a:tailEnd/>
+              </a14:hiddenLine>
+            </a:ext>
+            <a:ext uri="{AF507438-7753-43E0-B8FC-AC1667EBCBE1}">
+              <a14:hiddenEffects xmlns:a14="http://schemas.microsoft.com/office/drawing/2010/main">
+                <a:effectLst>
+                  <a:outerShdw dist="35921" dir="2700000" algn="ctr" rotWithShape="0">
+                    <a:schemeClr val="bg2"/>
+                  </a:outerShdw>
+                </a:effectLst>
+              </a14:hiddenEffects>
+            </a:ext>
+          </a:extLst>
+        </p:spPr>
+        <p:txBody>
+          <a:bodyPr vert="horz" wrap="none" lIns="91440" tIns="45720" rIns="91440" bIns="45720" numCol="1" anchor="ctr" anchorCtr="0" compatLnSpc="1">
+            <a:prstTxWarp prst="textNoShape">
+              <a:avLst/>
+            </a:prstTxWarp>
+            <a:spAutoFit/>
+          </a:bodyPr>
+          <a:lstStyle/>
+          <a:p>
+            <a:endParaRPr lang="zh-TW" altLang="en-US"/>
+          </a:p>
+        </p:txBody>
+      </p:sp>
+      <p:sp>
+        <p:nvSpPr>
+          <p:cNvPr id="3" name="Rectangle 2"/>
+          <p:cNvSpPr>
+            <a:spLocks noChangeArrowheads="1"/>
+          </p:cNvSpPr>
+          <p:nvPr/>
+        </p:nvSpPr>
+        <p:spPr bwMode="auto">
+          <a:xfrm>
+            <a:off x="0" y="0"/>
+            <a:ext cx="12192000" cy="15875"/>
+          </a:xfrm>
+          <a:prstGeom prst="rect">
+            <a:avLst/>
+          </a:prstGeom>
+          <a:solidFill>
+            <a:srgbClr val="000000"/>
+          </a:solidFill>
+          <a:ln w="9525">
+            <a:solidFill>
+              <a:schemeClr val="tx1"/>
+            </a:solidFill>
+            <a:prstDash val="solid"/>
+            <a:miter lim="800000"/>
+            <a:headEnd/>
+            <a:tailEnd/>
+          </a:ln>
+          <a:effectLst/>
+          <a:extLst>
+            <a:ext uri="{AF507438-7753-43E0-B8FC-AC1667EBCBE1}">
+              <a14:hiddenEffects xmlns:a14="http://schemas.microsoft.com/office/drawing/2010/main">
+                <a:effectLst>
+                  <a:outerShdw dist="35921" dir="2700000" algn="ctr" rotWithShape="0">
+                    <a:schemeClr val="bg2"/>
+                  </a:outerShdw>
+                </a:effectLst>
+              </a14:hiddenEffects>
+            </a:ext>
+          </a:extLst>
+        </p:spPr>
+        <p:txBody>
+          <a:bodyPr vert="horz" wrap="none" lIns="91440" tIns="45720" rIns="91440" bIns="45720" numCol="1" anchor="ctr" anchorCtr="0" compatLnSpc="1">
+            <a:prstTxWarp prst="textNoShape">
+              <a:avLst/>
+            </a:prstTxWarp>
+            <a:spAutoFit/>
+          </a:bodyPr>
+          <a:lstStyle/>
+          <a:p>
+            <a:endParaRPr lang="zh-TW" altLang="en-US"/>
+          </a:p>
+        </p:txBody>
+      </p:sp>
+      <p:sp>
+        <p:nvSpPr>
+          <p:cNvPr id="7" name="Rectangle 3"/>
+          <p:cNvSpPr>
+            <a:spLocks noChangeArrowheads="1"/>
+          </p:cNvSpPr>
+          <p:nvPr/>
+        </p:nvSpPr>
+        <p:spPr bwMode="auto">
+          <a:xfrm>
+            <a:off x="0" y="-202749"/>
+            <a:ext cx="65" cy="437249"/>
+          </a:xfrm>
+          <a:prstGeom prst="rect">
+            <a:avLst/>
+          </a:prstGeom>
+          <a:solidFill>
+            <a:srgbClr val="FFFFFF"/>
+          </a:solidFill>
+          <a:ln>
+            <a:noFill/>
+          </a:ln>
+          <a:effectLst/>
+          <a:extLst>
+            <a:ext uri="{91240B29-F687-4F45-9708-019B960494DF}">
+              <a14:hiddenLine xmlns:a14="http://schemas.microsoft.com/office/drawing/2010/main" w="9525">
+                <a:solidFill>
+                  <a:schemeClr val="tx1"/>
+                </a:solidFill>
+                <a:miter lim="800000"/>
+                <a:headEnd/>
+                <a:tailEnd/>
+              </a14:hiddenLine>
+            </a:ext>
+            <a:ext uri="{AF507438-7753-43E0-B8FC-AC1667EBCBE1}">
+              <a14:hiddenEffects xmlns:a14="http://schemas.microsoft.com/office/drawing/2010/main">
+                <a:effectLst>
+                  <a:outerShdw dist="35921" dir="2700000" algn="ctr" rotWithShape="0">
+                    <a:schemeClr val="bg2"/>
+                  </a:outerShdw>
+                </a:effectLst>
+              </a14:hiddenEffects>
+            </a:ext>
+          </a:extLst>
+        </p:spPr>
+        <p:txBody>
+          <a:bodyPr vert="horz" wrap="none" lIns="0" tIns="0" rIns="0" bIns="158700" numCol="1" anchor="ctr" anchorCtr="0" compatLnSpc="1">
+            <a:prstTxWarp prst="textNoShape">
+              <a:avLst/>
+            </a:prstTxWarp>
+            <a:spAutoFit/>
+          </a:bodyPr>
+          <a:lstStyle/>
+          <a:p>
+            <a:pPr marL="0" marR="0" lvl="0" indent="0" algn="l" defTabSz="914400" rtl="0" eaLnBrk="0" fontAlgn="base" latinLnBrk="0" hangingPunct="0">
+              <a:lnSpc>
+                <a:spcPct val="100000"/>
+              </a:lnSpc>
+              <a:spcBef>
+                <a:spcPct val="0"/>
+              </a:spcBef>
+              <a:spcAft>
+                <a:spcPct val="0"/>
+              </a:spcAft>
+              <a:buClrTx/>
+              <a:buSzTx/>
+              <a:buFontTx/>
+              <a:buNone/>
+              <a:tabLst/>
+            </a:pPr>
+            <a:endParaRPr kumimoji="0" lang="zh-TW" altLang="zh-TW" sz="1800" b="0" i="0" u="none" strike="noStrike" cap="none" normalizeH="0" baseline="0" dirty="0" smtClean="0">
+              <a:ln>
+                <a:noFill/>
+              </a:ln>
+              <a:solidFill>
+                <a:schemeClr val="tx1"/>
+              </a:solidFill>
+              <a:effectLst/>
+              <a:latin typeface="Arial" panose="020B0604020202020204" pitchFamily="34" charset="0"/>
+            </a:endParaRPr>
+          </a:p>
+        </p:txBody>
+      </p:sp>
+      <p:sp>
+        <p:nvSpPr>
+          <p:cNvPr id="19" name="矩形 18"/>
+          <p:cNvSpPr/>
+          <p:nvPr/>
+        </p:nvSpPr>
+        <p:spPr>
+          <a:xfrm>
+            <a:off x="9809794" y="1113234"/>
+            <a:ext cx="2236617" cy="369332"/>
+          </a:xfrm>
+          <a:prstGeom prst="rect">
+            <a:avLst/>
+          </a:prstGeom>
+          <a:solidFill>
+            <a:schemeClr val="accent2"/>
+          </a:solidFill>
+        </p:spPr>
+        <p:txBody>
+          <a:bodyPr wrap="square">
+            <a:spAutoFit/>
+          </a:bodyPr>
+          <a:lstStyle/>
+          <a:p>
+            <a:r>
+              <a:rPr lang="en-US" altLang="zh-TW" b="1" dirty="0">
+                <a:solidFill>
+                  <a:schemeClr val="bg1"/>
+                </a:solidFill>
+                <a:latin typeface="微軟正黑體" panose="020B0604030504040204" pitchFamily="34" charset="-120"/>
+                <a:ea typeface="微軟正黑體" panose="020B0604030504040204" pitchFamily="34" charset="-120"/>
+              </a:rPr>
+              <a:t>node </a:t>
+            </a:r>
+            <a:r>
+              <a:rPr lang="zh-TW" altLang="en-US" b="1" dirty="0">
+                <a:solidFill>
+                  <a:schemeClr val="bg1"/>
+                </a:solidFill>
+                <a:latin typeface="微軟正黑體" panose="020B0604030504040204" pitchFamily="34" charset="-120"/>
+                <a:ea typeface="微軟正黑體" panose="020B0604030504040204" pitchFamily="34" charset="-120"/>
+              </a:rPr>
+              <a:t>節點功能面板</a:t>
+            </a:r>
+          </a:p>
+        </p:txBody>
+      </p:sp>
+      <p:sp>
+        <p:nvSpPr>
+          <p:cNvPr id="20" name="矩形 19"/>
+          <p:cNvSpPr/>
+          <p:nvPr/>
+        </p:nvSpPr>
+        <p:spPr>
+          <a:xfrm>
+            <a:off x="4150462" y="2162795"/>
+            <a:ext cx="1649853" cy="369332"/>
+          </a:xfrm>
+          <a:prstGeom prst="rect">
+            <a:avLst/>
+          </a:prstGeom>
+          <a:solidFill>
+            <a:schemeClr val="accent2"/>
+          </a:solidFill>
+        </p:spPr>
+        <p:txBody>
+          <a:bodyPr wrap="square">
+            <a:spAutoFit/>
+          </a:bodyPr>
+          <a:lstStyle/>
+          <a:p>
+            <a:pPr algn="ctr"/>
+            <a:r>
+              <a:rPr lang="zh-TW" altLang="en-US" b="1" dirty="0">
+                <a:solidFill>
+                  <a:schemeClr val="bg1"/>
+                </a:solidFill>
+                <a:latin typeface="Noto Sans TC" panose="020B0200000000000000" pitchFamily="34" charset="-120"/>
+                <a:ea typeface="Noto Sans TC" panose="020B0200000000000000" pitchFamily="34" charset="-120"/>
+              </a:rPr>
+              <a:t>白板工作區</a:t>
+            </a:r>
+            <a:endParaRPr lang="zh-TW" altLang="en-US" b="1" i="0" dirty="0">
+              <a:solidFill>
+                <a:schemeClr val="bg1"/>
+              </a:solidFill>
+              <a:effectLst/>
+              <a:latin typeface="Noto Sans TC" panose="020B0200000000000000" pitchFamily="34" charset="-120"/>
+              <a:ea typeface="Noto Sans TC" panose="020B0200000000000000" pitchFamily="34" charset="-120"/>
+            </a:endParaRPr>
+          </a:p>
+        </p:txBody>
+      </p:sp>
+      <p:sp>
+        <p:nvSpPr>
+          <p:cNvPr id="21" name="矩形 20"/>
+          <p:cNvSpPr/>
+          <p:nvPr/>
+        </p:nvSpPr>
+        <p:spPr>
+          <a:xfrm>
+            <a:off x="589280" y="1641484"/>
+            <a:ext cx="8437982" cy="4509928"/>
+          </a:xfrm>
+          <a:prstGeom prst="rect">
+            <a:avLst/>
+          </a:prstGeom>
+          <a:noFill/>
+          <a:ln w="57150">
+            <a:solidFill>
+              <a:schemeClr val="accent2"/>
+            </a:solidFill>
+          </a:ln>
+        </p:spPr>
+        <p:style>
+          <a:lnRef idx="2">
+            <a:schemeClr val="accent2">
+              <a:shade val="50000"/>
+            </a:schemeClr>
+          </a:lnRef>
+          <a:fillRef idx="1">
+            <a:schemeClr val="accent2"/>
+          </a:fillRef>
+          <a:effectRef idx="0">
+            <a:schemeClr val="accent2"/>
+          </a:effectRef>
+          <a:fontRef idx="minor">
+            <a:schemeClr val="lt1"/>
+          </a:fontRef>
+        </p:style>
+        <p:txBody>
+          <a:bodyPr rtlCol="0" anchor="ctr"/>
+          <a:lstStyle/>
+          <a:p>
+            <a:pPr algn="ctr"/>
+            <a:endParaRPr lang="zh-TW" altLang="en-US"/>
+          </a:p>
+        </p:txBody>
+      </p:sp>
+      <p:cxnSp>
+        <p:nvCxnSpPr>
+          <p:cNvPr id="23" name="直線接點 22"/>
+          <p:cNvCxnSpPr/>
+          <p:nvPr/>
+        </p:nvCxnSpPr>
+        <p:spPr>
+          <a:xfrm>
+            <a:off x="4965226" y="1641484"/>
+            <a:ext cx="0" cy="541630"/>
+          </a:xfrm>
+          <a:prstGeom prst="line">
+            <a:avLst/>
+          </a:prstGeom>
+          <a:ln w="57150">
+            <a:solidFill>
+              <a:schemeClr val="accent2"/>
+            </a:solidFill>
+          </a:ln>
+        </p:spPr>
+        <p:style>
+          <a:lnRef idx="1">
+            <a:schemeClr val="accent1"/>
+          </a:lnRef>
+          <a:fillRef idx="0">
+            <a:schemeClr val="accent1"/>
+          </a:fillRef>
+          <a:effectRef idx="0">
+            <a:schemeClr val="accent1"/>
+          </a:effectRef>
+          <a:fontRef idx="minor">
+            <a:schemeClr val="tx1"/>
+          </a:fontRef>
+        </p:style>
+      </p:cxnSp>
+      <p:cxnSp>
+        <p:nvCxnSpPr>
+          <p:cNvPr id="25" name="直線接點 24"/>
+          <p:cNvCxnSpPr/>
+          <p:nvPr/>
+        </p:nvCxnSpPr>
+        <p:spPr>
+          <a:xfrm>
+            <a:off x="6448929" y="511511"/>
+            <a:ext cx="0" cy="454066"/>
+          </a:xfrm>
+          <a:prstGeom prst="line">
+            <a:avLst/>
+          </a:prstGeom>
+          <a:ln w="57150">
+            <a:solidFill>
+              <a:schemeClr val="accent2"/>
+            </a:solidFill>
+          </a:ln>
+        </p:spPr>
+        <p:style>
+          <a:lnRef idx="1">
+            <a:schemeClr val="accent1"/>
+          </a:lnRef>
+          <a:fillRef idx="0">
+            <a:schemeClr val="accent1"/>
+          </a:fillRef>
+          <a:effectRef idx="0">
+            <a:schemeClr val="accent1"/>
+          </a:effectRef>
+          <a:fontRef idx="minor">
+            <a:schemeClr val="tx1"/>
+          </a:fontRef>
+        </p:style>
+      </p:cxnSp>
+      <p:sp>
+        <p:nvSpPr>
+          <p:cNvPr id="29" name="矩形 28"/>
+          <p:cNvSpPr/>
+          <p:nvPr/>
+        </p:nvSpPr>
+        <p:spPr>
+          <a:xfrm>
+            <a:off x="9168148" y="1828799"/>
+            <a:ext cx="2507737" cy="4322613"/>
+          </a:xfrm>
+          <a:prstGeom prst="rect">
+            <a:avLst/>
+          </a:prstGeom>
+          <a:noFill/>
+          <a:ln w="57150">
+            <a:solidFill>
+              <a:schemeClr val="accent2"/>
+            </a:solidFill>
+          </a:ln>
+        </p:spPr>
+        <p:style>
+          <a:lnRef idx="2">
+            <a:schemeClr val="accent2">
+              <a:shade val="50000"/>
+            </a:schemeClr>
+          </a:lnRef>
+          <a:fillRef idx="1">
+            <a:schemeClr val="accent2"/>
+          </a:fillRef>
+          <a:effectRef idx="0">
+            <a:schemeClr val="accent2"/>
+          </a:effectRef>
+          <a:fontRef idx="minor">
+            <a:schemeClr val="lt1"/>
+          </a:fontRef>
+        </p:style>
+        <p:txBody>
+          <a:bodyPr rtlCol="0" anchor="ctr"/>
+          <a:lstStyle/>
+          <a:p>
+            <a:pPr algn="ctr"/>
+            <a:endParaRPr lang="zh-TW" altLang="en-US"/>
+          </a:p>
+        </p:txBody>
+      </p:sp>
+      <p:sp>
+        <p:nvSpPr>
+          <p:cNvPr id="34" name="矩形 33"/>
+          <p:cNvSpPr/>
+          <p:nvPr/>
+        </p:nvSpPr>
+        <p:spPr>
+          <a:xfrm>
+            <a:off x="589280" y="946148"/>
+            <a:ext cx="9928365" cy="505437"/>
+          </a:xfrm>
+          <a:prstGeom prst="rect">
+            <a:avLst/>
+          </a:prstGeom>
+          <a:noFill/>
+          <a:ln w="57150">
+            <a:solidFill>
+              <a:schemeClr val="accent2"/>
+            </a:solidFill>
+          </a:ln>
+        </p:spPr>
+        <p:style>
+          <a:lnRef idx="2">
+            <a:schemeClr val="accent2">
+              <a:shade val="50000"/>
+            </a:schemeClr>
+          </a:lnRef>
+          <a:fillRef idx="1">
+            <a:schemeClr val="accent2"/>
+          </a:fillRef>
+          <a:effectRef idx="0">
+            <a:schemeClr val="accent2"/>
+          </a:effectRef>
+          <a:fontRef idx="minor">
+            <a:schemeClr val="lt1"/>
+          </a:fontRef>
+        </p:style>
+        <p:txBody>
+          <a:bodyPr rtlCol="0" anchor="ctr"/>
+          <a:lstStyle/>
+          <a:p>
+            <a:pPr algn="ctr"/>
+            <a:endParaRPr lang="zh-TW" altLang="en-US"/>
+          </a:p>
+        </p:txBody>
+      </p:sp>
+      <p:sp>
+        <p:nvSpPr>
+          <p:cNvPr id="36" name="矩形 35"/>
+          <p:cNvSpPr/>
+          <p:nvPr/>
+        </p:nvSpPr>
+        <p:spPr>
+          <a:xfrm>
+            <a:off x="5443089" y="185381"/>
+            <a:ext cx="1866303" cy="369332"/>
+          </a:xfrm>
+          <a:prstGeom prst="rect">
+            <a:avLst/>
+          </a:prstGeom>
+          <a:solidFill>
+            <a:schemeClr val="accent2"/>
+          </a:solidFill>
+        </p:spPr>
+        <p:txBody>
+          <a:bodyPr wrap="square">
+            <a:spAutoFit/>
+          </a:bodyPr>
+          <a:lstStyle/>
+          <a:p>
+            <a:pPr algn="ctr"/>
+            <a:r>
+              <a:rPr lang="zh-TW" altLang="en-US" b="1" dirty="0" smtClean="0">
+                <a:solidFill>
+                  <a:schemeClr val="bg1"/>
+                </a:solidFill>
+                <a:latin typeface="Noto Sans TC" panose="020B0200000000000000" pitchFamily="34" charset="-120"/>
+                <a:ea typeface="Noto Sans TC" panose="020B0200000000000000" pitchFamily="34" charset="-120"/>
+              </a:rPr>
+              <a:t>設定、匯入匯出</a:t>
+            </a:r>
+            <a:endParaRPr lang="zh-TW" altLang="en-US" b="1" i="0" dirty="0">
+              <a:solidFill>
+                <a:schemeClr val="bg1"/>
+              </a:solidFill>
+              <a:effectLst/>
+              <a:latin typeface="Noto Sans TC" panose="020B0200000000000000" pitchFamily="34" charset="-120"/>
+              <a:ea typeface="Noto Sans TC" panose="020B0200000000000000" pitchFamily="34" charset="-120"/>
+            </a:endParaRPr>
+          </a:p>
+        </p:txBody>
+      </p:sp>
+      <p:cxnSp>
+        <p:nvCxnSpPr>
+          <p:cNvPr id="22" name="直線接點 21"/>
+          <p:cNvCxnSpPr/>
+          <p:nvPr/>
+        </p:nvCxnSpPr>
+        <p:spPr>
+          <a:xfrm>
+            <a:off x="11112369" y="1414451"/>
+            <a:ext cx="0" cy="454066"/>
+          </a:xfrm>
+          <a:prstGeom prst="line">
+            <a:avLst/>
+          </a:prstGeom>
+          <a:ln w="57150">
+            <a:solidFill>
+              <a:schemeClr val="accent2"/>
+            </a:solidFill>
+          </a:ln>
+        </p:spPr>
+        <p:style>
+          <a:lnRef idx="1">
+            <a:schemeClr val="accent1"/>
+          </a:lnRef>
+          <a:fillRef idx="0">
+            <a:schemeClr val="accent1"/>
+          </a:fillRef>
+          <a:effectRef idx="0">
+            <a:schemeClr val="accent1"/>
+          </a:effectRef>
+          <a:fontRef idx="minor">
+            <a:schemeClr val="tx1"/>
+          </a:fontRef>
+        </p:style>
+      </p:cxnSp>
     </p:spTree>
     <p:extLst>
       <p:ext uri="{BB962C8B-B14F-4D97-AF65-F5344CB8AC3E}">
@@ -3864,35 +4457,6 @@
           <a:chExt cx="0" cy="0"/>
         </a:xfrm>
       </p:grpSpPr>
-      <p:pic>
-        <p:nvPicPr>
-          <p:cNvPr id="3" name="圖片 2"/>
-          <p:cNvPicPr>
-            <a:picLocks noChangeAspect="1"/>
-          </p:cNvPicPr>
-          <p:nvPr/>
-        </p:nvPicPr>
-        <p:blipFill rotWithShape="1">
-          <a:blip r:embed="rId2">
-            <a:extLst>
-              <a:ext uri="{28A0092B-C50C-407E-A947-70E740481C1C}">
-                <a14:useLocalDpi xmlns:a14="http://schemas.microsoft.com/office/drawing/2010/main" val="0"/>
-              </a:ext>
-            </a:extLst>
-          </a:blip>
-          <a:srcRect r="19757"/>
-          <a:stretch/>
-        </p:blipFill>
-        <p:spPr>
-          <a:xfrm>
-            <a:off x="0" y="750149"/>
-            <a:ext cx="8064137" cy="6115793"/>
-          </a:xfrm>
-          <a:prstGeom prst="rect">
-            <a:avLst/>
-          </a:prstGeom>
-        </p:spPr>
-      </p:pic>
       <p:sp>
         <p:nvSpPr>
           <p:cNvPr id="4" name="投影片編號版面配置區 3">
@@ -3945,19 +4509,32 @@
           <a:lstStyle/>
           <a:p>
             <a:r>
-              <a:rPr lang="zh-TW" altLang="en-US" sz="2400" b="1">
+              <a:rPr lang="zh-TW" altLang="en-US" sz="2400" dirty="0" smtClean="0">
                 <a:solidFill>
                   <a:srgbClr val="006666"/>
                 </a:solidFill>
               </a:rPr>
-              <a:t>變數設定</a:t>
-            </a:r>
-          </a:p>
-        </p:txBody>
-      </p:sp>
-      <p:sp>
-        <p:nvSpPr>
-          <p:cNvPr id="7" name="矩形 6"/>
+              <a:t>程式</a:t>
+            </a:r>
+            <a:r>
+              <a:rPr lang="zh-TW" altLang="en-US" sz="2400" dirty="0">
+                <a:solidFill>
+                  <a:srgbClr val="006666"/>
+                </a:solidFill>
+              </a:rPr>
+              <a:t>流程</a:t>
+            </a:r>
+            <a:endParaRPr lang="zh-TW" altLang="en-US" sz="2400" b="1" dirty="0">
+              <a:solidFill>
+                <a:srgbClr val="006666"/>
+              </a:solidFill>
+            </a:endParaRPr>
+          </a:p>
+        </p:txBody>
+      </p:sp>
+      <p:sp>
+        <p:nvSpPr>
+          <p:cNvPr id="5" name="矩形 4"/>
           <p:cNvSpPr/>
           <p:nvPr/>
         </p:nvSpPr>
@@ -4003,644 +4580,706 @@
       </p:sp>
       <p:sp>
         <p:nvSpPr>
-          <p:cNvPr id="9" name="文字方塊 8"/>
-          <p:cNvSpPr txBox="1"/>
+          <p:cNvPr id="2" name="Rectangle 1"/>
+          <p:cNvSpPr>
+            <a:spLocks noChangeArrowheads="1"/>
+          </p:cNvSpPr>
           <p:nvPr/>
         </p:nvSpPr>
-        <p:spPr>
-          <a:xfrm>
-            <a:off x="8413561" y="738298"/>
-            <a:ext cx="3738524" cy="3323987"/>
+        <p:spPr bwMode="auto">
+          <a:xfrm>
+            <a:off x="0" y="0"/>
+            <a:ext cx="12192000" cy="0"/>
           </a:xfrm>
           <a:prstGeom prst="rect">
             <a:avLst/>
           </a:prstGeom>
-          <a:noFill/>
-        </p:spPr>
-        <p:txBody>
-          <a:bodyPr wrap="none" rtlCol="0">
+          <a:solidFill>
+            <a:srgbClr val="FFFFFF"/>
+          </a:solidFill>
+          <a:ln>
+            <a:noFill/>
+          </a:ln>
+          <a:effectLst/>
+          <a:extLst>
+            <a:ext uri="{91240B29-F687-4F45-9708-019B960494DF}">
+              <a14:hiddenLine xmlns:a14="http://schemas.microsoft.com/office/drawing/2010/main" w="9525">
+                <a:solidFill>
+                  <a:schemeClr val="tx1"/>
+                </a:solidFill>
+                <a:miter lim="800000"/>
+                <a:headEnd/>
+                <a:tailEnd/>
+              </a14:hiddenLine>
+            </a:ext>
+            <a:ext uri="{AF507438-7753-43E0-B8FC-AC1667EBCBE1}">
+              <a14:hiddenEffects xmlns:a14="http://schemas.microsoft.com/office/drawing/2010/main">
+                <a:effectLst>
+                  <a:outerShdw dist="35921" dir="2700000" algn="ctr" rotWithShape="0">
+                    <a:schemeClr val="bg2"/>
+                  </a:outerShdw>
+                </a:effectLst>
+              </a14:hiddenEffects>
+            </a:ext>
+          </a:extLst>
+        </p:spPr>
+        <p:txBody>
+          <a:bodyPr vert="horz" wrap="none" lIns="91440" tIns="45720" rIns="91440" bIns="45720" numCol="1" anchor="ctr" anchorCtr="0" compatLnSpc="1">
+            <a:prstTxWarp prst="textNoShape">
+              <a:avLst/>
+            </a:prstTxWarp>
             <a:spAutoFit/>
           </a:bodyPr>
           <a:lstStyle/>
           <a:p>
-            <a:pPr>
-              <a:lnSpc>
-                <a:spcPct val="150000"/>
-              </a:lnSpc>
-            </a:pPr>
-            <a:r>
-              <a:rPr lang="zh-TW" altLang="en-US" sz="2000" b="1" smtClean="0">
-                <a:latin typeface="微軟正黑體" panose="020B0604030504040204" pitchFamily="34" charset="-120"/>
-                <a:ea typeface="微軟正黑體" panose="020B0604030504040204" pitchFamily="34" charset="-120"/>
-              </a:rPr>
-              <a:t>打開</a:t>
-            </a:r>
-            <a:r>
-              <a:rPr lang="en-US" altLang="zh-TW" sz="2000" b="1" smtClean="0">
-                <a:latin typeface="微軟正黑體" panose="020B0604030504040204" pitchFamily="34" charset="-120"/>
-                <a:ea typeface="微軟正黑體" panose="020B0604030504040204" pitchFamily="34" charset="-120"/>
-              </a:rPr>
-              <a:t>f5_dtc.ps1</a:t>
-            </a:r>
-            <a:r>
-              <a:rPr lang="zh-TW" altLang="en-US" sz="2000" b="1" smtClean="0">
-                <a:latin typeface="微軟正黑體" panose="020B0604030504040204" pitchFamily="34" charset="-120"/>
-                <a:ea typeface="微軟正黑體" panose="020B0604030504040204" pitchFamily="34" charset="-120"/>
-              </a:rPr>
-              <a:t>自訂</a:t>
-            </a:r>
-            <a:r>
-              <a:rPr lang="zh-TW" altLang="en-US" sz="2000" b="1">
-                <a:latin typeface="微軟正黑體" panose="020B0604030504040204" pitchFamily="34" charset="-120"/>
-                <a:ea typeface="微軟正黑體" panose="020B0604030504040204" pitchFamily="34" charset="-120"/>
-              </a:rPr>
-              <a:t>變數</a:t>
-            </a:r>
-            <a:r>
-              <a:rPr lang="en-US" altLang="zh-TW" sz="2000" b="1">
-                <a:latin typeface="微軟正黑體" panose="020B0604030504040204" pitchFamily="34" charset="-120"/>
-                <a:ea typeface="微軟正黑體" panose="020B0604030504040204" pitchFamily="34" charset="-120"/>
-              </a:rPr>
-              <a:t>:</a:t>
-            </a:r>
-          </a:p>
-          <a:p>
-            <a:pPr marL="285750" indent="-285750">
-              <a:lnSpc>
-                <a:spcPct val="150000"/>
-              </a:lnSpc>
-              <a:buFont typeface="Arial" panose="020B0604020202020204" pitchFamily="34" charset="0"/>
-              <a:buChar char="•"/>
-            </a:pPr>
-            <a:r>
-              <a:rPr lang="zh-TW" altLang="en-US" sz="2000">
-                <a:latin typeface="微軟正黑體" panose="020B0604030504040204" pitchFamily="34" charset="-120"/>
-                <a:ea typeface="微軟正黑體" panose="020B0604030504040204" pitchFamily="34" charset="-120"/>
-              </a:rPr>
-              <a:t>登入帳號</a:t>
-            </a:r>
-            <a:r>
-              <a:rPr lang="en-US" altLang="zh-TW" sz="2000">
-                <a:latin typeface="微軟正黑體" panose="020B0604030504040204" pitchFamily="34" charset="-120"/>
-                <a:ea typeface="微軟正黑體" panose="020B0604030504040204" pitchFamily="34" charset="-120"/>
-              </a:rPr>
-              <a:t>&amp;</a:t>
-            </a:r>
-            <a:r>
-              <a:rPr lang="zh-TW" altLang="en-US" sz="2000">
-                <a:latin typeface="微軟正黑體" panose="020B0604030504040204" pitchFamily="34" charset="-120"/>
-                <a:ea typeface="微軟正黑體" panose="020B0604030504040204" pitchFamily="34" charset="-120"/>
-              </a:rPr>
-              <a:t>密碼</a:t>
-            </a:r>
-            <a:endParaRPr lang="en-US" altLang="zh-TW" sz="2000">
-              <a:latin typeface="微軟正黑體" panose="020B0604030504040204" pitchFamily="34" charset="-120"/>
-              <a:ea typeface="微軟正黑體" panose="020B0604030504040204" pitchFamily="34" charset="-120"/>
-            </a:endParaRPr>
-          </a:p>
-          <a:p>
-            <a:pPr marL="285750" indent="-285750">
-              <a:lnSpc>
-                <a:spcPct val="150000"/>
-              </a:lnSpc>
-              <a:buFont typeface="Arial" panose="020B0604020202020204" pitchFamily="34" charset="0"/>
-              <a:buChar char="•"/>
-            </a:pPr>
-            <a:r>
-              <a:rPr lang="zh-TW" altLang="en-US" sz="2000">
-                <a:latin typeface="微軟正黑體" panose="020B0604030504040204" pitchFamily="34" charset="-120"/>
-                <a:ea typeface="微軟正黑體" panose="020B0604030504040204" pitchFamily="34" charset="-120"/>
-              </a:rPr>
-              <a:t>警告閾值</a:t>
-            </a:r>
-            <a:endParaRPr lang="en-US" altLang="zh-TW" sz="2000">
-              <a:latin typeface="微軟正黑體" panose="020B0604030504040204" pitchFamily="34" charset="-120"/>
-              <a:ea typeface="微軟正黑體" panose="020B0604030504040204" pitchFamily="34" charset="-120"/>
-            </a:endParaRPr>
-          </a:p>
-          <a:p>
-            <a:pPr marL="285750" indent="-285750">
-              <a:lnSpc>
-                <a:spcPct val="150000"/>
-              </a:lnSpc>
-              <a:buFont typeface="Arial" panose="020B0604020202020204" pitchFamily="34" charset="0"/>
-              <a:buChar char="•"/>
-            </a:pPr>
-            <a:r>
-              <a:rPr lang="zh-TW" altLang="en-US" sz="2000">
-                <a:latin typeface="微軟正黑體" panose="020B0604030504040204" pitchFamily="34" charset="-120"/>
-                <a:ea typeface="微軟正黑體" panose="020B0604030504040204" pitchFamily="34" charset="-120"/>
-              </a:rPr>
-              <a:t>回傳間隔</a:t>
-            </a:r>
-            <a:endParaRPr lang="en-US" altLang="zh-TW" sz="2000">
-              <a:latin typeface="微軟正黑體" panose="020B0604030504040204" pitchFamily="34" charset="-120"/>
-              <a:ea typeface="微軟正黑體" panose="020B0604030504040204" pitchFamily="34" charset="-120"/>
-            </a:endParaRPr>
-          </a:p>
-          <a:p>
-            <a:pPr marL="285750" indent="-285750">
-              <a:lnSpc>
-                <a:spcPct val="150000"/>
-              </a:lnSpc>
-              <a:buFont typeface="Arial" panose="020B0604020202020204" pitchFamily="34" charset="0"/>
-              <a:buChar char="•"/>
-            </a:pPr>
-            <a:r>
-              <a:rPr lang="en-US" altLang="zh-TW" sz="2000">
-                <a:latin typeface="微軟正黑體" panose="020B0604030504040204" pitchFamily="34" charset="-120"/>
-                <a:ea typeface="微軟正黑體" panose="020B0604030504040204" pitchFamily="34" charset="-120"/>
-              </a:rPr>
-              <a:t>F5</a:t>
-            </a:r>
-            <a:r>
-              <a:rPr lang="zh-TW" altLang="en-US" sz="2000">
-                <a:latin typeface="微軟正黑體" panose="020B0604030504040204" pitchFamily="34" charset="-120"/>
-                <a:ea typeface="微軟正黑體" panose="020B0604030504040204" pitchFamily="34" charset="-120"/>
-              </a:rPr>
-              <a:t> </a:t>
-            </a:r>
-            <a:r>
-              <a:rPr lang="en-US" altLang="zh-TW" sz="2000">
-                <a:latin typeface="微軟正黑體" panose="020B0604030504040204" pitchFamily="34" charset="-120"/>
-                <a:ea typeface="微軟正黑體" panose="020B0604030504040204" pitchFamily="34" charset="-120"/>
-              </a:rPr>
-              <a:t>API(</a:t>
-            </a:r>
-            <a:r>
-              <a:rPr lang="zh-TW" altLang="en-US" sz="2000">
-                <a:latin typeface="微軟正黑體" panose="020B0604030504040204" pitchFamily="34" charset="-120"/>
-                <a:ea typeface="微軟正黑體" panose="020B0604030504040204" pitchFamily="34" charset="-120"/>
-              </a:rPr>
-              <a:t>可多台</a:t>
-            </a:r>
-            <a:r>
-              <a:rPr lang="en-US" altLang="zh-TW" sz="2000">
-                <a:latin typeface="微軟正黑體" panose="020B0604030504040204" pitchFamily="34" charset="-120"/>
-                <a:ea typeface="微軟正黑體" panose="020B0604030504040204" pitchFamily="34" charset="-120"/>
-              </a:rPr>
-              <a:t>)</a:t>
-            </a:r>
-          </a:p>
-          <a:p>
-            <a:pPr marL="285750" indent="-285750">
-              <a:lnSpc>
-                <a:spcPct val="150000"/>
-              </a:lnSpc>
-              <a:buFont typeface="Arial" panose="020B0604020202020204" pitchFamily="34" charset="0"/>
-              <a:buChar char="•"/>
-            </a:pPr>
-            <a:r>
-              <a:rPr lang="zh-TW" altLang="en-US" sz="2000">
-                <a:latin typeface="微軟正黑體" panose="020B0604030504040204" pitchFamily="34" charset="-120"/>
-                <a:ea typeface="微軟正黑體" panose="020B0604030504040204" pitchFamily="34" charset="-120"/>
-              </a:rPr>
-              <a:t>各</a:t>
-            </a:r>
-            <a:r>
-              <a:rPr lang="en-US" altLang="zh-TW" sz="2000">
-                <a:latin typeface="微軟正黑體" panose="020B0604030504040204" pitchFamily="34" charset="-120"/>
-                <a:ea typeface="微軟正黑體" panose="020B0604030504040204" pitchFamily="34" charset="-120"/>
-              </a:rPr>
-              <a:t>API</a:t>
-            </a:r>
-            <a:r>
-              <a:rPr lang="zh-TW" altLang="en-US" sz="2000">
-                <a:latin typeface="微軟正黑體" panose="020B0604030504040204" pitchFamily="34" charset="-120"/>
-                <a:ea typeface="微軟正黑體" panose="020B0604030504040204" pitchFamily="34" charset="-120"/>
-              </a:rPr>
-              <a:t>想撈的</a:t>
-            </a:r>
-            <a:r>
-              <a:rPr lang="en-US" altLang="zh-TW" sz="2000">
-                <a:latin typeface="微軟正黑體" panose="020B0604030504040204" pitchFamily="34" charset="-120"/>
-                <a:ea typeface="微軟正黑體" panose="020B0604030504040204" pitchFamily="34" charset="-120"/>
-              </a:rPr>
-              <a:t>member</a:t>
-            </a:r>
-            <a:r>
-              <a:rPr lang="zh-TW" altLang="en-US" sz="2000">
-                <a:latin typeface="微軟正黑體" panose="020B0604030504040204" pitchFamily="34" charset="-120"/>
-                <a:ea typeface="微軟正黑體" panose="020B0604030504040204" pitchFamily="34" charset="-120"/>
-              </a:rPr>
-              <a:t>白名單</a:t>
-            </a:r>
-            <a:endParaRPr lang="en-US" altLang="zh-TW" sz="2000">
-              <a:latin typeface="微軟正黑體" panose="020B0604030504040204" pitchFamily="34" charset="-120"/>
-              <a:ea typeface="微軟正黑體" panose="020B0604030504040204" pitchFamily="34" charset="-120"/>
-            </a:endParaRPr>
-          </a:p>
-          <a:p>
-            <a:pPr marL="285750" indent="-285750">
-              <a:lnSpc>
-                <a:spcPct val="150000"/>
-              </a:lnSpc>
-              <a:buFont typeface="Arial" panose="020B0604020202020204" pitchFamily="34" charset="0"/>
-              <a:buChar char="•"/>
-            </a:pPr>
-            <a:r>
-              <a:rPr lang="zh-TW" altLang="en-US" sz="2000">
-                <a:latin typeface="微軟正黑體" panose="020B0604030504040204" pitchFamily="34" charset="-120"/>
-                <a:ea typeface="微軟正黑體" panose="020B0604030504040204" pitchFamily="34" charset="-120"/>
-              </a:rPr>
-              <a:t>監控開始</a:t>
-            </a:r>
-            <a:r>
-              <a:rPr lang="en-US" altLang="zh-TW" sz="2000">
-                <a:latin typeface="微軟正黑體" panose="020B0604030504040204" pitchFamily="34" charset="-120"/>
-                <a:ea typeface="微軟正黑體" panose="020B0604030504040204" pitchFamily="34" charset="-120"/>
-              </a:rPr>
-              <a:t>&amp;</a:t>
-            </a:r>
-            <a:r>
-              <a:rPr lang="zh-TW" altLang="en-US" sz="2000">
-                <a:latin typeface="微軟正黑體" panose="020B0604030504040204" pitchFamily="34" charset="-120"/>
-                <a:ea typeface="微軟正黑體" panose="020B0604030504040204" pitchFamily="34" charset="-120"/>
-              </a:rPr>
-              <a:t>停止時間</a:t>
-            </a:r>
-          </a:p>
-        </p:txBody>
-      </p:sp>
-      <p:sp>
-        <p:nvSpPr>
-          <p:cNvPr id="8" name="文字方塊 7"/>
-          <p:cNvSpPr txBox="1"/>
+            <a:endParaRPr lang="zh-TW" altLang="en-US"/>
+          </a:p>
+        </p:txBody>
+      </p:sp>
+      <p:sp>
+        <p:nvSpPr>
+          <p:cNvPr id="3" name="Rectangle 2"/>
+          <p:cNvSpPr>
+            <a:spLocks noChangeArrowheads="1"/>
+          </p:cNvSpPr>
           <p:nvPr/>
         </p:nvSpPr>
-        <p:spPr>
-          <a:xfrm>
-            <a:off x="798946" y="2666609"/>
-            <a:ext cx="636713" cy="369332"/>
+        <p:spPr bwMode="auto">
+          <a:xfrm>
+            <a:off x="0" y="0"/>
+            <a:ext cx="12192000" cy="15875"/>
           </a:xfrm>
           <a:prstGeom prst="rect">
             <a:avLst/>
           </a:prstGeom>
-          <a:noFill/>
-        </p:spPr>
-        <p:txBody>
-          <a:bodyPr wrap="none" rtlCol="0">
+          <a:solidFill>
+            <a:srgbClr val="000000"/>
+          </a:solidFill>
+          <a:ln w="9525">
+            <a:solidFill>
+              <a:schemeClr val="tx1"/>
+            </a:solidFill>
+            <a:prstDash val="solid"/>
+            <a:miter lim="800000"/>
+            <a:headEnd/>
+            <a:tailEnd/>
+          </a:ln>
+          <a:effectLst/>
+          <a:extLst>
+            <a:ext uri="{AF507438-7753-43E0-B8FC-AC1667EBCBE1}">
+              <a14:hiddenEffects xmlns:a14="http://schemas.microsoft.com/office/drawing/2010/main">
+                <a:effectLst>
+                  <a:outerShdw dist="35921" dir="2700000" algn="ctr" rotWithShape="0">
+                    <a:schemeClr val="bg2"/>
+                  </a:outerShdw>
+                </a:effectLst>
+              </a14:hiddenEffects>
+            </a:ext>
+          </a:extLst>
+        </p:spPr>
+        <p:txBody>
+          <a:bodyPr vert="horz" wrap="none" lIns="91440" tIns="45720" rIns="91440" bIns="45720" numCol="1" anchor="ctr" anchorCtr="0" compatLnSpc="1">
+            <a:prstTxWarp prst="textNoShape">
+              <a:avLst/>
+            </a:prstTxWarp>
             <a:spAutoFit/>
           </a:bodyPr>
           <a:lstStyle/>
           <a:p>
-            <a:r>
-              <a:rPr lang="en-US" altLang="zh-TW"/>
-              <a:t>F5 IP</a:t>
-            </a:r>
             <a:endParaRPr lang="zh-TW" altLang="en-US"/>
+          </a:p>
+        </p:txBody>
+      </p:sp>
+      <p:sp>
+        <p:nvSpPr>
+          <p:cNvPr id="7" name="Rectangle 3"/>
+          <p:cNvSpPr>
+            <a:spLocks noChangeArrowheads="1"/>
+          </p:cNvSpPr>
+          <p:nvPr/>
+        </p:nvSpPr>
+        <p:spPr bwMode="auto">
+          <a:xfrm>
+            <a:off x="0" y="-202749"/>
+            <a:ext cx="65" cy="437249"/>
+          </a:xfrm>
+          <a:prstGeom prst="rect">
+            <a:avLst/>
+          </a:prstGeom>
+          <a:solidFill>
+            <a:srgbClr val="FFFFFF"/>
+          </a:solidFill>
+          <a:ln>
+            <a:noFill/>
+          </a:ln>
+          <a:effectLst/>
+          <a:extLst>
+            <a:ext uri="{91240B29-F687-4F45-9708-019B960494DF}">
+              <a14:hiddenLine xmlns:a14="http://schemas.microsoft.com/office/drawing/2010/main" w="9525">
+                <a:solidFill>
+                  <a:schemeClr val="tx1"/>
+                </a:solidFill>
+                <a:miter lim="800000"/>
+                <a:headEnd/>
+                <a:tailEnd/>
+              </a14:hiddenLine>
+            </a:ext>
+            <a:ext uri="{AF507438-7753-43E0-B8FC-AC1667EBCBE1}">
+              <a14:hiddenEffects xmlns:a14="http://schemas.microsoft.com/office/drawing/2010/main">
+                <a:effectLst>
+                  <a:outerShdw dist="35921" dir="2700000" algn="ctr" rotWithShape="0">
+                    <a:schemeClr val="bg2"/>
+                  </a:outerShdw>
+                </a:effectLst>
+              </a14:hiddenEffects>
+            </a:ext>
+          </a:extLst>
+        </p:spPr>
+        <p:txBody>
+          <a:bodyPr vert="horz" wrap="none" lIns="0" tIns="0" rIns="0" bIns="158700" numCol="1" anchor="ctr" anchorCtr="0" compatLnSpc="1">
+            <a:prstTxWarp prst="textNoShape">
+              <a:avLst/>
+            </a:prstTxWarp>
+            <a:spAutoFit/>
+          </a:bodyPr>
+          <a:lstStyle/>
+          <a:p>
+            <a:pPr marL="0" marR="0" lvl="0" indent="0" algn="l" defTabSz="914400" rtl="0" eaLnBrk="0" fontAlgn="base" latinLnBrk="0" hangingPunct="0">
+              <a:lnSpc>
+                <a:spcPct val="100000"/>
+              </a:lnSpc>
+              <a:spcBef>
+                <a:spcPct val="0"/>
+              </a:spcBef>
+              <a:spcAft>
+                <a:spcPct val="0"/>
+              </a:spcAft>
+              <a:buClrTx/>
+              <a:buSzTx/>
+              <a:buFontTx/>
+              <a:buNone/>
+              <a:tabLst/>
+            </a:pPr>
+            <a:endParaRPr kumimoji="0" lang="zh-TW" altLang="zh-TW" sz="1800" b="0" i="0" u="none" strike="noStrike" cap="none" normalizeH="0" baseline="0" dirty="0" smtClean="0">
+              <a:ln>
+                <a:noFill/>
+              </a:ln>
+              <a:solidFill>
+                <a:schemeClr val="tx1"/>
+              </a:solidFill>
+              <a:effectLst/>
+              <a:latin typeface="Arial" panose="020B0604020202020204" pitchFamily="34" charset="0"/>
+            </a:endParaRPr>
+          </a:p>
+        </p:txBody>
+      </p:sp>
+      <p:sp>
+        <p:nvSpPr>
+          <p:cNvPr id="8" name="矩形 7"/>
+          <p:cNvSpPr/>
+          <p:nvPr/>
+        </p:nvSpPr>
+        <p:spPr>
+          <a:xfrm>
+            <a:off x="351098" y="851594"/>
+            <a:ext cx="6200173" cy="523220"/>
+          </a:xfrm>
+          <a:prstGeom prst="rect">
+            <a:avLst/>
+          </a:prstGeom>
+        </p:spPr>
+        <p:txBody>
+          <a:bodyPr wrap="square">
+            <a:spAutoFit/>
+          </a:bodyPr>
+          <a:lstStyle/>
+          <a:p>
+            <a:pPr lvl="0" eaLnBrk="0" fontAlgn="base" hangingPunct="0">
+              <a:spcBef>
+                <a:spcPct val="0"/>
+              </a:spcBef>
+              <a:spcAft>
+                <a:spcPct val="0"/>
+              </a:spcAft>
+            </a:pPr>
+            <a:r>
+              <a:rPr lang="zh-TW" altLang="zh-TW" sz="2800" b="1" dirty="0" smtClean="0">
+                <a:solidFill>
+                  <a:srgbClr val="006666"/>
+                </a:solidFill>
+                <a:latin typeface="Noto Sans TC" panose="020B0200000000000000" pitchFamily="34" charset="-120"/>
+                <a:ea typeface="Noto Sans TC" panose="020B0200000000000000" pitchFamily="34" charset="-120"/>
+              </a:rPr>
+              <a:t>自動化核心概念：Trigger 和 Action</a:t>
+            </a:r>
+            <a:endParaRPr lang="zh-TW" altLang="zh-TW" sz="2800" b="1" dirty="0">
+              <a:solidFill>
+                <a:srgbClr val="006666"/>
+              </a:solidFill>
+              <a:latin typeface="Noto Sans TC" panose="020B0200000000000000" pitchFamily="34" charset="-120"/>
+              <a:ea typeface="Noto Sans TC" panose="020B0200000000000000" pitchFamily="34" charset="-120"/>
+            </a:endParaRPr>
+          </a:p>
+        </p:txBody>
+      </p:sp>
+      <p:sp>
+        <p:nvSpPr>
+          <p:cNvPr id="9" name="矩形 8"/>
+          <p:cNvSpPr/>
+          <p:nvPr/>
+        </p:nvSpPr>
+        <p:spPr>
+          <a:xfrm>
+            <a:off x="350931" y="5749909"/>
+            <a:ext cx="4736618" cy="646331"/>
+          </a:xfrm>
+          <a:prstGeom prst="rect">
+            <a:avLst/>
+          </a:prstGeom>
+        </p:spPr>
+        <p:txBody>
+          <a:bodyPr wrap="square">
+            <a:spAutoFit/>
+          </a:bodyPr>
+          <a:lstStyle/>
+          <a:p>
+            <a:r>
+              <a:rPr lang="zh-TW" altLang="en-US" b="1" dirty="0">
+                <a:solidFill>
+                  <a:srgbClr val="2B2E33"/>
+                </a:solidFill>
+                <a:latin typeface="Noto Sans TC" panose="020B0200000000000000" pitchFamily="34" charset="-120"/>
+                <a:ea typeface="Noto Sans TC" panose="020B0200000000000000" pitchFamily="34" charset="-120"/>
+              </a:rPr>
+              <a:t> 觸發節點：何時執行工作流程？</a:t>
+            </a:r>
+          </a:p>
+          <a:p>
+            <a:r>
+              <a:rPr lang="zh-TW" altLang="en-US" dirty="0" smtClean="0">
+                <a:solidFill>
+                  <a:srgbClr val="333333"/>
+                </a:solidFill>
+                <a:latin typeface="Noto Sans TC" panose="020B0200000000000000" pitchFamily="34" charset="-120"/>
+                <a:ea typeface="Noto Sans TC" panose="020B0200000000000000" pitchFamily="34" charset="-120"/>
+              </a:rPr>
+              <a:t>就是</a:t>
+            </a:r>
+            <a:r>
+              <a:rPr lang="zh-TW" altLang="en-US" dirty="0">
+                <a:solidFill>
+                  <a:srgbClr val="333333"/>
+                </a:solidFill>
+                <a:latin typeface="Noto Sans TC" panose="020B0200000000000000" pitchFamily="34" charset="-120"/>
+                <a:ea typeface="Noto Sans TC" panose="020B0200000000000000" pitchFamily="34" charset="-120"/>
+              </a:rPr>
+              <a:t>告訴 </a:t>
+            </a:r>
+            <a:r>
+              <a:rPr lang="en-US" altLang="zh-TW" dirty="0">
+                <a:solidFill>
+                  <a:srgbClr val="333333"/>
+                </a:solidFill>
+                <a:latin typeface="Noto Sans TC" panose="020B0200000000000000" pitchFamily="34" charset="-120"/>
+                <a:ea typeface="Noto Sans TC" panose="020B0200000000000000" pitchFamily="34" charset="-120"/>
+              </a:rPr>
+              <a:t>n8n</a:t>
+            </a:r>
+            <a:r>
+              <a:rPr lang="zh-TW" altLang="en-US" dirty="0">
+                <a:solidFill>
+                  <a:srgbClr val="333333"/>
+                </a:solidFill>
+                <a:latin typeface="Noto Sans TC" panose="020B0200000000000000" pitchFamily="34" charset="-120"/>
+                <a:ea typeface="Noto Sans TC" panose="020B0200000000000000" pitchFamily="34" charset="-120"/>
+              </a:rPr>
+              <a:t>：「</a:t>
+            </a:r>
+            <a:r>
+              <a:rPr lang="en-US" altLang="zh-TW" dirty="0">
+                <a:solidFill>
+                  <a:srgbClr val="333333"/>
+                </a:solidFill>
+                <a:latin typeface="Noto Sans TC" panose="020B0200000000000000" pitchFamily="34" charset="-120"/>
+                <a:ea typeface="Noto Sans TC" panose="020B0200000000000000" pitchFamily="34" charset="-120"/>
+              </a:rPr>
+              <a:t>Hey</a:t>
+            </a:r>
+            <a:r>
+              <a:rPr lang="zh-TW" altLang="en-US" dirty="0">
+                <a:solidFill>
+                  <a:srgbClr val="333333"/>
+                </a:solidFill>
+                <a:latin typeface="Noto Sans TC" panose="020B0200000000000000" pitchFamily="34" charset="-120"/>
+                <a:ea typeface="Noto Sans TC" panose="020B0200000000000000" pitchFamily="34" charset="-120"/>
+              </a:rPr>
+              <a:t>，開始執行動作了！</a:t>
+            </a:r>
+            <a:r>
+              <a:rPr lang="zh-TW" altLang="en-US" dirty="0" smtClean="0">
+                <a:solidFill>
+                  <a:srgbClr val="333333"/>
+                </a:solidFill>
+                <a:latin typeface="Noto Sans TC" panose="020B0200000000000000" pitchFamily="34" charset="-120"/>
+                <a:ea typeface="Noto Sans TC" panose="020B0200000000000000" pitchFamily="34" charset="-120"/>
+              </a:rPr>
+              <a:t>」</a:t>
+            </a:r>
+            <a:endParaRPr lang="zh-TW" altLang="en-US" b="0" i="0" dirty="0">
+              <a:solidFill>
+                <a:srgbClr val="333333"/>
+              </a:solidFill>
+              <a:effectLst/>
+              <a:latin typeface="Noto Sans TC" panose="020B0200000000000000" pitchFamily="34" charset="-120"/>
+              <a:ea typeface="Noto Sans TC" panose="020B0200000000000000" pitchFamily="34" charset="-120"/>
+            </a:endParaRPr>
+          </a:p>
+        </p:txBody>
+      </p:sp>
+      <p:sp>
+        <p:nvSpPr>
+          <p:cNvPr id="10" name="矩形 9"/>
+          <p:cNvSpPr/>
+          <p:nvPr/>
+        </p:nvSpPr>
+        <p:spPr>
+          <a:xfrm>
+            <a:off x="7218598" y="5750598"/>
+            <a:ext cx="4620470" cy="646331"/>
+          </a:xfrm>
+          <a:prstGeom prst="rect">
+            <a:avLst/>
+          </a:prstGeom>
+        </p:spPr>
+        <p:txBody>
+          <a:bodyPr wrap="square">
+            <a:spAutoFit/>
+          </a:bodyPr>
+          <a:lstStyle/>
+          <a:p>
+            <a:r>
+              <a:rPr lang="zh-TW" altLang="en-US" b="1" dirty="0">
+                <a:solidFill>
+                  <a:srgbClr val="2B2E33"/>
+                </a:solidFill>
+                <a:latin typeface="Noto Sans TC" panose="020B0200000000000000" pitchFamily="34" charset="-120"/>
+                <a:ea typeface="Noto Sans TC" panose="020B0200000000000000" pitchFamily="34" charset="-120"/>
+              </a:rPr>
+              <a:t> 動作節點：需要執行哪些操作？</a:t>
+            </a:r>
+          </a:p>
+          <a:p>
+            <a:r>
+              <a:rPr lang="zh-TW" altLang="en-US" dirty="0" smtClean="0">
+                <a:solidFill>
+                  <a:srgbClr val="333333"/>
+                </a:solidFill>
+                <a:latin typeface="Noto Sans TC" panose="020B0200000000000000" pitchFamily="34" charset="-120"/>
+                <a:ea typeface="Noto Sans TC" panose="020B0200000000000000" pitchFamily="34" charset="-120"/>
+              </a:rPr>
+              <a:t>當觸發</a:t>
+            </a:r>
+            <a:r>
+              <a:rPr lang="zh-TW" altLang="en-US" dirty="0">
+                <a:solidFill>
+                  <a:srgbClr val="333333"/>
+                </a:solidFill>
+                <a:latin typeface="Noto Sans TC" panose="020B0200000000000000" pitchFamily="34" charset="-120"/>
+                <a:ea typeface="Noto Sans TC" panose="020B0200000000000000" pitchFamily="34" charset="-120"/>
+              </a:rPr>
+              <a:t>節點被啟動</a:t>
+            </a:r>
+            <a:r>
+              <a:rPr lang="zh-TW" altLang="en-US" dirty="0" smtClean="0">
+                <a:solidFill>
+                  <a:srgbClr val="333333"/>
+                </a:solidFill>
+                <a:latin typeface="Noto Sans TC" panose="020B0200000000000000" pitchFamily="34" charset="-120"/>
+                <a:ea typeface="Noto Sans TC" panose="020B0200000000000000" pitchFamily="34" charset="-120"/>
+              </a:rPr>
+              <a:t>時</a:t>
+            </a:r>
+            <a:r>
+              <a:rPr lang="zh-TW" altLang="en-US" dirty="0">
+                <a:solidFill>
+                  <a:srgbClr val="333333"/>
+                </a:solidFill>
+                <a:latin typeface="Noto Sans TC" panose="020B0200000000000000" pitchFamily="34" charset="-120"/>
+                <a:ea typeface="Noto Sans TC" panose="020B0200000000000000" pitchFamily="34" charset="-120"/>
+              </a:rPr>
+              <a:t>：</a:t>
+            </a:r>
+            <a:r>
+              <a:rPr lang="zh-TW" altLang="en-US" dirty="0" smtClean="0">
+                <a:solidFill>
+                  <a:srgbClr val="333333"/>
+                </a:solidFill>
+                <a:latin typeface="Noto Sans TC" panose="020B0200000000000000" pitchFamily="34" charset="-120"/>
+                <a:ea typeface="Noto Sans TC" panose="020B0200000000000000" pitchFamily="34" charset="-120"/>
+              </a:rPr>
+              <a:t>「要做什麼動作？」</a:t>
+            </a:r>
+            <a:endParaRPr lang="zh-TW" altLang="en-US" b="0" i="0" dirty="0">
+              <a:solidFill>
+                <a:srgbClr val="333333"/>
+              </a:solidFill>
+              <a:effectLst/>
+              <a:latin typeface="Noto Sans TC" panose="020B0200000000000000" pitchFamily="34" charset="-120"/>
+              <a:ea typeface="Noto Sans TC" panose="020B0200000000000000" pitchFamily="34" charset="-120"/>
+            </a:endParaRPr>
+          </a:p>
+        </p:txBody>
+      </p:sp>
+      <p:pic>
+        <p:nvPicPr>
+          <p:cNvPr id="11" name="圖片 10"/>
+          <p:cNvPicPr>
+            <a:picLocks noChangeAspect="1"/>
+          </p:cNvPicPr>
+          <p:nvPr/>
+        </p:nvPicPr>
+        <p:blipFill rotWithShape="1">
+          <a:blip r:embed="rId2"/>
+          <a:srcRect t="23450" r="6242"/>
+          <a:stretch/>
+        </p:blipFill>
+        <p:spPr>
+          <a:xfrm>
+            <a:off x="1263009" y="2184441"/>
+            <a:ext cx="2924854" cy="3375623"/>
+          </a:xfrm>
+          <a:prstGeom prst="rect">
+            <a:avLst/>
+          </a:prstGeom>
+          <a:ln>
+            <a:solidFill>
+              <a:srgbClr val="1E1E1E"/>
+            </a:solidFill>
+          </a:ln>
+        </p:spPr>
+      </p:pic>
+      <p:sp>
+        <p:nvSpPr>
+          <p:cNvPr id="12" name="矩形 11"/>
+          <p:cNvSpPr/>
+          <p:nvPr/>
+        </p:nvSpPr>
+        <p:spPr>
+          <a:xfrm>
+            <a:off x="1833388" y="1512426"/>
+            <a:ext cx="1529869" cy="523220"/>
+          </a:xfrm>
+          <a:prstGeom prst="rect">
+            <a:avLst/>
+          </a:prstGeom>
+        </p:spPr>
+        <p:txBody>
+          <a:bodyPr wrap="square">
+            <a:spAutoFit/>
+          </a:bodyPr>
+          <a:lstStyle/>
+          <a:p>
+            <a:pPr lvl="0" eaLnBrk="0" fontAlgn="base" hangingPunct="0">
+              <a:spcBef>
+                <a:spcPct val="0"/>
+              </a:spcBef>
+              <a:spcAft>
+                <a:spcPct val="0"/>
+              </a:spcAft>
+            </a:pPr>
+            <a:r>
+              <a:rPr lang="zh-TW" altLang="zh-TW" sz="2800" b="1" dirty="0" smtClean="0">
+                <a:solidFill>
+                  <a:srgbClr val="1E1E1E"/>
+                </a:solidFill>
+                <a:latin typeface="Noto Sans TC" panose="020B0200000000000000" pitchFamily="34" charset="-120"/>
+                <a:ea typeface="Noto Sans TC" panose="020B0200000000000000" pitchFamily="34" charset="-120"/>
+              </a:rPr>
+              <a:t>Trigger</a:t>
+            </a:r>
+            <a:endParaRPr lang="zh-TW" altLang="zh-TW" sz="2800" b="1" dirty="0">
+              <a:solidFill>
+                <a:srgbClr val="1E1E1E"/>
+              </a:solidFill>
+              <a:latin typeface="Noto Sans TC" panose="020B0200000000000000" pitchFamily="34" charset="-120"/>
+              <a:ea typeface="Noto Sans TC" panose="020B0200000000000000" pitchFamily="34" charset="-120"/>
+            </a:endParaRPr>
+          </a:p>
+        </p:txBody>
+      </p:sp>
+      <p:sp>
+        <p:nvSpPr>
+          <p:cNvPr id="13" name="矩形 12"/>
+          <p:cNvSpPr/>
+          <p:nvPr/>
+        </p:nvSpPr>
+        <p:spPr>
+          <a:xfrm>
+            <a:off x="8847944" y="1466829"/>
+            <a:ext cx="1361778" cy="523220"/>
+          </a:xfrm>
+          <a:prstGeom prst="rect">
+            <a:avLst/>
+          </a:prstGeom>
+        </p:spPr>
+        <p:txBody>
+          <a:bodyPr wrap="square">
+            <a:spAutoFit/>
+          </a:bodyPr>
+          <a:lstStyle/>
+          <a:p>
+            <a:pPr lvl="0" eaLnBrk="0" fontAlgn="base" hangingPunct="0">
+              <a:spcBef>
+                <a:spcPct val="0"/>
+              </a:spcBef>
+              <a:spcAft>
+                <a:spcPct val="0"/>
+              </a:spcAft>
+            </a:pPr>
+            <a:r>
+              <a:rPr lang="zh-TW" altLang="zh-TW" sz="2800" b="1" dirty="0">
+                <a:solidFill>
+                  <a:srgbClr val="1E1E1E"/>
+                </a:solidFill>
+                <a:latin typeface="Noto Sans TC" panose="020B0200000000000000" pitchFamily="34" charset="-120"/>
+                <a:ea typeface="Noto Sans TC" panose="020B0200000000000000" pitchFamily="34" charset="-120"/>
+              </a:rPr>
+              <a:t>Action</a:t>
+            </a:r>
+          </a:p>
+        </p:txBody>
+      </p:sp>
+      <p:pic>
+        <p:nvPicPr>
+          <p:cNvPr id="14" name="圖片 13"/>
+          <p:cNvPicPr>
+            <a:picLocks noChangeAspect="1"/>
+          </p:cNvPicPr>
+          <p:nvPr/>
+        </p:nvPicPr>
+        <p:blipFill rotWithShape="1">
+          <a:blip r:embed="rId3"/>
+          <a:srcRect t="5671"/>
+          <a:stretch/>
+        </p:blipFill>
+        <p:spPr>
+          <a:xfrm>
+            <a:off x="8068923" y="2075580"/>
+            <a:ext cx="2919821" cy="3593345"/>
+          </a:xfrm>
+          <a:prstGeom prst="rect">
+            <a:avLst/>
+          </a:prstGeom>
+          <a:ln>
+            <a:solidFill>
+              <a:srgbClr val="1E1E1E"/>
+            </a:solidFill>
+          </a:ln>
+        </p:spPr>
+      </p:pic>
+      <p:sp>
+        <p:nvSpPr>
+          <p:cNvPr id="15" name="矩形 14"/>
+          <p:cNvSpPr/>
+          <p:nvPr/>
+        </p:nvSpPr>
+        <p:spPr>
+          <a:xfrm>
+            <a:off x="3643854" y="3558242"/>
+            <a:ext cx="1443695" cy="646331"/>
+          </a:xfrm>
+          <a:prstGeom prst="rect">
+            <a:avLst/>
+          </a:prstGeom>
+        </p:spPr>
+        <p:txBody>
+          <a:bodyPr wrap="square">
+            <a:spAutoFit/>
+          </a:bodyPr>
+          <a:lstStyle/>
+          <a:p>
+            <a:pPr lvl="0" eaLnBrk="0" fontAlgn="base" hangingPunct="0">
+              <a:spcBef>
+                <a:spcPct val="0"/>
+              </a:spcBef>
+              <a:spcAft>
+                <a:spcPct val="0"/>
+              </a:spcAft>
+            </a:pPr>
+            <a:r>
+              <a:rPr lang="zh-TW" altLang="en-US" b="1" dirty="0" smtClean="0">
+                <a:solidFill>
+                  <a:srgbClr val="FF0000"/>
+                </a:solidFill>
+                <a:latin typeface="Noto Sans TC" panose="020B0200000000000000" pitchFamily="34" charset="-120"/>
+                <a:ea typeface="Noto Sans TC" panose="020B0200000000000000" pitchFamily="34" charset="-120"/>
+              </a:rPr>
+              <a:t>有閃電圖示</a:t>
+            </a:r>
+            <a:r>
+              <a:rPr lang="en-US" altLang="zh-TW" b="1" dirty="0" smtClean="0">
+                <a:solidFill>
+                  <a:srgbClr val="FF0000"/>
+                </a:solidFill>
+                <a:latin typeface="Noto Sans TC" panose="020B0200000000000000" pitchFamily="34" charset="-120"/>
+                <a:ea typeface="Noto Sans TC" panose="020B0200000000000000" pitchFamily="34" charset="-120"/>
+              </a:rPr>
+              <a:t>=&gt;</a:t>
+            </a:r>
+            <a:r>
+              <a:rPr lang="zh-TW" altLang="en-US" b="1" dirty="0" smtClean="0">
+                <a:solidFill>
+                  <a:srgbClr val="FF0000"/>
+                </a:solidFill>
+                <a:latin typeface="Noto Sans TC" panose="020B0200000000000000" pitchFamily="34" charset="-120"/>
+                <a:ea typeface="Noto Sans TC" panose="020B0200000000000000" pitchFamily="34" charset="-120"/>
+              </a:rPr>
+              <a:t>觸發器</a:t>
+            </a:r>
+            <a:endParaRPr lang="zh-TW" altLang="zh-TW" b="1" dirty="0">
+              <a:solidFill>
+                <a:srgbClr val="FF0000"/>
+              </a:solidFill>
+              <a:latin typeface="Noto Sans TC" panose="020B0200000000000000" pitchFamily="34" charset="-120"/>
+              <a:ea typeface="Noto Sans TC" panose="020B0200000000000000" pitchFamily="34" charset="-120"/>
+            </a:endParaRPr>
           </a:p>
         </p:txBody>
       </p:sp>
       <p:cxnSp>
         <p:nvCxnSpPr>
-          <p:cNvPr id="14" name="直線接點 13"/>
+          <p:cNvPr id="17" name="直線接點 16"/>
           <p:cNvCxnSpPr/>
           <p:nvPr/>
         </p:nvCxnSpPr>
         <p:spPr>
           <a:xfrm flipV="1">
-            <a:off x="572524" y="4136571"/>
-            <a:ext cx="7491613" cy="1"/>
+            <a:off x="2598322" y="3748087"/>
+            <a:ext cx="1045532" cy="430374"/>
           </a:xfrm>
           <a:prstGeom prst="line">
             <a:avLst/>
           </a:prstGeom>
-          <a:ln w="38100">
-            <a:solidFill>
-              <a:srgbClr val="FFFF00"/>
-            </a:solidFill>
-          </a:ln>
         </p:spPr>
         <p:style>
           <a:lnRef idx="1">
-            <a:schemeClr val="accent1"/>
+            <a:schemeClr val="accent2"/>
           </a:lnRef>
           <a:fillRef idx="0">
-            <a:schemeClr val="accent1"/>
+            <a:schemeClr val="accent2"/>
           </a:fillRef>
           <a:effectRef idx="0">
-            <a:schemeClr val="accent1"/>
+            <a:schemeClr val="accent2"/>
           </a:effectRef>
           <a:fontRef idx="minor">
             <a:schemeClr val="tx1"/>
           </a:fontRef>
         </p:style>
       </p:cxnSp>
-      <p:sp>
-        <p:nvSpPr>
-          <p:cNvPr id="15" name="文字方塊 14"/>
-          <p:cNvSpPr txBox="1"/>
-          <p:nvPr/>
-        </p:nvSpPr>
-        <p:spPr>
-          <a:xfrm>
-            <a:off x="6930901" y="3545889"/>
-            <a:ext cx="986167" cy="369332"/>
-          </a:xfrm>
-          <a:prstGeom prst="rect">
-            <a:avLst/>
-          </a:prstGeom>
-          <a:noFill/>
-        </p:spPr>
-        <p:txBody>
-          <a:bodyPr wrap="none" rtlCol="0">
-            <a:spAutoFit/>
-          </a:bodyPr>
-          <a:lstStyle/>
-          <a:p>
-            <a:r>
-              <a:rPr lang="en-US" altLang="zh-TW">
-                <a:solidFill>
-                  <a:srgbClr val="FFFF00"/>
-                </a:solidFill>
-              </a:rPr>
-              <a:t>member</a:t>
-            </a:r>
-            <a:endParaRPr lang="zh-TW" altLang="en-US">
-              <a:solidFill>
-                <a:srgbClr val="FFFF00"/>
-              </a:solidFill>
-            </a:endParaRPr>
-          </a:p>
-        </p:txBody>
-      </p:sp>
-      <p:sp>
-        <p:nvSpPr>
-          <p:cNvPr id="17" name="矩形 16"/>
-          <p:cNvSpPr/>
-          <p:nvPr/>
-        </p:nvSpPr>
-        <p:spPr>
-          <a:xfrm>
-            <a:off x="3352800" y="2481943"/>
-            <a:ext cx="1184366" cy="801188"/>
-          </a:xfrm>
-          <a:prstGeom prst="rect">
-            <a:avLst/>
-          </a:prstGeom>
-          <a:noFill/>
-          <a:ln w="38100">
-            <a:solidFill>
-              <a:srgbClr val="00B0F0"/>
-            </a:solidFill>
-          </a:ln>
-        </p:spPr>
-        <p:style>
-          <a:lnRef idx="2">
-            <a:schemeClr val="accent1">
-              <a:shade val="50000"/>
-            </a:schemeClr>
-          </a:lnRef>
-          <a:fillRef idx="1">
-            <a:schemeClr val="accent1"/>
-          </a:fillRef>
-          <a:effectRef idx="0">
-            <a:schemeClr val="accent1"/>
-          </a:effectRef>
-          <a:fontRef idx="minor">
-            <a:schemeClr val="lt1"/>
-          </a:fontRef>
-        </p:style>
-        <p:txBody>
-          <a:bodyPr rtlCol="0" anchor="ctr"/>
-          <a:lstStyle/>
-          <a:p>
-            <a:pPr algn="ctr"/>
-            <a:endParaRPr lang="zh-TW" altLang="en-US"/>
-          </a:p>
-        </p:txBody>
-      </p:sp>
-      <p:sp>
-        <p:nvSpPr>
-          <p:cNvPr id="18" name="文字方塊 17"/>
-          <p:cNvSpPr txBox="1"/>
-          <p:nvPr/>
-        </p:nvSpPr>
-        <p:spPr>
-          <a:xfrm>
-            <a:off x="3382491" y="2112611"/>
-            <a:ext cx="1154675" cy="369332"/>
-          </a:xfrm>
-          <a:prstGeom prst="rect">
-            <a:avLst/>
-          </a:prstGeom>
-          <a:noFill/>
-        </p:spPr>
-        <p:txBody>
-          <a:bodyPr wrap="none" rtlCol="0">
-            <a:spAutoFit/>
-          </a:bodyPr>
-          <a:lstStyle/>
-          <a:p>
-            <a:r>
-              <a:rPr lang="en-US" altLang="zh-TW" err="1">
-                <a:solidFill>
-                  <a:srgbClr val="00B0F0"/>
-                </a:solidFill>
-              </a:rPr>
-              <a:t>PoolName</a:t>
-            </a:r>
-            <a:endParaRPr lang="zh-TW" altLang="en-US">
-              <a:solidFill>
-                <a:srgbClr val="00B0F0"/>
-              </a:solidFill>
-            </a:endParaRPr>
-          </a:p>
-        </p:txBody>
-      </p:sp>
-      <p:cxnSp>
-        <p:nvCxnSpPr>
-          <p:cNvPr id="19" name="直線接點 18"/>
-          <p:cNvCxnSpPr/>
-          <p:nvPr/>
-        </p:nvCxnSpPr>
-        <p:spPr>
-          <a:xfrm flipV="1">
-            <a:off x="572524" y="4690569"/>
-            <a:ext cx="7491613" cy="1"/>
-          </a:xfrm>
-          <a:prstGeom prst="line">
-            <a:avLst/>
-          </a:prstGeom>
-          <a:ln w="38100">
-            <a:solidFill>
-              <a:srgbClr val="FFFF00"/>
-            </a:solidFill>
-          </a:ln>
-        </p:spPr>
-        <p:style>
-          <a:lnRef idx="1">
-            <a:schemeClr val="accent1"/>
-          </a:lnRef>
-          <a:fillRef idx="0">
-            <a:schemeClr val="accent1"/>
-          </a:fillRef>
-          <a:effectRef idx="0">
-            <a:schemeClr val="accent1"/>
-          </a:effectRef>
-          <a:fontRef idx="minor">
-            <a:schemeClr val="tx1"/>
-          </a:fontRef>
-        </p:style>
-      </p:cxnSp>
-      <p:cxnSp>
-        <p:nvCxnSpPr>
-          <p:cNvPr id="20" name="直線接點 19"/>
-          <p:cNvCxnSpPr/>
-          <p:nvPr/>
-        </p:nvCxnSpPr>
-        <p:spPr>
-          <a:xfrm flipV="1">
-            <a:off x="572524" y="5244567"/>
-            <a:ext cx="7491613" cy="1"/>
-          </a:xfrm>
-          <a:prstGeom prst="line">
-            <a:avLst/>
-          </a:prstGeom>
-          <a:ln w="38100">
-            <a:solidFill>
-              <a:srgbClr val="FFFF00"/>
-            </a:solidFill>
-          </a:ln>
-        </p:spPr>
-        <p:style>
-          <a:lnRef idx="1">
-            <a:schemeClr val="accent1"/>
-          </a:lnRef>
-          <a:fillRef idx="0">
-            <a:schemeClr val="accent1"/>
-          </a:fillRef>
-          <a:effectRef idx="0">
-            <a:schemeClr val="accent1"/>
-          </a:effectRef>
-          <a:fontRef idx="minor">
-            <a:schemeClr val="tx1"/>
-          </a:fontRef>
-        </p:style>
-      </p:cxnSp>
-      <p:cxnSp>
-        <p:nvCxnSpPr>
-          <p:cNvPr id="21" name="直線接點 20"/>
-          <p:cNvCxnSpPr/>
-          <p:nvPr/>
-        </p:nvCxnSpPr>
-        <p:spPr>
-          <a:xfrm flipV="1">
-            <a:off x="572523" y="5800573"/>
-            <a:ext cx="4791957" cy="1"/>
-          </a:xfrm>
-          <a:prstGeom prst="line">
-            <a:avLst/>
-          </a:prstGeom>
-          <a:ln w="38100">
-            <a:solidFill>
-              <a:srgbClr val="FFFF00"/>
-            </a:solidFill>
-          </a:ln>
-        </p:spPr>
-        <p:style>
-          <a:lnRef idx="1">
-            <a:schemeClr val="accent1"/>
-          </a:lnRef>
-          <a:fillRef idx="0">
-            <a:schemeClr val="accent1"/>
-          </a:fillRef>
-          <a:effectRef idx="0">
-            <a:schemeClr val="accent1"/>
-          </a:effectRef>
-          <a:fontRef idx="minor">
-            <a:schemeClr val="tx1"/>
-          </a:fontRef>
-        </p:style>
-      </p:cxnSp>
-      <p:sp>
-        <p:nvSpPr>
-          <p:cNvPr id="23" name="文字方塊 22"/>
-          <p:cNvSpPr txBox="1"/>
-          <p:nvPr/>
-        </p:nvSpPr>
-        <p:spPr>
-          <a:xfrm>
-            <a:off x="939843" y="1086562"/>
-            <a:ext cx="646331" cy="369332"/>
-          </a:xfrm>
-          <a:prstGeom prst="rect">
-            <a:avLst/>
-          </a:prstGeom>
-          <a:noFill/>
-        </p:spPr>
-        <p:txBody>
-          <a:bodyPr wrap="none" rtlCol="0">
-            <a:spAutoFit/>
-          </a:bodyPr>
-          <a:lstStyle/>
-          <a:p>
-            <a:r>
-              <a:rPr lang="zh-TW" altLang="en-US" b="1">
-                <a:latin typeface="微軟正黑體" panose="020B0604030504040204" pitchFamily="34" charset="-120"/>
-                <a:ea typeface="微軟正黑體" panose="020B0604030504040204" pitchFamily="34" charset="-120"/>
-              </a:rPr>
-              <a:t>帳密</a:t>
-            </a:r>
-          </a:p>
-        </p:txBody>
-      </p:sp>
-      <p:sp>
-        <p:nvSpPr>
-          <p:cNvPr id="16" name="文字方塊 15">
-            <a:extLst>
-              <a:ext uri="{FF2B5EF4-FFF2-40B4-BE49-F238E27FC236}">
-                <a16:creationId xmlns:a16="http://schemas.microsoft.com/office/drawing/2014/main" id="{3E22B478-285D-669F-0015-7DDB938D7B7D}"/>
-              </a:ext>
-            </a:extLst>
-          </p:cNvPr>
-          <p:cNvSpPr txBox="1"/>
-          <p:nvPr/>
-        </p:nvSpPr>
-        <p:spPr>
-          <a:xfrm>
-            <a:off x="10109200" y="5919647"/>
-            <a:ext cx="2042885" cy="400110"/>
-          </a:xfrm>
-          <a:prstGeom prst="rect">
-            <a:avLst/>
-          </a:prstGeom>
-          <a:noFill/>
-        </p:spPr>
-        <p:txBody>
-          <a:bodyPr wrap="square" rtlCol="0">
-            <a:spAutoFit/>
-          </a:bodyPr>
-          <a:lstStyle/>
-          <a:p>
-            <a:r>
-              <a:rPr lang="en-US" altLang="zh-TW" sz="2000">
-                <a:latin typeface="微軟正黑體" panose="020B0604030504040204" pitchFamily="34" charset="-120"/>
-                <a:ea typeface="微軟正黑體" panose="020B0604030504040204" pitchFamily="34" charset="-120"/>
-                <a:hlinkClick r:id="rId3"/>
-              </a:rPr>
-              <a:t>F5 API</a:t>
-            </a:r>
-            <a:r>
-              <a:rPr lang="zh-TW" altLang="en-US" sz="2000">
-                <a:latin typeface="微軟正黑體" panose="020B0604030504040204" pitchFamily="34" charset="-120"/>
-                <a:ea typeface="微軟正黑體" panose="020B0604030504040204" pitchFamily="34" charset="-120"/>
-                <a:hlinkClick r:id="rId3"/>
-              </a:rPr>
-              <a:t>官方文件</a:t>
-            </a:r>
-            <a:endParaRPr lang="en-US" altLang="zh-TW" sz="2000">
-              <a:latin typeface="微軟正黑體" panose="020B0604030504040204" pitchFamily="34" charset="-120"/>
-              <a:ea typeface="微軟正黑體" panose="020B0604030504040204" pitchFamily="34" charset="-120"/>
-            </a:endParaRPr>
-          </a:p>
-        </p:txBody>
-      </p:sp>
     </p:spTree>
     <p:extLst>
       <p:ext uri="{BB962C8B-B14F-4D97-AF65-F5344CB8AC3E}">
-        <p14:creationId xmlns:p14="http://schemas.microsoft.com/office/powerpoint/2010/main" val="713211772"/>
+        <p14:creationId xmlns:p14="http://schemas.microsoft.com/office/powerpoint/2010/main" val="1141863336"/>
       </p:ext>
     </p:extLst>
   </p:cSld>
@@ -4688,36 +5327,7 @@
       </p:grpSpPr>
       <p:sp>
         <p:nvSpPr>
-          <p:cNvPr id="4" name="投影片編號版面配置區 3">
-            <a:extLst>
-              <a:ext uri="{FF2B5EF4-FFF2-40B4-BE49-F238E27FC236}">
-                <a16:creationId xmlns:a16="http://schemas.microsoft.com/office/drawing/2014/main" id="{4E31CF89-F96A-5D03-E7F8-6760908EC990}"/>
-              </a:ext>
-            </a:extLst>
-          </p:cNvPr>
-          <p:cNvSpPr>
-            <a:spLocks noGrp="1"/>
-          </p:cNvSpPr>
-          <p:nvPr>
-            <p:ph type="sldNum" sz="quarter" idx="12"/>
-          </p:nvPr>
-        </p:nvSpPr>
-        <p:spPr/>
-        <p:txBody>
-          <a:bodyPr/>
-          <a:lstStyle/>
-          <a:p>
-            <a:fld id="{15FAE70E-A2A9-4EA5-BAA7-366C18FFF9F6}" type="slidenum">
-              <a:rPr lang="zh-TW" altLang="en-US" smtClean="0"/>
-              <a:t>12</a:t>
-            </a:fld>
-            <a:endParaRPr lang="zh-TW" altLang="en-US"/>
-          </a:p>
-        </p:txBody>
-      </p:sp>
-      <p:sp>
-        <p:nvSpPr>
-          <p:cNvPr id="6" name="標題 3"/>
+          <p:cNvPr id="2" name="標題 1"/>
           <p:cNvSpPr>
             <a:spLocks noGrp="1"/>
           </p:cNvSpPr>
@@ -4725,553 +5335,82 @@
             <p:ph type="title"/>
           </p:nvPr>
         </p:nvSpPr>
-        <p:spPr>
-          <a:xfrm>
-            <a:off x="0" y="1"/>
-            <a:ext cx="12192000" cy="914399"/>
-          </a:xfrm>
-        </p:spPr>
+        <p:spPr/>
         <p:txBody>
           <a:bodyPr>
-            <a:normAutofit/>
+            <a:normAutofit fontScale="90000"/>
           </a:bodyPr>
           <a:lstStyle/>
           <a:p>
-            <a:r>
-              <a:rPr lang="zh-TW" altLang="en-US" sz="2400" b="1" smtClean="0">
-                <a:solidFill>
-                  <a:srgbClr val="006666"/>
-                </a:solidFill>
-              </a:rPr>
-              <a:t>操作步驟</a:t>
-            </a:r>
-            <a:endParaRPr lang="zh-TW" altLang="en-US" sz="2400" b="1">
-              <a:solidFill>
-                <a:srgbClr val="006666"/>
-              </a:solidFill>
-            </a:endParaRPr>
-          </a:p>
-        </p:txBody>
-      </p:sp>
-      <p:sp>
-        <p:nvSpPr>
-          <p:cNvPr id="7" name="矩形 6"/>
-          <p:cNvSpPr/>
-          <p:nvPr/>
-        </p:nvSpPr>
-        <p:spPr>
-          <a:xfrm>
-            <a:off x="101600" y="692825"/>
-            <a:ext cx="2322818" cy="45719"/>
-          </a:xfrm>
-          <a:prstGeom prst="rect">
-            <a:avLst/>
-          </a:prstGeom>
-          <a:solidFill>
-            <a:srgbClr val="006666"/>
-          </a:solidFill>
-          <a:ln>
-            <a:noFill/>
-          </a:ln>
-        </p:spPr>
-        <p:style>
-          <a:lnRef idx="2">
-            <a:schemeClr val="dk1">
-              <a:shade val="50000"/>
-            </a:schemeClr>
-          </a:lnRef>
-          <a:fillRef idx="1">
-            <a:schemeClr val="dk1"/>
-          </a:fillRef>
-          <a:effectRef idx="0">
-            <a:schemeClr val="dk1"/>
-          </a:effectRef>
-          <a:fontRef idx="minor">
-            <a:schemeClr val="lt1"/>
-          </a:fontRef>
-        </p:style>
-        <p:txBody>
-          <a:bodyPr rtlCol="0" anchor="ctr"/>
-          <a:lstStyle/>
-          <a:p>
-            <a:pPr algn="ctr"/>
-            <a:endParaRPr lang="zh-TW" altLang="en-US"/>
-          </a:p>
-        </p:txBody>
-      </p:sp>
-      <p:sp>
-        <p:nvSpPr>
-          <p:cNvPr id="9" name="文字方塊 8"/>
-          <p:cNvSpPr txBox="1"/>
-          <p:nvPr/>
-        </p:nvSpPr>
-        <p:spPr>
-          <a:xfrm>
-            <a:off x="101600" y="914400"/>
-            <a:ext cx="12050485" cy="1938992"/>
-          </a:xfrm>
-          <a:prstGeom prst="rect">
-            <a:avLst/>
-          </a:prstGeom>
-          <a:noFill/>
-        </p:spPr>
-        <p:txBody>
-          <a:bodyPr wrap="square" rtlCol="0">
-            <a:spAutoFit/>
-          </a:bodyPr>
-          <a:lstStyle/>
-          <a:p>
-            <a:pPr marL="457200" indent="-457200">
-              <a:lnSpc>
-                <a:spcPct val="150000"/>
-              </a:lnSpc>
-              <a:buFont typeface="+mj-lt"/>
-              <a:buAutoNum type="arabicPeriod"/>
-            </a:pPr>
-            <a:r>
-              <a:rPr lang="en-US" altLang="zh-TW" sz="2000" b="1" smtClean="0">
-                <a:latin typeface="微軟正黑體" panose="020B0604030504040204" pitchFamily="34" charset="-120"/>
-                <a:ea typeface="微軟正黑體" panose="020B0604030504040204" pitchFamily="34" charset="-120"/>
-              </a:rPr>
-              <a:t>(</a:t>
-            </a:r>
-            <a:r>
-              <a:rPr lang="zh-TW" altLang="en-US" sz="2000" b="1" smtClean="0">
-                <a:latin typeface="微軟正黑體" panose="020B0604030504040204" pitchFamily="34" charset="-120"/>
-                <a:ea typeface="微軟正黑體" panose="020B0604030504040204" pitchFamily="34" charset="-120"/>
-              </a:rPr>
-              <a:t>僅</a:t>
-            </a:r>
-            <a:r>
-              <a:rPr lang="zh-TW" altLang="en-US" sz="2000" b="1">
-                <a:latin typeface="微軟正黑體" panose="020B0604030504040204" pitchFamily="34" charset="-120"/>
-                <a:ea typeface="微軟正黑體" panose="020B0604030504040204" pitchFamily="34" charset="-120"/>
-              </a:rPr>
-              <a:t>首次執行須輸入</a:t>
-            </a:r>
-            <a:r>
-              <a:rPr lang="en-US" altLang="zh-TW" sz="2000" b="1" smtClean="0">
-                <a:latin typeface="微軟正黑體" panose="020B0604030504040204" pitchFamily="34" charset="-120"/>
-                <a:ea typeface="微軟正黑體" panose="020B0604030504040204" pitchFamily="34" charset="-120"/>
-              </a:rPr>
-              <a:t>)</a:t>
-            </a:r>
-            <a:r>
-              <a:rPr lang="zh-TW" altLang="en-US" sz="2000" b="1" smtClean="0">
-                <a:latin typeface="微軟正黑體" panose="020B0604030504040204" pitchFamily="34" charset="-120"/>
-                <a:ea typeface="微軟正黑體" panose="020B0604030504040204" pitchFamily="34" charset="-120"/>
-              </a:rPr>
-              <a:t>開啟</a:t>
-            </a:r>
-            <a:r>
-              <a:rPr lang="en-US" altLang="zh-TW" sz="2000" b="1" smtClean="0">
-                <a:latin typeface="微軟正黑體" panose="020B0604030504040204" pitchFamily="34" charset="-120"/>
-                <a:ea typeface="微軟正黑體" panose="020B0604030504040204" pitchFamily="34" charset="-120"/>
-              </a:rPr>
-              <a:t>PowerShell -&gt; </a:t>
-            </a:r>
-            <a:br>
-              <a:rPr lang="en-US" altLang="zh-TW" sz="2000" b="1" smtClean="0">
-                <a:latin typeface="微軟正黑體" panose="020B0604030504040204" pitchFamily="34" charset="-120"/>
-                <a:ea typeface="微軟正黑體" panose="020B0604030504040204" pitchFamily="34" charset="-120"/>
-              </a:rPr>
-            </a:br>
-            <a:r>
-              <a:rPr lang="zh-TW" altLang="en-US" sz="2000" b="1" smtClean="0">
-                <a:latin typeface="微軟正黑體" panose="020B0604030504040204" pitchFamily="34" charset="-120"/>
-                <a:ea typeface="微軟正黑體" panose="020B0604030504040204" pitchFamily="34" charset="-120"/>
-              </a:rPr>
-              <a:t>輸入</a:t>
-            </a:r>
-            <a:r>
-              <a:rPr lang="en-US" altLang="zh-TW" sz="2000" b="1">
-                <a:solidFill>
-                  <a:srgbClr val="FF0000"/>
-                </a:solidFill>
-                <a:latin typeface="微軟正黑體" panose="020B0604030504040204" pitchFamily="34" charset="-120"/>
-                <a:ea typeface="微軟正黑體" panose="020B0604030504040204" pitchFamily="34" charset="-120"/>
-              </a:rPr>
-              <a:t>Install-Module -Name </a:t>
-            </a:r>
-            <a:r>
-              <a:rPr lang="en-US" altLang="zh-TW" sz="2000" b="1" err="1">
-                <a:solidFill>
-                  <a:srgbClr val="FF0000"/>
-                </a:solidFill>
-                <a:latin typeface="微軟正黑體" panose="020B0604030504040204" pitchFamily="34" charset="-120"/>
-                <a:ea typeface="微軟正黑體" panose="020B0604030504040204" pitchFamily="34" charset="-120"/>
-              </a:rPr>
-              <a:t>BurntToast</a:t>
-            </a:r>
-            <a:r>
-              <a:rPr lang="en-US" altLang="zh-TW" sz="2000" b="1">
-                <a:solidFill>
-                  <a:srgbClr val="FF0000"/>
-                </a:solidFill>
-                <a:latin typeface="微軟正黑體" panose="020B0604030504040204" pitchFamily="34" charset="-120"/>
-                <a:ea typeface="微軟正黑體" panose="020B0604030504040204" pitchFamily="34" charset="-120"/>
-              </a:rPr>
-              <a:t> -Force -Scope </a:t>
-            </a:r>
-            <a:r>
-              <a:rPr lang="en-US" altLang="zh-TW" sz="2000" b="1" err="1" smtClean="0">
-                <a:solidFill>
-                  <a:srgbClr val="FF0000"/>
-                </a:solidFill>
-                <a:latin typeface="微軟正黑體" panose="020B0604030504040204" pitchFamily="34" charset="-120"/>
-                <a:ea typeface="微軟正黑體" panose="020B0604030504040204" pitchFamily="34" charset="-120"/>
-              </a:rPr>
-              <a:t>CurrentUser</a:t>
-            </a:r>
-            <a:r>
-              <a:rPr lang="zh-TW" altLang="en-US" sz="2000" b="1" smtClean="0">
-                <a:solidFill>
-                  <a:srgbClr val="FF0000"/>
-                </a:solidFill>
-                <a:latin typeface="微軟正黑體" panose="020B0604030504040204" pitchFamily="34" charset="-120"/>
-                <a:ea typeface="微軟正黑體" panose="020B0604030504040204" pitchFamily="34" charset="-120"/>
-              </a:rPr>
-              <a:t> </a:t>
-            </a:r>
-            <a:r>
-              <a:rPr lang="zh-TW" altLang="en-US" sz="2000" b="1" smtClean="0">
-                <a:latin typeface="微軟正黑體" panose="020B0604030504040204" pitchFamily="34" charset="-120"/>
-                <a:ea typeface="微軟正黑體" panose="020B0604030504040204" pitchFamily="34" charset="-120"/>
-              </a:rPr>
-              <a:t>安裝</a:t>
-            </a:r>
-            <a:r>
-              <a:rPr lang="en-US" altLang="zh-TW" sz="2000" b="1" smtClean="0">
-                <a:latin typeface="微軟正黑體" panose="020B0604030504040204" pitchFamily="34" charset="-120"/>
-                <a:ea typeface="微軟正黑體" panose="020B0604030504040204" pitchFamily="34" charset="-120"/>
-              </a:rPr>
-              <a:t>Windows</a:t>
-            </a:r>
-            <a:r>
-              <a:rPr lang="zh-TW" altLang="en-US" sz="2000" b="1" smtClean="0">
-                <a:latin typeface="微軟正黑體" panose="020B0604030504040204" pitchFamily="34" charset="-120"/>
-                <a:ea typeface="微軟正黑體" panose="020B0604030504040204" pitchFamily="34" charset="-120"/>
-              </a:rPr>
-              <a:t>通知套件</a:t>
-            </a:r>
-            <a:endParaRPr lang="en-US" altLang="zh-TW" sz="2000" b="1" smtClean="0">
-              <a:latin typeface="微軟正黑體" panose="020B0604030504040204" pitchFamily="34" charset="-120"/>
-              <a:ea typeface="微軟正黑體" panose="020B0604030504040204" pitchFamily="34" charset="-120"/>
-            </a:endParaRPr>
-          </a:p>
-          <a:p>
-            <a:pPr marL="457200" indent="-457200">
-              <a:lnSpc>
-                <a:spcPct val="150000"/>
-              </a:lnSpc>
-              <a:buFont typeface="+mj-lt"/>
-              <a:buAutoNum type="arabicPeriod"/>
-            </a:pPr>
-            <a:r>
-              <a:rPr lang="zh-TW" altLang="en-US" sz="2000" b="1">
-                <a:latin typeface="微軟正黑體" panose="020B0604030504040204" pitchFamily="34" charset="-120"/>
-                <a:ea typeface="微軟正黑體" panose="020B0604030504040204" pitchFamily="34" charset="-120"/>
-              </a:rPr>
-              <a:t>安裝</a:t>
-            </a:r>
-            <a:r>
-              <a:rPr lang="en-US" altLang="zh-TW" sz="2000" b="1" smtClean="0">
-                <a:latin typeface="微軟正黑體" panose="020B0604030504040204" pitchFamily="34" charset="-120"/>
-                <a:ea typeface="微軟正黑體" panose="020B0604030504040204" pitchFamily="34" charset="-120"/>
-                <a:hlinkClick r:id="rId2"/>
-              </a:rPr>
-              <a:t>Python</a:t>
-            </a:r>
-            <a:r>
-              <a:rPr lang="zh-TW" altLang="en-US" sz="2000" b="1" smtClean="0">
-                <a:latin typeface="微軟正黑體" panose="020B0604030504040204" pitchFamily="34" charset="-120"/>
-                <a:ea typeface="微軟正黑體" panose="020B0604030504040204" pitchFamily="34" charset="-120"/>
-              </a:rPr>
-              <a:t>，用於計算時段平均值</a:t>
-            </a:r>
-            <a:endParaRPr lang="en-US" altLang="zh-TW" sz="2000" b="1" smtClean="0">
-              <a:latin typeface="微軟正黑體" panose="020B0604030504040204" pitchFamily="34" charset="-120"/>
-              <a:ea typeface="微軟正黑體" panose="020B0604030504040204" pitchFamily="34" charset="-120"/>
-            </a:endParaRPr>
-          </a:p>
-          <a:p>
-            <a:pPr marL="457200" indent="-457200">
-              <a:lnSpc>
-                <a:spcPct val="150000"/>
-              </a:lnSpc>
-              <a:buFont typeface="+mj-lt"/>
-              <a:buAutoNum type="arabicPeriod"/>
-            </a:pPr>
-            <a:r>
-              <a:rPr lang="zh-TW" altLang="en-US" sz="2000" b="1" smtClean="0">
-                <a:latin typeface="微軟正黑體" panose="020B0604030504040204" pitchFamily="34" charset="-120"/>
-                <a:ea typeface="微軟正黑體" panose="020B0604030504040204" pitchFamily="34" charset="-120"/>
-              </a:rPr>
-              <a:t>於</a:t>
-            </a:r>
-            <a:r>
-              <a:rPr lang="zh-TW" altLang="en-US" sz="2000" b="1">
-                <a:latin typeface="微軟正黑體" panose="020B0604030504040204" pitchFamily="34" charset="-120"/>
-                <a:ea typeface="微軟正黑體" panose="020B0604030504040204" pitchFamily="34" charset="-120"/>
-              </a:rPr>
-              <a:t>該</a:t>
-            </a:r>
-            <a:r>
-              <a:rPr lang="zh-TW" altLang="en-US" sz="2000" b="1" smtClean="0">
-                <a:latin typeface="微軟正黑體" panose="020B0604030504040204" pitchFamily="34" charset="-120"/>
-                <a:ea typeface="微軟正黑體" panose="020B0604030504040204" pitchFamily="34" charset="-120"/>
-              </a:rPr>
-              <a:t>資料夾路徑開啟</a:t>
-            </a:r>
-            <a:r>
-              <a:rPr lang="en-US" altLang="zh-TW" sz="2000" b="1" err="1" smtClean="0">
-                <a:latin typeface="微軟正黑體" panose="020B0604030504040204" pitchFamily="34" charset="-120"/>
-                <a:ea typeface="微軟正黑體" panose="020B0604030504040204" pitchFamily="34" charset="-120"/>
-              </a:rPr>
-              <a:t>cmd</a:t>
-            </a:r>
-            <a:r>
-              <a:rPr lang="zh-TW" altLang="en-US" sz="2000" b="1" smtClean="0">
-                <a:latin typeface="微軟正黑體" panose="020B0604030504040204" pitchFamily="34" charset="-120"/>
-                <a:ea typeface="微軟正黑體" panose="020B0604030504040204" pitchFamily="34" charset="-120"/>
-              </a:rPr>
-              <a:t>，輸入</a:t>
-            </a:r>
-            <a:r>
-              <a:rPr lang="en-US" altLang="zh-TW" sz="2000" b="1">
-                <a:solidFill>
-                  <a:srgbClr val="FF0000"/>
-                </a:solidFill>
-                <a:latin typeface="微軟正黑體" panose="020B0604030504040204" pitchFamily="34" charset="-120"/>
-                <a:ea typeface="微軟正黑體" panose="020B0604030504040204" pitchFamily="34" charset="-120"/>
-              </a:rPr>
-              <a:t>powershell.exe -</a:t>
-            </a:r>
-            <a:r>
-              <a:rPr lang="en-US" altLang="zh-TW" sz="2000" b="1" err="1">
-                <a:solidFill>
-                  <a:srgbClr val="FF0000"/>
-                </a:solidFill>
-                <a:latin typeface="微軟正黑體" panose="020B0604030504040204" pitchFamily="34" charset="-120"/>
-                <a:ea typeface="微軟正黑體" panose="020B0604030504040204" pitchFamily="34" charset="-120"/>
-              </a:rPr>
-              <a:t>ExecutionPolicy</a:t>
-            </a:r>
-            <a:r>
-              <a:rPr lang="en-US" altLang="zh-TW" sz="2000" b="1">
-                <a:solidFill>
-                  <a:srgbClr val="FF0000"/>
-                </a:solidFill>
-                <a:latin typeface="微軟正黑體" panose="020B0604030504040204" pitchFamily="34" charset="-120"/>
-                <a:ea typeface="微軟正黑體" panose="020B0604030504040204" pitchFamily="34" charset="-120"/>
-              </a:rPr>
-              <a:t> Bypass -File </a:t>
-            </a:r>
-            <a:r>
-              <a:rPr lang="en-US" altLang="zh-TW" sz="2000" b="1" smtClean="0">
-                <a:solidFill>
-                  <a:srgbClr val="FF0000"/>
-                </a:solidFill>
-                <a:latin typeface="微軟正黑體" panose="020B0604030504040204" pitchFamily="34" charset="-120"/>
-                <a:ea typeface="微軟正黑體" panose="020B0604030504040204" pitchFamily="34" charset="-120"/>
-              </a:rPr>
-              <a:t>f5_dtc.ps1</a:t>
-            </a:r>
-            <a:endParaRPr lang="en-US" altLang="zh-TW" sz="2000" b="1" smtClean="0">
-              <a:latin typeface="微軟正黑體" panose="020B0604030504040204" pitchFamily="34" charset="-120"/>
-              <a:ea typeface="微軟正黑體" panose="020B0604030504040204" pitchFamily="34" charset="-120"/>
-            </a:endParaRPr>
-          </a:p>
-        </p:txBody>
-      </p:sp>
-      <p:sp>
-        <p:nvSpPr>
-          <p:cNvPr id="10" name="矩形 9"/>
-          <p:cNvSpPr/>
-          <p:nvPr/>
-        </p:nvSpPr>
-        <p:spPr>
-          <a:xfrm>
-            <a:off x="5050969" y="6136884"/>
-            <a:ext cx="7101116" cy="392415"/>
-          </a:xfrm>
-          <a:prstGeom prst="rect">
-            <a:avLst/>
-          </a:prstGeom>
-        </p:spPr>
-        <p:txBody>
-          <a:bodyPr wrap="square">
-            <a:spAutoFit/>
-          </a:bodyPr>
-          <a:lstStyle/>
-          <a:p>
             <a:pPr>
               <a:lnSpc>
-                <a:spcPct val="150000"/>
+                <a:spcPct val="200000"/>
               </a:lnSpc>
             </a:pPr>
             <a:r>
-              <a:rPr lang="zh-TW" altLang="en-US" sz="1300" b="1" smtClean="0">
-                <a:latin typeface="微軟正黑體" panose="020B0604030504040204" pitchFamily="34" charset="-120"/>
-                <a:ea typeface="微軟正黑體" panose="020B0604030504040204" pitchFamily="34" charset="-120"/>
-              </a:rPr>
-              <a:t>註</a:t>
-            </a:r>
-            <a:r>
-              <a:rPr lang="en-US" altLang="zh-TW" sz="1300" b="1" smtClean="0">
-                <a:latin typeface="微軟正黑體" panose="020B0604030504040204" pitchFamily="34" charset="-120"/>
-                <a:ea typeface="微軟正黑體" panose="020B0604030504040204" pitchFamily="34" charset="-120"/>
-              </a:rPr>
-              <a:t>:</a:t>
-            </a:r>
-            <a:r>
-              <a:rPr lang="zh-TW" altLang="en-US" sz="1300" b="1" smtClean="0">
-                <a:latin typeface="微軟正黑體" panose="020B0604030504040204" pitchFamily="34" charset="-120"/>
-                <a:ea typeface="微軟正黑體" panose="020B0604030504040204" pitchFamily="34" charset="-120"/>
-              </a:rPr>
-              <a:t> 若</a:t>
-            </a:r>
-            <a:r>
-              <a:rPr lang="zh-TW" altLang="en-US" sz="1300" b="1">
-                <a:latin typeface="微軟正黑體" panose="020B0604030504040204" pitchFamily="34" charset="-120"/>
-                <a:ea typeface="微軟正黑體" panose="020B0604030504040204" pitchFamily="34" charset="-120"/>
-              </a:rPr>
-              <a:t>直接執行</a:t>
-            </a:r>
-            <a:r>
-              <a:rPr lang="en-US" altLang="zh-TW" sz="1300" b="1">
-                <a:latin typeface="微軟正黑體" panose="020B0604030504040204" pitchFamily="34" charset="-120"/>
-                <a:ea typeface="微軟正黑體" panose="020B0604030504040204" pitchFamily="34" charset="-120"/>
-              </a:rPr>
-              <a:t>ps1</a:t>
-            </a:r>
-            <a:r>
-              <a:rPr lang="zh-TW" altLang="en-US" sz="1300" b="1">
-                <a:latin typeface="微軟正黑體" panose="020B0604030504040204" pitchFamily="34" charset="-120"/>
-                <a:ea typeface="微軟正黑體" panose="020B0604030504040204" pitchFamily="34" charset="-120"/>
-              </a:rPr>
-              <a:t>檔案出現「未經數位簽署</a:t>
-            </a:r>
-            <a:r>
-              <a:rPr lang="en-US" altLang="zh-TW" sz="1300" b="1">
-                <a:latin typeface="微軟正黑體" panose="020B0604030504040204" pitchFamily="34" charset="-120"/>
-                <a:ea typeface="微軟正黑體" panose="020B0604030504040204" pitchFamily="34" charset="-120"/>
-              </a:rPr>
-              <a:t>…</a:t>
-            </a:r>
-            <a:r>
-              <a:rPr lang="zh-TW" altLang="en-US" sz="1300" b="1">
-                <a:latin typeface="微軟正黑體" panose="020B0604030504040204" pitchFamily="34" charset="-120"/>
-                <a:ea typeface="微軟正黑體" panose="020B0604030504040204" pitchFamily="34" charset="-120"/>
-              </a:rPr>
-              <a:t>」錯誤，請參考</a:t>
-            </a:r>
-            <a:r>
-              <a:rPr lang="zh-TW" altLang="en-US" sz="1300" b="1">
-                <a:latin typeface="微軟正黑體" panose="020B0604030504040204" pitchFamily="34" charset="-120"/>
-                <a:ea typeface="微軟正黑體" panose="020B0604030504040204" pitchFamily="34" charset="-120"/>
-                <a:hlinkClick r:id="rId3"/>
-              </a:rPr>
-              <a:t>微軟文件</a:t>
-            </a:r>
-            <a:r>
-              <a:rPr lang="zh-TW" altLang="en-US" sz="1300" b="1">
-                <a:latin typeface="微軟正黑體" panose="020B0604030504040204" pitchFamily="34" charset="-120"/>
-                <a:ea typeface="微軟正黑體" panose="020B0604030504040204" pitchFamily="34" charset="-120"/>
-              </a:rPr>
-              <a:t> </a:t>
-            </a:r>
-            <a:r>
-              <a:rPr lang="en-US" altLang="zh-TW" sz="1300" b="1">
-                <a:latin typeface="微軟正黑體" panose="020B0604030504040204" pitchFamily="34" charset="-120"/>
-                <a:ea typeface="微軟正黑體" panose="020B0604030504040204" pitchFamily="34" charset="-120"/>
-              </a:rPr>
-              <a:t>Set-</a:t>
-            </a:r>
-            <a:r>
-              <a:rPr lang="en-US" altLang="zh-TW" sz="1300" b="1" err="1">
-                <a:latin typeface="微軟正黑體" panose="020B0604030504040204" pitchFamily="34" charset="-120"/>
-                <a:ea typeface="微軟正黑體" panose="020B0604030504040204" pitchFamily="34" charset="-120"/>
-              </a:rPr>
-              <a:t>ExecutionPolicy</a:t>
-            </a:r>
-            <a:endParaRPr lang="en-US" altLang="zh-TW" sz="1300" b="1">
-              <a:latin typeface="微軟正黑體" panose="020B0604030504040204" pitchFamily="34" charset="-120"/>
-              <a:ea typeface="微軟正黑體" panose="020B0604030504040204" pitchFamily="34" charset="-120"/>
-            </a:endParaRPr>
-          </a:p>
-        </p:txBody>
-      </p:sp>
-      <p:pic>
-        <p:nvPicPr>
-          <p:cNvPr id="12" name="圖片 11"/>
-          <p:cNvPicPr>
-            <a:picLocks noChangeAspect="1"/>
-          </p:cNvPicPr>
-          <p:nvPr/>
-        </p:nvPicPr>
-        <p:blipFill>
-          <a:blip r:embed="rId4"/>
-          <a:stretch>
-            <a:fillRect/>
-          </a:stretch>
-        </p:blipFill>
-        <p:spPr>
-          <a:xfrm>
-            <a:off x="611105" y="2853392"/>
-            <a:ext cx="3778015" cy="3675907"/>
-          </a:xfrm>
-          <a:prstGeom prst="rect">
-            <a:avLst/>
-          </a:prstGeom>
-        </p:spPr>
-      </p:pic>
-      <p:pic>
-        <p:nvPicPr>
-          <p:cNvPr id="13" name="圖片 12"/>
-          <p:cNvPicPr>
-            <a:picLocks noChangeAspect="1"/>
-          </p:cNvPicPr>
-          <p:nvPr/>
-        </p:nvPicPr>
-        <p:blipFill>
-          <a:blip r:embed="rId5"/>
-          <a:stretch>
-            <a:fillRect/>
-          </a:stretch>
-        </p:blipFill>
-        <p:spPr>
-          <a:xfrm>
-            <a:off x="4439920" y="2853392"/>
-            <a:ext cx="7661365" cy="1982096"/>
-          </a:xfrm>
-          <a:prstGeom prst="rect">
-            <a:avLst/>
-          </a:prstGeom>
-        </p:spPr>
-      </p:pic>
+              <a:rPr lang="en-US" altLang="zh-TW" dirty="0" smtClean="0"/>
+              <a:t>(</a:t>
+            </a:r>
+            <a:r>
+              <a:rPr lang="zh-TW" altLang="en-US" dirty="0" smtClean="0"/>
+              <a:t>４</a:t>
+            </a:r>
+            <a:r>
+              <a:rPr lang="en-US" altLang="zh-TW" dirty="0" smtClean="0"/>
+              <a:t>)</a:t>
+            </a:r>
+            <a:r>
+              <a:rPr lang="zh-TW" altLang="en-US" dirty="0"/>
+              <a:t>實際應用案例展示</a:t>
+            </a:r>
+            <a:endParaRPr lang="en-US" altLang="zh-TW" dirty="0"/>
+          </a:p>
+        </p:txBody>
+      </p:sp>
+      <p:sp>
+        <p:nvSpPr>
+          <p:cNvPr id="3" name="投影片編號版面配置區 2"/>
+          <p:cNvSpPr>
+            <a:spLocks noGrp="1"/>
+          </p:cNvSpPr>
+          <p:nvPr>
+            <p:ph type="sldNum" sz="quarter" idx="10"/>
+          </p:nvPr>
+        </p:nvSpPr>
+        <p:spPr/>
+        <p:txBody>
+          <a:bodyPr/>
+          <a:lstStyle/>
+          <a:p>
+            <a:fld id="{15FAE70E-A2A9-4EA5-BAA7-366C18FFF9F6}" type="slidenum">
+              <a:rPr lang="zh-TW" altLang="en-US" smtClean="0"/>
+              <a:pPr/>
+              <a:t>12</a:t>
+            </a:fld>
+            <a:endParaRPr lang="zh-TW" altLang="en-US"/>
+          </a:p>
+        </p:txBody>
+      </p:sp>
     </p:spTree>
     <p:extLst>
       <p:ext uri="{BB962C8B-B14F-4D97-AF65-F5344CB8AC3E}">
-        <p14:creationId xmlns:p14="http://schemas.microsoft.com/office/powerpoint/2010/main" val="3148441577"/>
+        <p14:creationId xmlns:p14="http://schemas.microsoft.com/office/powerpoint/2010/main" val="1990714855"/>
       </p:ext>
     </p:extLst>
   </p:cSld>
   <p:clrMapOvr>
     <a:masterClrMapping/>
   </p:clrMapOvr>
-  <mc:AlternateContent xmlns:mc="http://schemas.openxmlformats.org/markup-compatibility/2006" xmlns:p14="http://schemas.microsoft.com/office/powerpoint/2010/main">
-    <mc:Choice Requires="p14">
-      <p:transition p14:dur="400">
-        <p:fade/>
-      </p:transition>
-    </mc:Choice>
-    <mc:Fallback xmlns="">
-      <p:transition>
-        <p:fade/>
-      </p:transition>
-    </mc:Fallback>
-  </mc:AlternateContent>
+  <p:transition spd="slow">
+    <p:strips/>
+  </p:transition>
+  <p:timing>
+    <p:tnLst>
+      <p:par>
+        <p:cTn id="1" dur="indefinite" restart="never" nodeType="tmRoot"/>
+      </p:par>
+    </p:tnLst>
+  </p:timing>
 </p:sld>
 </file>
 
@@ -5292,6 +5431,45 @@
           <a:chExt cx="0" cy="0"/>
         </a:xfrm>
       </p:grpSpPr>
+      <p:pic>
+        <p:nvPicPr>
+          <p:cNvPr id="2056" name="Picture 8" descr="You guys loved my &quot;Idea Finder&quot; workflow, so here is the code and  explanation. : r/n8n"/>
+          <p:cNvPicPr>
+            <a:picLocks noChangeAspect="1" noChangeArrowheads="1"/>
+          </p:cNvPicPr>
+          <p:nvPr/>
+        </p:nvPicPr>
+        <p:blipFill rotWithShape="1">
+          <a:blip r:embed="rId2" cstate="print">
+            <a:extLst>
+              <a:ext uri="{28A0092B-C50C-407E-A947-70E740481C1C}">
+                <a14:useLocalDpi xmlns:a14="http://schemas.microsoft.com/office/drawing/2010/main" val="0"/>
+              </a:ext>
+            </a:extLst>
+          </a:blip>
+          <a:srcRect b="13348"/>
+          <a:stretch/>
+        </p:blipFill>
+        <p:spPr bwMode="auto">
+          <a:xfrm>
+            <a:off x="437661" y="4173321"/>
+            <a:ext cx="4882672" cy="1755960"/>
+          </a:xfrm>
+          <a:prstGeom prst="rect">
+            <a:avLst/>
+          </a:prstGeom>
+          <a:noFill/>
+          <a:extLst>
+            <a:ext uri="{909E8E84-426E-40DD-AFC4-6F175D3DCCD1}">
+              <a14:hiddenFill xmlns:a14="http://schemas.microsoft.com/office/drawing/2010/main">
+                <a:solidFill>
+                  <a:srgbClr val="FFFFFF"/>
+                </a:solidFill>
+              </a14:hiddenFill>
+            </a:ext>
+          </a:extLst>
+        </p:spPr>
+      </p:pic>
       <p:sp>
         <p:nvSpPr>
           <p:cNvPr id="4" name="投影片編號版面配置區 3">
@@ -5314,62 +5492,176 @@
           <a:lstStyle/>
           <a:p>
             <a:fld id="{15FAE70E-A2A9-4EA5-BAA7-366C18FFF9F6}" type="slidenum">
-              <a:rPr lang="zh-TW" altLang="en-US" smtClean="0"/>
+              <a:rPr lang="zh-TW" altLang="en-US" b="1" smtClean="0"/>
               <a:t>13</a:t>
             </a:fld>
-            <a:endParaRPr lang="zh-TW" altLang="en-US"/>
-          </a:p>
-        </p:txBody>
-      </p:sp>
-      <p:sp>
-        <p:nvSpPr>
-          <p:cNvPr id="6" name="標題 3"/>
-          <p:cNvSpPr>
-            <a:spLocks noGrp="1"/>
-          </p:cNvSpPr>
-          <p:nvPr>
-            <p:ph type="title"/>
-          </p:nvPr>
-        </p:nvSpPr>
-        <p:spPr>
-          <a:xfrm>
-            <a:off x="0" y="1"/>
-            <a:ext cx="12192000" cy="914399"/>
-          </a:xfrm>
-        </p:spPr>
-        <p:txBody>
-          <a:bodyPr>
-            <a:normAutofit/>
+            <a:endParaRPr lang="zh-TW" altLang="en-US" b="1"/>
+          </a:p>
+        </p:txBody>
+      </p:sp>
+      <p:pic>
+        <p:nvPicPr>
+          <p:cNvPr id="2050" name="Picture 2" descr="台灣YouTuber 在一年之內翻倍成長！《木曜》用「聯名行銷」勇奪年度冠軍"/>
+          <p:cNvPicPr>
+            <a:picLocks noChangeAspect="1" noChangeArrowheads="1"/>
+          </p:cNvPicPr>
+          <p:nvPr/>
+        </p:nvPicPr>
+        <p:blipFill>
+          <a:blip r:embed="rId3">
+            <a:extLst>
+              <a:ext uri="{28A0092B-C50C-407E-A947-70E740481C1C}">
+                <a14:useLocalDpi xmlns:a14="http://schemas.microsoft.com/office/drawing/2010/main" val="0"/>
+              </a:ext>
+            </a:extLst>
+          </a:blip>
+          <a:srcRect/>
+          <a:stretch>
+            <a:fillRect/>
+          </a:stretch>
+        </p:blipFill>
+        <p:spPr bwMode="auto">
+          <a:xfrm>
+            <a:off x="443644" y="1905181"/>
+            <a:ext cx="4865763" cy="1737773"/>
+          </a:xfrm>
+          <a:prstGeom prst="rect">
+            <a:avLst/>
+          </a:prstGeom>
+          <a:noFill/>
+          <a:extLst>
+            <a:ext uri="{909E8E84-426E-40DD-AFC4-6F175D3DCCD1}">
+              <a14:hiddenFill xmlns:a14="http://schemas.microsoft.com/office/drawing/2010/main">
+                <a:solidFill>
+                  <a:srgbClr val="FFFFFF"/>
+                </a:solidFill>
+              </a14:hiddenFill>
+            </a:ext>
+          </a:extLst>
+        </p:spPr>
+      </p:pic>
+      <p:sp>
+        <p:nvSpPr>
+          <p:cNvPr id="3" name="矩形 2"/>
+          <p:cNvSpPr/>
+          <p:nvPr/>
+        </p:nvSpPr>
+        <p:spPr>
+          <a:xfrm>
+            <a:off x="394379" y="4134995"/>
+            <a:ext cx="3023585" cy="369332"/>
+          </a:xfrm>
+          <a:prstGeom prst="rect">
+            <a:avLst/>
+          </a:prstGeom>
+          <a:solidFill>
+            <a:schemeClr val="bg1">
+              <a:lumMod val="95000"/>
+            </a:schemeClr>
+          </a:solidFill>
+          <a:ln>
+            <a:solidFill>
+              <a:schemeClr val="bg1">
+                <a:lumMod val="85000"/>
+              </a:schemeClr>
+            </a:solidFill>
+          </a:ln>
+        </p:spPr>
+        <p:txBody>
+          <a:bodyPr wrap="none">
+            <a:spAutoFit/>
           </a:bodyPr>
           <a:lstStyle/>
           <a:p>
             <a:r>
-              <a:rPr lang="zh-TW" altLang="en-US" sz="2400">
-                <a:solidFill>
-                  <a:srgbClr val="006666"/>
-                </a:solidFill>
-              </a:rPr>
-              <a:t>程式執行畫面</a:t>
-            </a:r>
-            <a:r>
-              <a:rPr lang="en-US" altLang="zh-TW" sz="2400">
-                <a:solidFill>
-                  <a:srgbClr val="006666"/>
-                </a:solidFill>
-              </a:rPr>
-              <a:t>&amp;Demo</a:t>
-            </a:r>
-            <a:endParaRPr lang="zh-TW" altLang="en-US" sz="2400" b="1">
-              <a:solidFill>
-                <a:srgbClr val="006666"/>
-              </a:solidFill>
+              <a:rPr lang="zh-TW" altLang="en-US" b="1" dirty="0" smtClean="0">
+                <a:latin typeface="微軟正黑體" panose="020B0604030504040204" pitchFamily="34" charset="-120"/>
+                <a:ea typeface="微軟正黑體" panose="020B0604030504040204" pitchFamily="34" charset="-120"/>
+              </a:rPr>
+              <a:t>透過 </a:t>
+            </a:r>
+            <a:r>
+              <a:rPr lang="en-US" altLang="zh-TW" b="1" dirty="0" smtClean="0">
+                <a:latin typeface="微軟正黑體" panose="020B0604030504040204" pitchFamily="34" charset="-120"/>
+                <a:ea typeface="微軟正黑體" panose="020B0604030504040204" pitchFamily="34" charset="-120"/>
+              </a:rPr>
+              <a:t>n8n </a:t>
+            </a:r>
+            <a:r>
+              <a:rPr lang="zh-TW" altLang="en-US" b="1" dirty="0" smtClean="0">
+                <a:latin typeface="微軟正黑體" panose="020B0604030504040204" pitchFamily="34" charset="-120"/>
+                <a:ea typeface="微軟正黑體" panose="020B0604030504040204" pitchFamily="34" charset="-120"/>
+              </a:rPr>
+              <a:t>自動整合影片內容</a:t>
+            </a:r>
+            <a:endParaRPr lang="zh-TW" altLang="en-US" b="1" dirty="0">
+              <a:latin typeface="微軟正黑體" panose="020B0604030504040204" pitchFamily="34" charset="-120"/>
+              <a:ea typeface="微軟正黑體" panose="020B0604030504040204" pitchFamily="34" charset="-120"/>
             </a:endParaRPr>
           </a:p>
         </p:txBody>
       </p:sp>
       <p:sp>
         <p:nvSpPr>
-          <p:cNvPr id="7" name="矩形 6"/>
+          <p:cNvPr id="12" name="向右箭號 11"/>
+          <p:cNvSpPr/>
+          <p:nvPr/>
+        </p:nvSpPr>
+        <p:spPr>
+          <a:xfrm>
+            <a:off x="4933450" y="3432239"/>
+            <a:ext cx="1360011" cy="913472"/>
+          </a:xfrm>
+          <a:prstGeom prst="rightArrow">
+            <a:avLst/>
+          </a:prstGeom>
+          <a:solidFill>
+            <a:srgbClr val="FF0000"/>
+          </a:solidFill>
+          <a:ln>
+            <a:solidFill>
+              <a:schemeClr val="accent2"/>
+            </a:solidFill>
+          </a:ln>
+          <a:effectLst>
+            <a:outerShdw blurRad="50800" dist="38100" dir="2700000" algn="tl" rotWithShape="0">
+              <a:prstClr val="black">
+                <a:alpha val="40000"/>
+              </a:prstClr>
+            </a:outerShdw>
+          </a:effectLst>
+        </p:spPr>
+        <p:style>
+          <a:lnRef idx="2">
+            <a:schemeClr val="accent1">
+              <a:shade val="50000"/>
+            </a:schemeClr>
+          </a:lnRef>
+          <a:fillRef idx="1">
+            <a:schemeClr val="accent1"/>
+          </a:fillRef>
+          <a:effectRef idx="0">
+            <a:schemeClr val="accent1"/>
+          </a:effectRef>
+          <a:fontRef idx="minor">
+            <a:schemeClr val="lt1"/>
+          </a:fontRef>
+        </p:style>
+        <p:txBody>
+          <a:bodyPr rtlCol="0" anchor="ctr"/>
+          <a:lstStyle/>
+          <a:p>
+            <a:pPr algn="ctr"/>
+            <a:endParaRPr lang="zh-TW" altLang="en-US" b="1">
+              <a:latin typeface="微軟正黑體" panose="020B0604030504040204" pitchFamily="34" charset="-120"/>
+              <a:ea typeface="微軟正黑體" panose="020B0604030504040204" pitchFamily="34" charset="-120"/>
+            </a:endParaRPr>
+          </a:p>
+        </p:txBody>
+      </p:sp>
+      <p:sp>
+        <p:nvSpPr>
+          <p:cNvPr id="16" name="矩形 15"/>
           <p:cNvSpPr/>
           <p:nvPr/>
         </p:nvSpPr>
@@ -5413,585 +5705,201 @@
           </a:p>
         </p:txBody>
       </p:sp>
+      <p:sp>
+        <p:nvSpPr>
+          <p:cNvPr id="13" name="矩形 12"/>
+          <p:cNvSpPr/>
+          <p:nvPr/>
+        </p:nvSpPr>
+        <p:spPr>
+          <a:xfrm>
+            <a:off x="474265" y="6050915"/>
+            <a:ext cx="4804520" cy="307777"/>
+          </a:xfrm>
+          <a:prstGeom prst="rect">
+            <a:avLst/>
+          </a:prstGeom>
+        </p:spPr>
+        <p:txBody>
+          <a:bodyPr wrap="none">
+            <a:spAutoFit/>
+          </a:bodyPr>
+          <a:lstStyle/>
+          <a:p>
+            <a:r>
+              <a:rPr lang="zh-TW" altLang="en-US" sz="1400" b="1" dirty="0">
+                <a:latin typeface="微軟正黑體" panose="020B0604030504040204" pitchFamily="34" charset="-120"/>
+                <a:ea typeface="微軟正黑體" panose="020B0604030504040204" pitchFamily="34" charset="-120"/>
+              </a:rPr>
+              <a:t>影片上架 → 自動抓逐字稿 → </a:t>
+            </a:r>
+            <a:r>
+              <a:rPr lang="en-US" altLang="zh-TW" sz="1400" b="1" dirty="0">
+                <a:latin typeface="微軟正黑體" panose="020B0604030504040204" pitchFamily="34" charset="-120"/>
+                <a:ea typeface="微軟正黑體" panose="020B0604030504040204" pitchFamily="34" charset="-120"/>
+              </a:rPr>
+              <a:t>AI </a:t>
+            </a:r>
+            <a:r>
+              <a:rPr lang="zh-TW" altLang="en-US" sz="1400" b="1" dirty="0">
+                <a:latin typeface="微軟正黑體" panose="020B0604030504040204" pitchFamily="34" charset="-120"/>
+                <a:ea typeface="微軟正黑體" panose="020B0604030504040204" pitchFamily="34" charset="-120"/>
+              </a:rPr>
+              <a:t>判讀多空 → 彙整情緒指標</a:t>
+            </a:r>
+          </a:p>
+        </p:txBody>
+      </p:sp>
+      <p:sp>
+        <p:nvSpPr>
+          <p:cNvPr id="19" name="矩形 18"/>
+          <p:cNvSpPr/>
+          <p:nvPr/>
+        </p:nvSpPr>
+        <p:spPr>
+          <a:xfrm>
+            <a:off x="394379" y="953281"/>
+            <a:ext cx="10524717" cy="523220"/>
+          </a:xfrm>
+          <a:prstGeom prst="rect">
+            <a:avLst/>
+          </a:prstGeom>
+        </p:spPr>
+        <p:txBody>
+          <a:bodyPr wrap="square">
+            <a:spAutoFit/>
+          </a:bodyPr>
+          <a:lstStyle/>
+          <a:p>
+            <a:pPr lvl="0" eaLnBrk="0" fontAlgn="base" hangingPunct="0">
+              <a:spcBef>
+                <a:spcPct val="0"/>
+              </a:spcBef>
+              <a:spcAft>
+                <a:spcPct val="0"/>
+              </a:spcAft>
+            </a:pPr>
+            <a:r>
+              <a:rPr lang="zh-TW" altLang="en-US" sz="2800" b="1" dirty="0">
+                <a:solidFill>
+                  <a:srgbClr val="006666"/>
+                </a:solidFill>
+                <a:latin typeface="Noto Sans TC" panose="020B0200000000000000" pitchFamily="34" charset="-120"/>
+                <a:ea typeface="Noto Sans TC" panose="020B0200000000000000" pitchFamily="34" charset="-120"/>
+              </a:rPr>
+              <a:t>專家影片太</a:t>
+            </a:r>
+            <a:r>
+              <a:rPr lang="zh-TW" altLang="en-US" sz="2800" b="1" dirty="0" smtClean="0">
+                <a:solidFill>
+                  <a:srgbClr val="006666"/>
+                </a:solidFill>
+                <a:latin typeface="Noto Sans TC" panose="020B0200000000000000" pitchFamily="34" charset="-120"/>
+                <a:ea typeface="Noto Sans TC" panose="020B0200000000000000" pitchFamily="34" charset="-120"/>
+              </a:rPr>
+              <a:t>多，用 </a:t>
+            </a:r>
+            <a:r>
+              <a:rPr lang="en-US" altLang="zh-TW" sz="2800" b="1" dirty="0">
+                <a:solidFill>
+                  <a:srgbClr val="006666"/>
+                </a:solidFill>
+                <a:latin typeface="Noto Sans TC" panose="020B0200000000000000" pitchFamily="34" charset="-120"/>
+                <a:ea typeface="Noto Sans TC" panose="020B0200000000000000" pitchFamily="34" charset="-120"/>
+              </a:rPr>
+              <a:t>n8n </a:t>
+            </a:r>
+            <a:r>
+              <a:rPr lang="zh-TW" altLang="en-US" sz="2800" b="1" dirty="0" smtClean="0">
+                <a:solidFill>
+                  <a:srgbClr val="006666"/>
+                </a:solidFill>
+                <a:latin typeface="Noto Sans TC" panose="020B0200000000000000" pitchFamily="34" charset="-120"/>
+                <a:ea typeface="Noto Sans TC" panose="020B0200000000000000" pitchFamily="34" charset="-120"/>
+              </a:rPr>
+              <a:t>直接統整</a:t>
+            </a:r>
+            <a:r>
+              <a:rPr lang="zh-TW" altLang="en-US" sz="2800" b="1" dirty="0">
+                <a:solidFill>
+                  <a:srgbClr val="006666"/>
+                </a:solidFill>
+                <a:latin typeface="Noto Sans TC" panose="020B0200000000000000" pitchFamily="34" charset="-120"/>
+                <a:ea typeface="Noto Sans TC" panose="020B0200000000000000" pitchFamily="34" charset="-120"/>
+              </a:rPr>
+              <a:t>「</a:t>
+            </a:r>
+            <a:r>
+              <a:rPr lang="zh-TW" altLang="en-US" sz="2800" b="1" dirty="0" smtClean="0">
+                <a:solidFill>
+                  <a:srgbClr val="006666"/>
+                </a:solidFill>
+                <a:latin typeface="Noto Sans TC" panose="020B0200000000000000" pitchFamily="34" charset="-120"/>
+                <a:ea typeface="Noto Sans TC" panose="020B0200000000000000" pitchFamily="34" charset="-120"/>
+              </a:rPr>
+              <a:t>買賣結論」</a:t>
+            </a:r>
+            <a:endParaRPr lang="zh-TW" altLang="zh-TW" sz="2800" b="1" dirty="0">
+              <a:solidFill>
+                <a:srgbClr val="006666"/>
+              </a:solidFill>
+              <a:latin typeface="Noto Sans TC" panose="020B0200000000000000" pitchFamily="34" charset="-120"/>
+              <a:ea typeface="Noto Sans TC" panose="020B0200000000000000" pitchFamily="34" charset="-120"/>
+            </a:endParaRPr>
+          </a:p>
+        </p:txBody>
+      </p:sp>
       <p:pic>
         <p:nvPicPr>
-          <p:cNvPr id="9" name="圖片 8"/>
+          <p:cNvPr id="2058" name="Picture 10" descr="南訊企業股份有限公司- 情緒分析是什麼?"/>
           <p:cNvPicPr>
-            <a:picLocks noChangeAspect="1"/>
+            <a:picLocks noChangeAspect="1" noChangeArrowheads="1"/>
           </p:cNvPicPr>
           <p:nvPr/>
         </p:nvPicPr>
         <p:blipFill>
-          <a:blip r:embed="rId2">
+          <a:blip r:embed="rId4">
             <a:extLst>
               <a:ext uri="{28A0092B-C50C-407E-A947-70E740481C1C}">
                 <a14:useLocalDpi xmlns:a14="http://schemas.microsoft.com/office/drawing/2010/main" val="0"/>
               </a:ext>
             </a:extLst>
           </a:blip>
-          <a:srcRect b="10327"/>
+          <a:srcRect/>
           <a:stretch>
             <a:fillRect/>
           </a:stretch>
         </p:blipFill>
-        <p:spPr>
-          <a:xfrm>
-            <a:off x="181536" y="914399"/>
-            <a:ext cx="11670995" cy="5667375"/>
+        <p:spPr bwMode="auto">
+          <a:xfrm>
+            <a:off x="6552246" y="1828827"/>
+            <a:ext cx="5206139" cy="3758515"/>
           </a:xfrm>
           <a:prstGeom prst="rect">
             <a:avLst/>
           </a:prstGeom>
+          <a:noFill/>
+          <a:extLst>
+            <a:ext uri="{909E8E84-426E-40DD-AFC4-6F175D3DCCD1}">
+              <a14:hiddenFill xmlns:a14="http://schemas.microsoft.com/office/drawing/2010/main">
+                <a:solidFill>
+                  <a:srgbClr val="FFFFFF"/>
+                </a:solidFill>
+              </a14:hiddenFill>
+            </a:ext>
+          </a:extLst>
         </p:spPr>
       </p:pic>
-      <p:pic>
-        <p:nvPicPr>
-          <p:cNvPr id="8" name="圖片 7"/>
-          <p:cNvPicPr>
-            <a:picLocks noChangeAspect="1"/>
-          </p:cNvPicPr>
-          <p:nvPr/>
-        </p:nvPicPr>
-        <p:blipFill>
-          <a:blip r:embed="rId3">
-            <a:extLst>
-              <a:ext uri="{28A0092B-C50C-407E-A947-70E740481C1C}">
-                <a14:useLocalDpi xmlns:a14="http://schemas.microsoft.com/office/drawing/2010/main" val="0"/>
-              </a:ext>
-            </a:extLst>
-          </a:blip>
-          <a:srcRect r="5614" b="5518"/>
-          <a:stretch>
-            <a:fillRect/>
-          </a:stretch>
-        </p:blipFill>
-        <p:spPr>
-          <a:xfrm>
-            <a:off x="9410700" y="3531688"/>
-            <a:ext cx="2781300" cy="3050088"/>
-          </a:xfrm>
-          <a:prstGeom prst="rect">
-            <a:avLst/>
-          </a:prstGeom>
-        </p:spPr>
-      </p:pic>
-    </p:spTree>
-    <p:extLst>
-      <p:ext uri="{BB962C8B-B14F-4D97-AF65-F5344CB8AC3E}">
-        <p14:creationId xmlns:p14="http://schemas.microsoft.com/office/powerpoint/2010/main" val="1289504894"/>
-      </p:ext>
-    </p:extLst>
-  </p:cSld>
-  <p:clrMapOvr>
-    <a:masterClrMapping/>
-  </p:clrMapOvr>
-  <mc:AlternateContent xmlns:mc="http://schemas.openxmlformats.org/markup-compatibility/2006" xmlns:p14="http://schemas.microsoft.com/office/powerpoint/2010/main">
-    <mc:Choice Requires="p14">
-      <p:transition p14:dur="400">
-        <p:fade/>
-      </p:transition>
-    </mc:Choice>
-    <mc:Fallback xmlns="">
-      <p:transition>
-        <p:fade/>
-      </p:transition>
-    </mc:Fallback>
-  </mc:AlternateContent>
-  <p:timing>
-    <p:tnLst>
-      <p:par>
-        <p:cTn id="1" dur="indefinite" restart="never" nodeType="tmRoot">
-          <p:childTnLst>
-            <p:seq concurrent="1" nextAc="seek">
-              <p:cTn id="2" dur="indefinite" nodeType="mainSeq">
-                <p:childTnLst>
-                  <p:par>
-                    <p:cTn id="3" fill="hold">
-                      <p:stCondLst>
-                        <p:cond delay="indefinite"/>
-                        <p:cond evt="onBegin" delay="0">
-                          <p:tn val="2"/>
-                        </p:cond>
-                      </p:stCondLst>
-                      <p:childTnLst>
-                        <p:par>
-                          <p:cTn id="4" fill="hold">
-                            <p:stCondLst>
-                              <p:cond delay="0"/>
-                            </p:stCondLst>
-                            <p:childTnLst>
-                              <p:par>
-                                <p:cTn id="5" presetID="2" presetClass="entr" presetSubtype="2" fill="hold" nodeType="withEffect">
-                                  <p:stCondLst>
-                                    <p:cond delay="0"/>
-                                  </p:stCondLst>
-                                  <p:childTnLst>
-                                    <p:set>
-                                      <p:cBhvr>
-                                        <p:cTn id="6" dur="1" fill="hold">
-                                          <p:stCondLst>
-                                            <p:cond delay="0"/>
-                                          </p:stCondLst>
-                                        </p:cTn>
-                                        <p:tgtEl>
-                                          <p:spTgt spid="8"/>
-                                        </p:tgtEl>
-                                        <p:attrNameLst>
-                                          <p:attrName>style.visibility</p:attrName>
-                                        </p:attrNameLst>
-                                      </p:cBhvr>
-                                      <p:to>
-                                        <p:strVal val="visible"/>
-                                      </p:to>
-                                    </p:set>
-                                    <p:anim calcmode="lin" valueType="num">
-                                      <p:cBhvr additive="base">
-                                        <p:cTn id="7" dur="250" fill="hold"/>
-                                        <p:tgtEl>
-                                          <p:spTgt spid="8"/>
-                                        </p:tgtEl>
-                                        <p:attrNameLst>
-                                          <p:attrName>ppt_x</p:attrName>
-                                        </p:attrNameLst>
-                                      </p:cBhvr>
-                                      <p:tavLst>
-                                        <p:tav tm="0">
-                                          <p:val>
-                                            <p:strVal val="1+#ppt_w/2"/>
-                                          </p:val>
-                                        </p:tav>
-                                        <p:tav tm="100000">
-                                          <p:val>
-                                            <p:strVal val="#ppt_x"/>
-                                          </p:val>
-                                        </p:tav>
-                                      </p:tavLst>
-                                    </p:anim>
-                                    <p:anim calcmode="lin" valueType="num">
-                                      <p:cBhvr additive="base">
-                                        <p:cTn id="8" dur="250" fill="hold"/>
-                                        <p:tgtEl>
-                                          <p:spTgt spid="8"/>
-                                        </p:tgtEl>
-                                        <p:attrNameLst>
-                                          <p:attrName>ppt_y</p:attrName>
-                                        </p:attrNameLst>
-                                      </p:cBhvr>
-                                      <p:tavLst>
-                                        <p:tav tm="0">
-                                          <p:val>
-                                            <p:strVal val="#ppt_y"/>
-                                          </p:val>
-                                        </p:tav>
-                                        <p:tav tm="100000">
-                                          <p:val>
-                                            <p:strVal val="#ppt_y"/>
-                                          </p:val>
-                                        </p:tav>
-                                      </p:tavLst>
-                                    </p:anim>
-                                  </p:childTnLst>
-                                </p:cTn>
-                              </p:par>
-                            </p:childTnLst>
-                          </p:cTn>
-                        </p:par>
-                      </p:childTnLst>
-                    </p:cTn>
-                  </p:par>
-                </p:childTnLst>
-              </p:cTn>
-              <p:prevCondLst>
-                <p:cond evt="onPrev" delay="0">
-                  <p:tgtEl>
-                    <p:sldTgt/>
-                  </p:tgtEl>
-                </p:cond>
-              </p:prevCondLst>
-              <p:nextCondLst>
-                <p:cond evt="onNext" delay="0">
-                  <p:tgtEl>
-                    <p:sldTgt/>
-                  </p:tgtEl>
-                </p:cond>
-              </p:nextCondLst>
-            </p:seq>
-          </p:childTnLst>
-        </p:cTn>
-      </p:par>
-    </p:tnLst>
-  </p:timing>
-</p:sld>
-</file>
-
-<file path=ppt/slides/slide14.xml><?xml version="1.0" encoding="utf-8"?>
-<p:sld xmlns:a="http://schemas.openxmlformats.org/drawingml/2006/main" xmlns:r="http://schemas.openxmlformats.org/officeDocument/2006/relationships" xmlns:p="http://schemas.openxmlformats.org/presentationml/2006/main">
-  <p:cSld>
-    <p:spTree>
-      <p:nvGrpSpPr>
-        <p:cNvPr id="1" name=""/>
-        <p:cNvGrpSpPr/>
-        <p:nvPr/>
-      </p:nvGrpSpPr>
-      <p:grpSpPr>
-        <a:xfrm>
-          <a:off x="0" y="0"/>
-          <a:ext cx="0" cy="0"/>
-          <a:chOff x="0" y="0"/>
-          <a:chExt cx="0" cy="0"/>
-        </a:xfrm>
-      </p:grpSpPr>
-      <p:sp>
-        <p:nvSpPr>
-          <p:cNvPr id="4" name="投影片編號版面配置區 3">
-            <a:extLst>
-              <a:ext uri="{FF2B5EF4-FFF2-40B4-BE49-F238E27FC236}">
-                <a16:creationId xmlns:a16="http://schemas.microsoft.com/office/drawing/2014/main" id="{4E31CF89-F96A-5D03-E7F8-6760908EC990}"/>
-              </a:ext>
-            </a:extLst>
-          </p:cNvPr>
-          <p:cNvSpPr>
-            <a:spLocks noGrp="1"/>
-          </p:cNvSpPr>
-          <p:nvPr>
-            <p:ph type="sldNum" sz="quarter" idx="12"/>
-          </p:nvPr>
-        </p:nvSpPr>
-        <p:spPr/>
-        <p:txBody>
-          <a:bodyPr/>
-          <a:lstStyle/>
-          <a:p>
-            <a:fld id="{15FAE70E-A2A9-4EA5-BAA7-366C18FFF9F6}" type="slidenum">
-              <a:rPr lang="zh-TW" altLang="en-US" smtClean="0"/>
-              <a:t>14</a:t>
-            </a:fld>
-            <a:endParaRPr lang="zh-TW" altLang="en-US"/>
-          </a:p>
-        </p:txBody>
-      </p:sp>
-      <p:sp>
-        <p:nvSpPr>
-          <p:cNvPr id="6" name="標題 3"/>
-          <p:cNvSpPr>
-            <a:spLocks noGrp="1"/>
-          </p:cNvSpPr>
-          <p:nvPr>
-            <p:ph type="title"/>
-          </p:nvPr>
-        </p:nvSpPr>
-        <p:spPr>
-          <a:xfrm>
-            <a:off x="0" y="1"/>
-            <a:ext cx="12192000" cy="914399"/>
-          </a:xfrm>
-        </p:spPr>
-        <p:txBody>
-          <a:bodyPr>
-            <a:normAutofit/>
-          </a:bodyPr>
-          <a:lstStyle/>
-          <a:p>
-            <a:r>
-              <a:rPr lang="en-US" altLang="zh-TW" sz="2400">
-                <a:solidFill>
-                  <a:srgbClr val="006666"/>
-                </a:solidFill>
-              </a:rPr>
-              <a:t>Log</a:t>
-            </a:r>
-            <a:r>
-              <a:rPr lang="zh-TW" altLang="en-US" sz="2400">
-                <a:solidFill>
-                  <a:srgbClr val="006666"/>
-                </a:solidFill>
-              </a:rPr>
-              <a:t>格式</a:t>
-            </a:r>
-            <a:r>
-              <a:rPr lang="en-US" altLang="zh-TW" sz="2400">
-                <a:solidFill>
-                  <a:srgbClr val="006666"/>
-                </a:solidFill>
-              </a:rPr>
-              <a:t>&amp;</a:t>
-            </a:r>
-            <a:r>
-              <a:rPr lang="zh-TW" altLang="en-US" sz="2400">
-                <a:solidFill>
-                  <a:srgbClr val="006666"/>
-                </a:solidFill>
-              </a:rPr>
-              <a:t>計算平均</a:t>
-            </a:r>
-            <a:endParaRPr lang="zh-TW" altLang="en-US" sz="2400" b="1">
-              <a:solidFill>
-                <a:srgbClr val="006666"/>
-              </a:solidFill>
-            </a:endParaRPr>
-          </a:p>
-        </p:txBody>
-      </p:sp>
-      <p:sp>
-        <p:nvSpPr>
-          <p:cNvPr id="7" name="矩形 6"/>
+      <p:sp>
+        <p:nvSpPr>
+          <p:cNvPr id="5" name="矩形 4"/>
           <p:cNvSpPr/>
           <p:nvPr/>
         </p:nvSpPr>
         <p:spPr>
           <a:xfrm>
-            <a:off x="101600" y="692825"/>
-            <a:ext cx="2322818" cy="45719"/>
-          </a:xfrm>
-          <a:prstGeom prst="rect">
-            <a:avLst/>
-          </a:prstGeom>
-          <a:solidFill>
-            <a:srgbClr val="006666"/>
-          </a:solidFill>
-          <a:ln>
-            <a:noFill/>
-          </a:ln>
-        </p:spPr>
-        <p:style>
-          <a:lnRef idx="2">
-            <a:schemeClr val="dk1">
-              <a:shade val="50000"/>
-            </a:schemeClr>
-          </a:lnRef>
-          <a:fillRef idx="1">
-            <a:schemeClr val="dk1"/>
-          </a:fillRef>
-          <a:effectRef idx="0">
-            <a:schemeClr val="dk1"/>
-          </a:effectRef>
-          <a:fontRef idx="minor">
-            <a:schemeClr val="lt1"/>
-          </a:fontRef>
-        </p:style>
-        <p:txBody>
-          <a:bodyPr rtlCol="0" anchor="ctr"/>
-          <a:lstStyle/>
-          <a:p>
-            <a:pPr algn="ctr"/>
-            <a:endParaRPr lang="zh-TW" altLang="en-US"/>
-          </a:p>
-        </p:txBody>
-      </p:sp>
-      <p:pic>
-        <p:nvPicPr>
-          <p:cNvPr id="10" name="圖片 9"/>
-          <p:cNvPicPr>
-            <a:picLocks noChangeAspect="1"/>
-          </p:cNvPicPr>
-          <p:nvPr/>
-        </p:nvPicPr>
-        <p:blipFill>
-          <a:blip r:embed="rId2"/>
-          <a:stretch>
-            <a:fillRect/>
-          </a:stretch>
-        </p:blipFill>
-        <p:spPr>
-          <a:xfrm>
-            <a:off x="216078" y="1244705"/>
-            <a:ext cx="4706545" cy="785896"/>
-          </a:xfrm>
-          <a:prstGeom prst="rect">
-            <a:avLst/>
-          </a:prstGeom>
-        </p:spPr>
-      </p:pic>
-      <p:sp>
-        <p:nvSpPr>
-          <p:cNvPr id="11" name="向右箭號 10"/>
-          <p:cNvSpPr/>
-          <p:nvPr/>
-        </p:nvSpPr>
-        <p:spPr>
-          <a:xfrm rot="5400000">
-            <a:off x="412956" y="2304951"/>
-            <a:ext cx="697562" cy="268880"/>
-          </a:xfrm>
-          <a:prstGeom prst="rightArrow">
-            <a:avLst>
-              <a:gd name="adj1" fmla="val 50000"/>
-              <a:gd name="adj2" fmla="val 81703"/>
-            </a:avLst>
-          </a:prstGeom>
-          <a:solidFill>
-            <a:srgbClr val="FF0000"/>
-          </a:solidFill>
-          <a:ln>
-            <a:noFill/>
-          </a:ln>
-        </p:spPr>
-        <p:style>
-          <a:lnRef idx="2">
-            <a:schemeClr val="accent2">
-              <a:shade val="50000"/>
-            </a:schemeClr>
-          </a:lnRef>
-          <a:fillRef idx="1">
-            <a:schemeClr val="accent2"/>
-          </a:fillRef>
-          <a:effectRef idx="0">
-            <a:schemeClr val="accent2"/>
-          </a:effectRef>
-          <a:fontRef idx="minor">
-            <a:schemeClr val="lt1"/>
-          </a:fontRef>
-        </p:style>
-        <p:txBody>
-          <a:bodyPr rtlCol="0" anchor="ctr"/>
-          <a:lstStyle/>
-          <a:p>
-            <a:pPr algn="ctr"/>
-            <a:endParaRPr lang="zh-TW" altLang="en-US"/>
-          </a:p>
-        </p:txBody>
-      </p:sp>
-      <p:grpSp>
-        <p:nvGrpSpPr>
-          <p:cNvPr id="16" name="群組 15"/>
-          <p:cNvGrpSpPr/>
-          <p:nvPr/>
-        </p:nvGrpSpPr>
-        <p:grpSpPr>
-          <a:xfrm>
-            <a:off x="369093" y="2847944"/>
-            <a:ext cx="3572329" cy="1134408"/>
-            <a:chOff x="344665" y="3457575"/>
-            <a:chExt cx="3572329" cy="1134408"/>
-          </a:xfrm>
-        </p:grpSpPr>
-        <p:pic>
-          <p:nvPicPr>
-            <p:cNvPr id="15" name="圖片 14"/>
-            <p:cNvPicPr>
-              <a:picLocks noChangeAspect="1"/>
-            </p:cNvPicPr>
-            <p:nvPr/>
-          </p:nvPicPr>
-          <p:blipFill rotWithShape="1">
-            <a:blip r:embed="rId3">
-              <a:extLst>
-                <a:ext uri="{28A0092B-C50C-407E-A947-70E740481C1C}">
-                  <a14:useLocalDpi xmlns:a14="http://schemas.microsoft.com/office/drawing/2010/main" val="0"/>
-                </a:ext>
-              </a:extLst>
-            </a:blip>
-            <a:srcRect r="15453"/>
-            <a:stretch/>
-          </p:blipFill>
-          <p:spPr>
-            <a:xfrm>
-              <a:off x="344665" y="3645651"/>
-              <a:ext cx="3572329" cy="946332"/>
-            </a:xfrm>
-            <a:prstGeom prst="rect">
-              <a:avLst/>
-            </a:prstGeom>
-          </p:spPr>
-        </p:pic>
-        <p:pic>
-          <p:nvPicPr>
-            <p:cNvPr id="12" name="圖片 11"/>
-            <p:cNvPicPr>
-              <a:picLocks noChangeAspect="1"/>
-            </p:cNvPicPr>
-            <p:nvPr/>
-          </p:nvPicPr>
-          <p:blipFill rotWithShape="1">
-            <a:blip r:embed="rId4">
-              <a:extLst>
-                <a:ext uri="{28A0092B-C50C-407E-A947-70E740481C1C}">
-                  <a14:useLocalDpi xmlns:a14="http://schemas.microsoft.com/office/drawing/2010/main" val="0"/>
-                </a:ext>
-              </a:extLst>
-            </a:blip>
-            <a:srcRect l="4112" t="16809" b="17070"/>
-            <a:stretch/>
-          </p:blipFill>
-          <p:spPr>
-            <a:xfrm>
-              <a:off x="392906" y="3457575"/>
-              <a:ext cx="812983" cy="195263"/>
-            </a:xfrm>
-            <a:prstGeom prst="rect">
-              <a:avLst/>
-            </a:prstGeom>
-          </p:spPr>
-        </p:pic>
-      </p:grpSp>
-      <p:pic>
-        <p:nvPicPr>
-          <p:cNvPr id="13" name="圖片 12"/>
-          <p:cNvPicPr>
-            <a:picLocks noChangeAspect="1"/>
-          </p:cNvPicPr>
-          <p:nvPr/>
-        </p:nvPicPr>
-        <p:blipFill rotWithShape="1">
-          <a:blip r:embed="rId5">
-            <a:extLst>
-              <a:ext uri="{28A0092B-C50C-407E-A947-70E740481C1C}">
-                <a14:useLocalDpi xmlns:a14="http://schemas.microsoft.com/office/drawing/2010/main" val="0"/>
-              </a:ext>
-            </a:extLst>
-          </a:blip>
-          <a:srcRect l="3371" t="7563" r="1" b="11977"/>
-          <a:stretch/>
-        </p:blipFill>
-        <p:spPr>
-          <a:xfrm>
-            <a:off x="459539" y="5129607"/>
-            <a:ext cx="1181734" cy="188120"/>
-          </a:xfrm>
-          <a:prstGeom prst="rect">
-            <a:avLst/>
-          </a:prstGeom>
-        </p:spPr>
-      </p:pic>
-      <p:pic>
-        <p:nvPicPr>
-          <p:cNvPr id="14" name="圖片 13"/>
-          <p:cNvPicPr>
-            <a:picLocks noChangeAspect="1"/>
-          </p:cNvPicPr>
-          <p:nvPr/>
-        </p:nvPicPr>
-        <p:blipFill rotWithShape="1">
-          <a:blip r:embed="rId6">
-            <a:extLst>
-              <a:ext uri="{28A0092B-C50C-407E-A947-70E740481C1C}">
-                <a14:useLocalDpi xmlns:a14="http://schemas.microsoft.com/office/drawing/2010/main" val="0"/>
-              </a:ext>
-            </a:extLst>
-          </a:blip>
-          <a:srcRect l="2116" t="6220" r="13595"/>
-          <a:stretch/>
-        </p:blipFill>
-        <p:spPr>
-          <a:xfrm>
-            <a:off x="369093" y="5363919"/>
-            <a:ext cx="3774856" cy="884193"/>
-          </a:xfrm>
-          <a:prstGeom prst="rect">
-            <a:avLst/>
-          </a:prstGeom>
-        </p:spPr>
-      </p:pic>
-      <p:sp>
-        <p:nvSpPr>
-          <p:cNvPr id="8" name="文字方塊 7"/>
-          <p:cNvSpPr txBox="1"/>
-          <p:nvPr/>
-        </p:nvSpPr>
-        <p:spPr>
-          <a:xfrm>
-            <a:off x="1050406" y="2252889"/>
-            <a:ext cx="3872217" cy="338554"/>
+            <a:off x="6654930" y="5504120"/>
+            <a:ext cx="5201790" cy="646331"/>
           </a:xfrm>
           <a:prstGeom prst="rect">
             <a:avLst/>
@@ -5999,60 +5907,25 @@
           <a:solidFill>
             <a:srgbClr val="FFFF00"/>
           </a:solidFill>
-          <a:ln w="28575">
-            <a:solidFill>
-              <a:schemeClr val="tx1"/>
-            </a:solidFill>
-          </a:ln>
-        </p:spPr>
-        <p:txBody>
-          <a:bodyPr wrap="square" rtlCol="0">
+        </p:spPr>
+        <p:txBody>
+          <a:bodyPr wrap="square">
             <a:spAutoFit/>
           </a:bodyPr>
           <a:lstStyle/>
           <a:p>
             <a:pPr algn="ctr"/>
             <a:r>
-              <a:rPr lang="zh-TW" altLang="en-US" sz="1600" b="1">
+              <a:rPr lang="zh-TW" altLang="en-US" sz="3600" b="1" dirty="0" smtClean="0">
                 <a:solidFill>
                   <a:srgbClr val="FF0000"/>
                 </a:solidFill>
                 <a:latin typeface="微軟正黑體" panose="020B0604030504040204" pitchFamily="34" charset="-120"/>
                 <a:ea typeface="微軟正黑體" panose="020B0604030504040204" pitchFamily="34" charset="-120"/>
               </a:rPr>
-              <a:t>依據填入的</a:t>
-            </a:r>
-            <a:r>
-              <a:rPr lang="en-US" altLang="zh-TW" sz="1600" b="1">
-                <a:solidFill>
-                  <a:srgbClr val="FF0000"/>
-                </a:solidFill>
-                <a:latin typeface="微軟正黑體" panose="020B0604030504040204" pitchFamily="34" charset="-120"/>
-                <a:ea typeface="微軟正黑體" panose="020B0604030504040204" pitchFamily="34" charset="-120"/>
-              </a:rPr>
-              <a:t>URL</a:t>
-            </a:r>
-            <a:r>
-              <a:rPr lang="zh-TW" altLang="en-US" sz="1600" b="1">
-                <a:solidFill>
-                  <a:srgbClr val="FF0000"/>
-                </a:solidFill>
-                <a:latin typeface="微軟正黑體" panose="020B0604030504040204" pitchFamily="34" charset="-120"/>
-                <a:ea typeface="微軟正黑體" panose="020B0604030504040204" pitchFamily="34" charset="-120"/>
-              </a:rPr>
-              <a:t>分別產生對應的</a:t>
-            </a:r>
-            <a:r>
-              <a:rPr lang="en-US" altLang="zh-TW" sz="1600" b="1">
-                <a:solidFill>
-                  <a:srgbClr val="FF0000"/>
-                </a:solidFill>
-                <a:latin typeface="微軟正黑體" panose="020B0604030504040204" pitchFamily="34" charset="-120"/>
-                <a:ea typeface="微軟正黑體" panose="020B0604030504040204" pitchFamily="34" charset="-120"/>
-              </a:rPr>
-              <a:t>Log</a:t>
-            </a:r>
-            <a:endParaRPr lang="zh-TW" altLang="en-US" sz="1600" b="1">
+              <a:t>轉成即時市場情緒指標</a:t>
+            </a:r>
+            <a:endParaRPr lang="zh-TW" altLang="en-US" sz="3600" b="1" dirty="0">
               <a:solidFill>
                 <a:srgbClr val="FF0000"/>
               </a:solidFill>
@@ -6064,176 +5937,23 @@
       </p:sp>
       <p:sp>
         <p:nvSpPr>
-          <p:cNvPr id="3" name="矩形 2">
-            <a:extLst>
-              <a:ext uri="{FF2B5EF4-FFF2-40B4-BE49-F238E27FC236}">
-                <a16:creationId xmlns:a16="http://schemas.microsoft.com/office/drawing/2014/main" id="{9D763993-719A-BBE0-651C-C26592E61BB3}"/>
-              </a:ext>
-            </a:extLst>
-          </p:cNvPr>
+          <p:cNvPr id="15" name="弧形向右箭號 14"/>
           <p:cNvSpPr/>
           <p:nvPr/>
         </p:nvSpPr>
         <p:spPr>
           <a:xfrm>
-            <a:off x="-394398" y="6808560"/>
-            <a:ext cx="2322818" cy="45719"/>
-          </a:xfrm>
-          <a:prstGeom prst="rect">
+            <a:off x="101600" y="3322361"/>
+            <a:ext cx="585559" cy="1497835"/>
+          </a:xfrm>
+          <a:prstGeom prst="curvedRightArrow">
             <a:avLst/>
           </a:prstGeom>
           <a:solidFill>
-            <a:srgbClr val="006666"/>
+            <a:srgbClr val="FF0000"/>
           </a:solidFill>
           <a:ln>
             <a:noFill/>
-          </a:ln>
-        </p:spPr>
-        <p:style>
-          <a:lnRef idx="2">
-            <a:schemeClr val="dk1">
-              <a:shade val="50000"/>
-            </a:schemeClr>
-          </a:lnRef>
-          <a:fillRef idx="1">
-            <a:schemeClr val="dk1"/>
-          </a:fillRef>
-          <a:effectRef idx="0">
-            <a:schemeClr val="dk1"/>
-          </a:effectRef>
-          <a:fontRef idx="minor">
-            <a:schemeClr val="lt1"/>
-          </a:fontRef>
-        </p:style>
-        <p:txBody>
-          <a:bodyPr rtlCol="0" anchor="ctr"/>
-          <a:lstStyle/>
-          <a:p>
-            <a:pPr algn="ctr"/>
-            <a:endParaRPr lang="zh-TW" altLang="en-US"/>
-          </a:p>
-        </p:txBody>
-      </p:sp>
-      <p:pic>
-        <p:nvPicPr>
-          <p:cNvPr id="5" name="圖片 4">
-            <a:extLst>
-              <a:ext uri="{FF2B5EF4-FFF2-40B4-BE49-F238E27FC236}">
-                <a16:creationId xmlns:a16="http://schemas.microsoft.com/office/drawing/2014/main" id="{F2A5244E-2EDB-0EBB-EEDC-E99C66AFEA02}"/>
-              </a:ext>
-            </a:extLst>
-          </p:cNvPr>
-          <p:cNvPicPr>
-            <a:picLocks noChangeAspect="1"/>
-          </p:cNvPicPr>
-          <p:nvPr/>
-        </p:nvPicPr>
-        <p:blipFill rotWithShape="1">
-          <a:blip r:embed="rId7">
-            <a:extLst>
-              <a:ext uri="{28A0092B-C50C-407E-A947-70E740481C1C}">
-                <a14:useLocalDpi xmlns:a14="http://schemas.microsoft.com/office/drawing/2010/main" val="0"/>
-              </a:ext>
-            </a:extLst>
-          </a:blip>
-          <a:srcRect r="29572"/>
-          <a:stretch/>
-        </p:blipFill>
-        <p:spPr>
-          <a:xfrm>
-            <a:off x="5152216" y="782175"/>
-            <a:ext cx="6900148" cy="3162729"/>
-          </a:xfrm>
-          <a:prstGeom prst="rect">
-            <a:avLst/>
-          </a:prstGeom>
-          <a:ln>
-            <a:solidFill>
-              <a:schemeClr val="tx1"/>
-            </a:solidFill>
-          </a:ln>
-          <a:effectLst>
-            <a:outerShdw blurRad="50800" dist="38100" dir="2700000" algn="tl" rotWithShape="0">
-              <a:prstClr val="black">
-                <a:alpha val="40000"/>
-              </a:prstClr>
-            </a:outerShdw>
-          </a:effectLst>
-        </p:spPr>
-      </p:pic>
-      <p:pic>
-        <p:nvPicPr>
-          <p:cNvPr id="9" name="圖片 8">
-            <a:extLst>
-              <a:ext uri="{FF2B5EF4-FFF2-40B4-BE49-F238E27FC236}">
-                <a16:creationId xmlns:a16="http://schemas.microsoft.com/office/drawing/2014/main" id="{61B40AEB-0F5D-E75A-BE83-B1F07B0D0C8B}"/>
-              </a:ext>
-            </a:extLst>
-          </p:cNvPr>
-          <p:cNvPicPr>
-            <a:picLocks noChangeAspect="1"/>
-          </p:cNvPicPr>
-          <p:nvPr/>
-        </p:nvPicPr>
-        <p:blipFill>
-          <a:blip r:embed="rId8">
-            <a:extLst>
-              <a:ext uri="{28A0092B-C50C-407E-A947-70E740481C1C}">
-                <a14:useLocalDpi xmlns:a14="http://schemas.microsoft.com/office/drawing/2010/main" val="0"/>
-              </a:ext>
-            </a:extLst>
-          </a:blip>
-          <a:stretch>
-            <a:fillRect/>
-          </a:stretch>
-        </p:blipFill>
-        <p:spPr>
-          <a:xfrm>
-            <a:off x="5152216" y="5471036"/>
-            <a:ext cx="6900146" cy="777076"/>
-          </a:xfrm>
-          <a:prstGeom prst="rect">
-            <a:avLst/>
-          </a:prstGeom>
-          <a:ln>
-            <a:solidFill>
-              <a:schemeClr val="tx1"/>
-            </a:solidFill>
-          </a:ln>
-          <a:effectLst>
-            <a:outerShdw blurRad="50800" dist="38100" dir="2700000" algn="tl" rotWithShape="0">
-              <a:prstClr val="black">
-                <a:alpha val="40000"/>
-              </a:prstClr>
-            </a:outerShdw>
-          </a:effectLst>
-        </p:spPr>
-      </p:pic>
-      <p:sp>
-        <p:nvSpPr>
-          <p:cNvPr id="19" name="矩形 18">
-            <a:extLst>
-              <a:ext uri="{FF2B5EF4-FFF2-40B4-BE49-F238E27FC236}">
-                <a16:creationId xmlns:a16="http://schemas.microsoft.com/office/drawing/2014/main" id="{D0F8B300-5921-A8EC-4F00-A3EB542C9DB3}"/>
-              </a:ext>
-            </a:extLst>
-          </p:cNvPr>
-          <p:cNvSpPr/>
-          <p:nvPr/>
-        </p:nvSpPr>
-        <p:spPr>
-          <a:xfrm>
-            <a:off x="5437199" y="1244705"/>
-            <a:ext cx="6538723" cy="665492"/>
-          </a:xfrm>
-          <a:prstGeom prst="rect">
-            <a:avLst/>
-          </a:prstGeom>
-          <a:noFill/>
-          <a:ln w="38100">
-            <a:solidFill>
-              <a:srgbClr val="FF0000"/>
-            </a:solidFill>
           </a:ln>
         </p:spPr>
         <p:style>
@@ -6257,83 +5977,40 @@
           <a:lstStyle/>
           <a:p>
             <a:pPr algn="ctr"/>
-            <a:endParaRPr lang="zh-TW" altLang="en-US"/>
-          </a:p>
-        </p:txBody>
-      </p:sp>
-      <p:sp>
-        <p:nvSpPr>
-          <p:cNvPr id="20" name="矩形 19">
-            <a:extLst>
-              <a:ext uri="{FF2B5EF4-FFF2-40B4-BE49-F238E27FC236}">
-                <a16:creationId xmlns:a16="http://schemas.microsoft.com/office/drawing/2014/main" id="{8265E0B7-AEFC-29BD-AB12-4C97E8B92906}"/>
-              </a:ext>
-            </a:extLst>
-          </p:cNvPr>
-          <p:cNvSpPr/>
+            <a:endParaRPr lang="zh-TW" altLang="en-US">
+              <a:solidFill>
+                <a:schemeClr val="tx1"/>
+              </a:solidFill>
+            </a:endParaRPr>
+          </a:p>
+        </p:txBody>
+      </p:sp>
+      <p:sp>
+        <p:nvSpPr>
+          <p:cNvPr id="28" name="文字方塊 27"/>
+          <p:cNvSpPr txBox="1"/>
           <p:nvPr/>
         </p:nvSpPr>
         <p:spPr>
           <a:xfrm>
-            <a:off x="10473086" y="5442940"/>
-            <a:ext cx="1512676" cy="186281"/>
+            <a:off x="437661" y="1828827"/>
+            <a:ext cx="2854179" cy="369332"/>
           </a:xfrm>
           <a:prstGeom prst="rect">
             <a:avLst/>
           </a:prstGeom>
-          <a:noFill/>
-          <a:ln w="38100">
+          <a:solidFill>
+            <a:schemeClr val="bg1">
+              <a:lumMod val="95000"/>
+            </a:schemeClr>
+          </a:solidFill>
+          <a:ln>
             <a:solidFill>
-              <a:srgbClr val="FF0000"/>
+              <a:schemeClr val="bg1">
+                <a:lumMod val="85000"/>
+              </a:schemeClr>
             </a:solidFill>
           </a:ln>
-        </p:spPr>
-        <p:style>
-          <a:lnRef idx="2">
-            <a:schemeClr val="accent1">
-              <a:shade val="50000"/>
-            </a:schemeClr>
-          </a:lnRef>
-          <a:fillRef idx="1">
-            <a:schemeClr val="accent1"/>
-          </a:fillRef>
-          <a:effectRef idx="0">
-            <a:schemeClr val="accent1"/>
-          </a:effectRef>
-          <a:fontRef idx="minor">
-            <a:schemeClr val="lt1"/>
-          </a:fontRef>
-        </p:style>
-        <p:txBody>
-          <a:bodyPr rtlCol="0" anchor="ctr"/>
-          <a:lstStyle/>
-          <a:p>
-            <a:pPr algn="ctr"/>
-            <a:endParaRPr lang="zh-TW" altLang="en-US"/>
-          </a:p>
-        </p:txBody>
-      </p:sp>
-      <p:sp>
-        <p:nvSpPr>
-          <p:cNvPr id="21" name="文字方塊 20">
-            <a:extLst>
-              <a:ext uri="{FF2B5EF4-FFF2-40B4-BE49-F238E27FC236}">
-                <a16:creationId xmlns:a16="http://schemas.microsoft.com/office/drawing/2014/main" id="{0134E779-8B66-89DF-3FAF-693B80AE85E3}"/>
-              </a:ext>
-            </a:extLst>
-          </p:cNvPr>
-          <p:cNvSpPr txBox="1"/>
-          <p:nvPr/>
-        </p:nvSpPr>
-        <p:spPr>
-          <a:xfrm>
-            <a:off x="5152216" y="5036143"/>
-            <a:ext cx="3687640" cy="402438"/>
-          </a:xfrm>
-          <a:prstGeom prst="rect">
-            <a:avLst/>
-          </a:prstGeom>
-          <a:noFill/>
         </p:spPr>
         <p:txBody>
           <a:bodyPr wrap="square" rtlCol="0">
@@ -6342,378 +6019,37 @@
           <a:lstStyle/>
           <a:p>
             <a:r>
-              <a:rPr lang="zh-TW" altLang="en-US" sz="2000" b="1">
+              <a:rPr lang="zh-TW" altLang="en-US" b="1" dirty="0" smtClean="0">
                 <a:latin typeface="微軟正黑體" panose="020B0604030504040204" pitchFamily="34" charset="-120"/>
                 <a:ea typeface="微軟正黑體" panose="020B0604030504040204" pitchFamily="34" charset="-120"/>
               </a:rPr>
-              <a:t>計算平均</a:t>
-            </a:r>
-          </a:p>
-        </p:txBody>
-      </p:sp>
-      <p:cxnSp>
-        <p:nvCxnSpPr>
-          <p:cNvPr id="22" name="直線單箭頭接點 21">
-            <a:extLst>
-              <a:ext uri="{FF2B5EF4-FFF2-40B4-BE49-F238E27FC236}">
-                <a16:creationId xmlns:a16="http://schemas.microsoft.com/office/drawing/2014/main" id="{2E2CCB92-76B6-182F-A10A-96528458C295}"/>
-              </a:ext>
-            </a:extLst>
-          </p:cNvPr>
-          <p:cNvCxnSpPr>
-            <a:cxnSpLocks/>
-          </p:cNvCxnSpPr>
-          <p:nvPr/>
-        </p:nvCxnSpPr>
-        <p:spPr>
-          <a:xfrm>
-            <a:off x="10473086" y="1944638"/>
-            <a:ext cx="0" cy="3419281"/>
-          </a:xfrm>
-          <a:prstGeom prst="straightConnector1">
-            <a:avLst/>
-          </a:prstGeom>
-          <a:ln w="57150">
-            <a:solidFill>
-              <a:srgbClr val="FF0000"/>
-            </a:solidFill>
-            <a:tailEnd type="triangle"/>
-          </a:ln>
-        </p:spPr>
-        <p:style>
-          <a:lnRef idx="1">
-            <a:schemeClr val="accent1"/>
-          </a:lnRef>
-          <a:fillRef idx="0">
-            <a:schemeClr val="accent1"/>
-          </a:fillRef>
-          <a:effectRef idx="0">
-            <a:schemeClr val="accent1"/>
-          </a:effectRef>
-          <a:fontRef idx="minor">
-            <a:schemeClr val="tx1"/>
-          </a:fontRef>
-        </p:style>
-      </p:cxnSp>
-      <p:grpSp>
-        <p:nvGrpSpPr>
-          <p:cNvPr id="29" name="群組 28">
-            <a:extLst>
-              <a:ext uri="{FF2B5EF4-FFF2-40B4-BE49-F238E27FC236}">
-                <a16:creationId xmlns:a16="http://schemas.microsoft.com/office/drawing/2014/main" id="{8DF5145C-F0BC-69EA-C6B4-CF27104A6B42}"/>
-              </a:ext>
-            </a:extLst>
-          </p:cNvPr>
-          <p:cNvGrpSpPr/>
-          <p:nvPr/>
-        </p:nvGrpSpPr>
-        <p:grpSpPr>
-          <a:xfrm>
-            <a:off x="8462862" y="4267774"/>
-            <a:ext cx="1799504" cy="768369"/>
-            <a:chOff x="9797287" y="4308221"/>
-            <a:chExt cx="1799504" cy="768369"/>
-          </a:xfrm>
-        </p:grpSpPr>
-        <p:sp>
-          <p:nvSpPr>
-            <p:cNvPr id="23" name="矩形 22">
-              <a:extLst>
-                <a:ext uri="{FF2B5EF4-FFF2-40B4-BE49-F238E27FC236}">
-                  <a16:creationId xmlns:a16="http://schemas.microsoft.com/office/drawing/2014/main" id="{76731848-A4A4-8951-1684-7C8F8BAC407A}"/>
-                </a:ext>
-              </a:extLst>
-            </p:cNvPr>
-            <p:cNvSpPr/>
-            <p:nvPr/>
-          </p:nvSpPr>
-          <p:spPr>
-            <a:xfrm>
-              <a:off x="10344397" y="4707258"/>
-              <a:ext cx="1252394" cy="369332"/>
-            </a:xfrm>
-            <a:prstGeom prst="rect">
-              <a:avLst/>
-            </a:prstGeom>
-          </p:spPr>
-          <p:txBody>
-            <a:bodyPr wrap="none">
-              <a:spAutoFit/>
-            </a:bodyPr>
-            <a:lstStyle/>
-            <a:p>
-              <a:r>
-                <a:rPr lang="en-US" altLang="zh-TW">
-                  <a:latin typeface="微軟正黑體" panose="020B0604030504040204" pitchFamily="34" charset="-120"/>
-                  <a:ea typeface="微軟正黑體" panose="020B0604030504040204" pitchFamily="34" charset="-120"/>
-                </a:rPr>
-                <a:t>getavg.py</a:t>
-              </a:r>
-              <a:endParaRPr lang="zh-TW" altLang="en-US"/>
-            </a:p>
-          </p:txBody>
-        </p:sp>
-        <p:pic>
-          <p:nvPicPr>
-            <p:cNvPr id="24" name="Picture 4" descr="Python - 維基百科，自由的百科全書">
-              <a:extLst>
-                <a:ext uri="{FF2B5EF4-FFF2-40B4-BE49-F238E27FC236}">
-                  <a16:creationId xmlns:a16="http://schemas.microsoft.com/office/drawing/2014/main" id="{6A1DCEE8-9968-B358-F2BD-E01BD5A62DF7}"/>
-                </a:ext>
-              </a:extLst>
-            </p:cNvPr>
-            <p:cNvPicPr>
-              <a:picLocks noChangeAspect="1" noChangeArrowheads="1"/>
-            </p:cNvPicPr>
-            <p:nvPr/>
-          </p:nvPicPr>
-          <p:blipFill>
-            <a:blip r:embed="rId9" cstate="print">
-              <a:extLst>
-                <a:ext uri="{28A0092B-C50C-407E-A947-70E740481C1C}">
-                  <a14:useLocalDpi xmlns:a14="http://schemas.microsoft.com/office/drawing/2010/main" val="0"/>
-                </a:ext>
-              </a:extLst>
-            </a:blip>
-            <a:srcRect/>
-            <a:stretch>
-              <a:fillRect/>
-            </a:stretch>
-          </p:blipFill>
-          <p:spPr bwMode="auto">
-            <a:xfrm>
-              <a:off x="9797287" y="4308221"/>
-              <a:ext cx="703863" cy="703863"/>
-            </a:xfrm>
-            <a:prstGeom prst="rect">
-              <a:avLst/>
-            </a:prstGeom>
-            <a:noFill/>
-            <a:extLst>
-              <a:ext uri="{909E8E84-426E-40DD-AFC4-6F175D3DCCD1}">
-                <a14:hiddenFill xmlns:a14="http://schemas.microsoft.com/office/drawing/2010/main">
-                  <a:solidFill>
-                    <a:srgbClr val="FFFFFF"/>
-                  </a:solidFill>
-                </a14:hiddenFill>
-              </a:ext>
-            </a:extLst>
-          </p:spPr>
-        </p:pic>
-      </p:grpSp>
-      <p:sp>
-        <p:nvSpPr>
-          <p:cNvPr id="31" name="向右箭號 10">
-            <a:extLst>
-              <a:ext uri="{FF2B5EF4-FFF2-40B4-BE49-F238E27FC236}">
-                <a16:creationId xmlns:a16="http://schemas.microsoft.com/office/drawing/2014/main" id="{4C76C644-BC15-37B9-FD91-0E18082DFEE4}"/>
-              </a:ext>
-            </a:extLst>
-          </p:cNvPr>
-          <p:cNvSpPr/>
-          <p:nvPr/>
-        </p:nvSpPr>
-        <p:spPr>
-          <a:xfrm rot="5400000">
-            <a:off x="412956" y="4482115"/>
-            <a:ext cx="697562" cy="268880"/>
-          </a:xfrm>
-          <a:prstGeom prst="rightArrow">
-            <a:avLst>
-              <a:gd name="adj1" fmla="val 50000"/>
-              <a:gd name="adj2" fmla="val 81703"/>
-            </a:avLst>
-          </a:prstGeom>
-          <a:solidFill>
-            <a:srgbClr val="FF0000"/>
-          </a:solidFill>
-          <a:ln>
-            <a:noFill/>
-          </a:ln>
-        </p:spPr>
-        <p:style>
-          <a:lnRef idx="2">
-            <a:schemeClr val="accent2">
-              <a:shade val="50000"/>
-            </a:schemeClr>
-          </a:lnRef>
-          <a:fillRef idx="1">
-            <a:schemeClr val="accent2"/>
-          </a:fillRef>
-          <a:effectRef idx="0">
-            <a:schemeClr val="accent2"/>
-          </a:effectRef>
-          <a:fontRef idx="minor">
-            <a:schemeClr val="lt1"/>
-          </a:fontRef>
-        </p:style>
-        <p:txBody>
-          <a:bodyPr rtlCol="0" anchor="ctr"/>
-          <a:lstStyle/>
-          <a:p>
-            <a:pPr algn="ctr"/>
-            <a:endParaRPr lang="zh-TW" altLang="en-US"/>
-          </a:p>
-        </p:txBody>
-      </p:sp>
-    </p:spTree>
-    <p:extLst>
-      <p:ext uri="{BB962C8B-B14F-4D97-AF65-F5344CB8AC3E}">
-        <p14:creationId xmlns:p14="http://schemas.microsoft.com/office/powerpoint/2010/main" val="2687264961"/>
-      </p:ext>
-    </p:extLst>
-  </p:cSld>
-  <p:clrMapOvr>
-    <a:masterClrMapping/>
-  </p:clrMapOvr>
-  <mc:AlternateContent xmlns:mc="http://schemas.openxmlformats.org/markup-compatibility/2006" xmlns:p14="http://schemas.microsoft.com/office/powerpoint/2010/main">
-    <mc:Choice Requires="p14">
-      <p:transition p14:dur="400">
-        <p:fade/>
-      </p:transition>
-    </mc:Choice>
-    <mc:Fallback xmlns="">
-      <p:transition>
-        <p:fade/>
-      </p:transition>
-    </mc:Fallback>
-  </mc:AlternateContent>
-</p:sld>
-</file>
-
-<file path=ppt/slides/slide15.xml><?xml version="1.0" encoding="utf-8"?>
-<p:sld xmlns:a="http://schemas.openxmlformats.org/drawingml/2006/main" xmlns:r="http://schemas.openxmlformats.org/officeDocument/2006/relationships" xmlns:p="http://schemas.openxmlformats.org/presentationml/2006/main">
-  <p:cSld>
-    <p:spTree>
-      <p:nvGrpSpPr>
-        <p:cNvPr id="1" name=""/>
-        <p:cNvGrpSpPr/>
-        <p:nvPr/>
-      </p:nvGrpSpPr>
-      <p:grpSpPr>
-        <a:xfrm>
-          <a:off x="0" y="0"/>
-          <a:ext cx="0" cy="0"/>
-          <a:chOff x="0" y="0"/>
-          <a:chExt cx="0" cy="0"/>
-        </a:xfrm>
-      </p:grpSpPr>
-      <p:sp>
-        <p:nvSpPr>
-          <p:cNvPr id="2" name="標題 1"/>
-          <p:cNvSpPr>
-            <a:spLocks noGrp="1"/>
-          </p:cNvSpPr>
-          <p:nvPr>
-            <p:ph type="title"/>
-          </p:nvPr>
-        </p:nvSpPr>
-        <p:spPr/>
-        <p:txBody>
-          <a:bodyPr>
-            <a:normAutofit/>
-          </a:bodyPr>
-          <a:lstStyle/>
-          <a:p>
-            <a:r>
-              <a:rPr lang="en-US" altLang="zh-TW"/>
-              <a:t>(3</a:t>
-            </a:r>
-            <a:r>
-              <a:rPr lang="en-US" altLang="zh-TW" smtClean="0"/>
-              <a:t>)</a:t>
-            </a:r>
-            <a:r>
-              <a:rPr lang="zh-TW" altLang="en-US"/>
-              <a:t>延伸功能</a:t>
-            </a:r>
-            <a:endParaRPr lang="en-US" altLang="zh-TW"/>
-          </a:p>
-        </p:txBody>
-      </p:sp>
-      <p:sp>
-        <p:nvSpPr>
-          <p:cNvPr id="3" name="投影片編號版面配置區 2"/>
-          <p:cNvSpPr>
-            <a:spLocks noGrp="1"/>
-          </p:cNvSpPr>
-          <p:nvPr>
-            <p:ph type="sldNum" sz="quarter" idx="10"/>
-          </p:nvPr>
-        </p:nvSpPr>
-        <p:spPr/>
-        <p:txBody>
-          <a:bodyPr/>
-          <a:lstStyle/>
-          <a:p>
-            <a:fld id="{15FAE70E-A2A9-4EA5-BAA7-366C18FFF9F6}" type="slidenum">
-              <a:rPr lang="zh-TW" altLang="en-US" smtClean="0"/>
-              <a:pPr/>
-              <a:t>15</a:t>
-            </a:fld>
-            <a:endParaRPr lang="zh-TW" altLang="en-US"/>
-          </a:p>
-        </p:txBody>
-      </p:sp>
-    </p:spTree>
-    <p:extLst>
-      <p:ext uri="{BB962C8B-B14F-4D97-AF65-F5344CB8AC3E}">
-        <p14:creationId xmlns:p14="http://schemas.microsoft.com/office/powerpoint/2010/main" val="1990714855"/>
-      </p:ext>
-    </p:extLst>
-  </p:cSld>
-  <p:clrMapOvr>
-    <a:masterClrMapping/>
-  </p:clrMapOvr>
-  <p:transition spd="slow">
-    <p:strips/>
-  </p:transition>
-</p:sld>
-</file>
-
-<file path=ppt/slides/slide16.xml><?xml version="1.0" encoding="utf-8"?>
-<p:sld xmlns:a="http://schemas.openxmlformats.org/drawingml/2006/main" xmlns:r="http://schemas.openxmlformats.org/officeDocument/2006/relationships" xmlns:p="http://schemas.openxmlformats.org/presentationml/2006/main">
-  <p:cSld>
-    <p:spTree>
-      <p:nvGrpSpPr>
-        <p:cNvPr id="1" name=""/>
-        <p:cNvGrpSpPr/>
-        <p:nvPr/>
-      </p:nvGrpSpPr>
-      <p:grpSpPr>
-        <a:xfrm>
-          <a:off x="0" y="0"/>
-          <a:ext cx="0" cy="0"/>
-          <a:chOff x="0" y="0"/>
-          <a:chExt cx="0" cy="0"/>
-        </a:xfrm>
-      </p:grpSpPr>
-      <p:sp>
-        <p:nvSpPr>
-          <p:cNvPr id="4" name="投影片編號版面配置區 3">
-            <a:extLst>
-              <a:ext uri="{FF2B5EF4-FFF2-40B4-BE49-F238E27FC236}">
-                <a16:creationId xmlns:a16="http://schemas.microsoft.com/office/drawing/2014/main" id="{4E31CF89-F96A-5D03-E7F8-6760908EC990}"/>
-              </a:ext>
-            </a:extLst>
-          </p:cNvPr>
-          <p:cNvSpPr>
-            <a:spLocks noGrp="1"/>
-          </p:cNvSpPr>
-          <p:nvPr>
-            <p:ph type="sldNum" sz="quarter" idx="12"/>
-          </p:nvPr>
-        </p:nvSpPr>
-        <p:spPr/>
-        <p:txBody>
-          <a:bodyPr/>
-          <a:lstStyle/>
-          <a:p>
-            <a:fld id="{15FAE70E-A2A9-4EA5-BAA7-366C18FFF9F6}" type="slidenum">
-              <a:rPr lang="zh-TW" altLang="en-US" smtClean="0"/>
-              <a:t>16</a:t>
-            </a:fld>
-            <a:endParaRPr lang="zh-TW" altLang="en-US"/>
+              <a:t>蒐集足夠多</a:t>
+            </a:r>
+            <a:r>
+              <a:rPr lang="zh-TW" altLang="en-US" b="1" dirty="0">
+                <a:latin typeface="微軟正黑體" panose="020B0604030504040204" pitchFamily="34" charset="-120"/>
+                <a:ea typeface="微軟正黑體" panose="020B0604030504040204" pitchFamily="34" charset="-120"/>
+              </a:rPr>
+              <a:t>個財經</a:t>
+            </a:r>
+            <a:r>
+              <a:rPr lang="zh-TW" altLang="en-US" b="1" dirty="0" smtClean="0">
+                <a:latin typeface="微軟正黑體" panose="020B0604030504040204" pitchFamily="34" charset="-120"/>
+                <a:ea typeface="微軟正黑體" panose="020B0604030504040204" pitchFamily="34" charset="-120"/>
+              </a:rPr>
+              <a:t>頻道</a:t>
+            </a:r>
+            <a:r>
+              <a:rPr lang="en-US" altLang="zh-TW" b="1" dirty="0" smtClean="0">
+                <a:latin typeface="微軟正黑體" panose="020B0604030504040204" pitchFamily="34" charset="-120"/>
+                <a:ea typeface="微軟正黑體" panose="020B0604030504040204" pitchFamily="34" charset="-120"/>
+              </a:rPr>
+              <a:t>…</a:t>
+            </a:r>
+            <a:endParaRPr lang="zh-TW" altLang="en-US" b="1" dirty="0">
+              <a:latin typeface="微軟正黑體" panose="020B0604030504040204" pitchFamily="34" charset="-120"/>
+              <a:ea typeface="微軟正黑體" panose="020B0604030504040204" pitchFamily="34" charset="-120"/>
+            </a:endParaRPr>
           </a:p>
         </p:txBody>
       </p:sp>
@@ -6729,270 +6065,243 @@
         </p:nvSpPr>
         <p:spPr>
           <a:xfrm>
+            <a:off x="9704516" y="3862462"/>
+            <a:ext cx="1988041" cy="914399"/>
+          </a:xfrm>
+        </p:spPr>
+        <p:txBody>
+          <a:bodyPr>
+            <a:noAutofit/>
+          </a:bodyPr>
+          <a:lstStyle/>
+          <a:p>
+            <a:r>
+              <a:rPr lang="en-US" altLang="zh-TW" sz="1600" dirty="0" smtClean="0">
+                <a:solidFill>
+                  <a:srgbClr val="FF0000"/>
+                </a:solidFill>
+              </a:rPr>
+              <a:t>Example:</a:t>
+            </a:r>
+            <a:br>
+              <a:rPr lang="en-US" altLang="zh-TW" sz="1600" dirty="0" smtClean="0">
+                <a:solidFill>
+                  <a:srgbClr val="FF0000"/>
+                </a:solidFill>
+              </a:rPr>
+            </a:br>
+            <a:r>
+              <a:rPr lang="en-US" altLang="zh-TW" sz="1600" dirty="0" smtClean="0">
+                <a:solidFill>
+                  <a:srgbClr val="FF0000"/>
+                </a:solidFill>
+              </a:rPr>
+              <a:t>BTC</a:t>
+            </a:r>
+            <a:r>
+              <a:rPr lang="zh-TW" altLang="en-US" sz="1600" dirty="0">
+                <a:solidFill>
+                  <a:srgbClr val="FF0000"/>
+                </a:solidFill>
+              </a:rPr>
+              <a:t>：偏多 </a:t>
+            </a:r>
+            <a:r>
+              <a:rPr lang="en-US" altLang="zh-TW" sz="1600" dirty="0">
+                <a:solidFill>
+                  <a:srgbClr val="FF0000"/>
+                </a:solidFill>
+              </a:rPr>
+              <a:t>0.73</a:t>
+            </a:r>
+            <a:br>
+              <a:rPr lang="en-US" altLang="zh-TW" sz="1600" dirty="0">
+                <a:solidFill>
+                  <a:srgbClr val="FF0000"/>
+                </a:solidFill>
+              </a:rPr>
+            </a:br>
+            <a:r>
+              <a:rPr lang="en-US" altLang="zh-TW" sz="1600" dirty="0">
+                <a:solidFill>
+                  <a:srgbClr val="FF0000"/>
+                </a:solidFill>
+              </a:rPr>
+              <a:t>ETH</a:t>
+            </a:r>
+            <a:r>
+              <a:rPr lang="zh-TW" altLang="en-US" sz="1600" dirty="0">
+                <a:solidFill>
+                  <a:srgbClr val="FF0000"/>
+                </a:solidFill>
+              </a:rPr>
+              <a:t>：中立 </a:t>
+            </a:r>
+            <a:r>
+              <a:rPr lang="en-US" altLang="zh-TW" sz="1600" dirty="0">
+                <a:solidFill>
+                  <a:srgbClr val="FF0000"/>
+                </a:solidFill>
+              </a:rPr>
+              <a:t>-0.1</a:t>
+            </a:r>
+            <a:br>
+              <a:rPr lang="en-US" altLang="zh-TW" sz="1600" dirty="0">
+                <a:solidFill>
+                  <a:srgbClr val="FF0000"/>
+                </a:solidFill>
+              </a:rPr>
+            </a:br>
+            <a:r>
+              <a:rPr lang="en-US" altLang="zh-TW" sz="1600" dirty="0">
+                <a:solidFill>
+                  <a:srgbClr val="FF0000"/>
+                </a:solidFill>
+              </a:rPr>
+              <a:t>NVDA</a:t>
+            </a:r>
+            <a:r>
+              <a:rPr lang="zh-TW" altLang="en-US" sz="1600" dirty="0">
+                <a:solidFill>
+                  <a:srgbClr val="FF0000"/>
+                </a:solidFill>
+              </a:rPr>
+              <a:t>：偏空 </a:t>
+            </a:r>
+            <a:r>
+              <a:rPr lang="en-US" altLang="zh-TW" sz="1600" dirty="0">
+                <a:solidFill>
+                  <a:srgbClr val="FF0000"/>
+                </a:solidFill>
+              </a:rPr>
+              <a:t>-0.52</a:t>
+            </a:r>
+            <a:r>
+              <a:rPr lang="zh-TW" altLang="en-US" sz="1600" dirty="0">
+                <a:solidFill>
+                  <a:srgbClr val="FF0000"/>
+                </a:solidFill>
+              </a:rPr>
+              <a:t>）</a:t>
+            </a:r>
+          </a:p>
+        </p:txBody>
+      </p:sp>
+      <p:sp>
+        <p:nvSpPr>
+          <p:cNvPr id="25" name="標題 3"/>
+          <p:cNvSpPr txBox="1">
+            <a:spLocks/>
+          </p:cNvSpPr>
+          <p:nvPr/>
+        </p:nvSpPr>
+        <p:spPr>
+          <a:xfrm>
+            <a:off x="8461105" y="1137053"/>
+            <a:ext cx="1988041" cy="914399"/>
+          </a:xfrm>
+          <a:prstGeom prst="rect">
+            <a:avLst/>
+          </a:prstGeom>
+        </p:spPr>
+        <p:txBody>
+          <a:bodyPr vert="horz" lIns="91440" tIns="45720" rIns="91440" bIns="45720" rtlCol="0" anchor="ctr">
+            <a:noAutofit/>
+          </a:bodyPr>
+          <a:lstStyle>
+            <a:lvl1pPr algn="l" defTabSz="914400" rtl="0" eaLnBrk="1" latinLnBrk="0" hangingPunct="1">
+              <a:lnSpc>
+                <a:spcPct val="90000"/>
+              </a:lnSpc>
+              <a:spcBef>
+                <a:spcPct val="0"/>
+              </a:spcBef>
+              <a:buNone/>
+              <a:defRPr sz="3200" b="1" kern="1200">
+                <a:solidFill>
+                  <a:schemeClr val="tx1"/>
+                </a:solidFill>
+                <a:latin typeface="微軟正黑體" panose="020B0604030504040204" pitchFamily="34" charset="-120"/>
+                <a:ea typeface="微軟正黑體" panose="020B0604030504040204" pitchFamily="34" charset="-120"/>
+                <a:cs typeface="+mj-cs"/>
+              </a:defRPr>
+            </a:lvl1pPr>
+          </a:lstStyle>
+          <a:p>
+            <a:r>
+              <a:rPr lang="zh-TW" altLang="en-US" sz="2800" dirty="0" smtClean="0">
+                <a:solidFill>
+                  <a:schemeClr val="bg1">
+                    <a:lumMod val="50000"/>
+                  </a:schemeClr>
+                </a:solidFill>
+              </a:rPr>
+              <a:t>示意圖</a:t>
+            </a:r>
+            <a:endParaRPr lang="zh-TW" altLang="en-US" sz="2800" dirty="0">
+              <a:solidFill>
+                <a:schemeClr val="bg1">
+                  <a:lumMod val="50000"/>
+                </a:schemeClr>
+              </a:solidFill>
+            </a:endParaRPr>
+          </a:p>
+        </p:txBody>
+      </p:sp>
+      <p:sp>
+        <p:nvSpPr>
+          <p:cNvPr id="17" name="標題 3"/>
+          <p:cNvSpPr txBox="1">
+            <a:spLocks/>
+          </p:cNvSpPr>
+          <p:nvPr/>
+        </p:nvSpPr>
+        <p:spPr>
+          <a:xfrm>
             <a:off x="0" y="1"/>
             <a:ext cx="12192000" cy="914399"/>
           </a:xfrm>
-        </p:spPr>
-        <p:txBody>
-          <a:bodyPr>
+          <a:prstGeom prst="rect">
+            <a:avLst/>
+          </a:prstGeom>
+        </p:spPr>
+        <p:txBody>
+          <a:bodyPr vert="horz" lIns="91440" tIns="45720" rIns="91440" bIns="45720" rtlCol="0" anchor="ctr">
             <a:normAutofit/>
           </a:bodyPr>
-          <a:lstStyle/>
-          <a:p>
-            <a:r>
-              <a:rPr lang="zh-TW" altLang="en-US" sz="2400">
+          <a:lstStyle>
+            <a:lvl1pPr algn="l" defTabSz="914400" rtl="0" eaLnBrk="1" latinLnBrk="0" hangingPunct="1">
+              <a:lnSpc>
+                <a:spcPct val="90000"/>
+              </a:lnSpc>
+              <a:spcBef>
+                <a:spcPct val="0"/>
+              </a:spcBef>
+              <a:buNone/>
+              <a:defRPr sz="3200" b="1" kern="1200">
+                <a:solidFill>
+                  <a:schemeClr val="tx1"/>
+                </a:solidFill>
+                <a:latin typeface="微軟正黑體" panose="020B0604030504040204" pitchFamily="34" charset="-120"/>
+                <a:ea typeface="微軟正黑體" panose="020B0604030504040204" pitchFamily="34" charset="-120"/>
+                <a:cs typeface="+mj-cs"/>
+              </a:defRPr>
+            </a:lvl1pPr>
+          </a:lstStyle>
+          <a:p>
+            <a:r>
+              <a:rPr lang="zh-TW" altLang="en-US" sz="2400" dirty="0" smtClean="0">
                 <a:solidFill>
                   <a:srgbClr val="006666"/>
                 </a:solidFill>
               </a:rPr>
-              <a:t>延伸功能</a:t>
-            </a:r>
-            <a:endParaRPr lang="zh-TW" altLang="en-US" sz="2400" b="1">
+              <a:t>未來發展</a:t>
+            </a:r>
+            <a:endParaRPr lang="zh-TW" altLang="en-US" sz="2400" dirty="0">
               <a:solidFill>
                 <a:srgbClr val="006666"/>
               </a:solidFill>
             </a:endParaRPr>
-          </a:p>
-        </p:txBody>
-      </p:sp>
-      <p:sp>
-        <p:nvSpPr>
-          <p:cNvPr id="7" name="矩形 6"/>
-          <p:cNvSpPr/>
-          <p:nvPr/>
-        </p:nvSpPr>
-        <p:spPr>
-          <a:xfrm>
-            <a:off x="101600" y="692825"/>
-            <a:ext cx="1249574" cy="55395"/>
-          </a:xfrm>
-          <a:prstGeom prst="rect">
-            <a:avLst/>
-          </a:prstGeom>
-          <a:solidFill>
-            <a:srgbClr val="006666"/>
-          </a:solidFill>
-          <a:ln>
-            <a:noFill/>
-          </a:ln>
-        </p:spPr>
-        <p:style>
-          <a:lnRef idx="2">
-            <a:schemeClr val="dk1">
-              <a:shade val="50000"/>
-            </a:schemeClr>
-          </a:lnRef>
-          <a:fillRef idx="1">
-            <a:schemeClr val="dk1"/>
-          </a:fillRef>
-          <a:effectRef idx="0">
-            <a:schemeClr val="dk1"/>
-          </a:effectRef>
-          <a:fontRef idx="minor">
-            <a:schemeClr val="lt1"/>
-          </a:fontRef>
-        </p:style>
-        <p:txBody>
-          <a:bodyPr rtlCol="0" anchor="ctr"/>
-          <a:lstStyle/>
-          <a:p>
-            <a:pPr algn="ctr"/>
-            <a:endParaRPr lang="zh-TW" altLang="en-US"/>
-          </a:p>
-        </p:txBody>
-      </p:sp>
-      <p:sp>
-        <p:nvSpPr>
-          <p:cNvPr id="28" name="文字方塊 27"/>
-          <p:cNvSpPr txBox="1"/>
-          <p:nvPr/>
-        </p:nvSpPr>
-        <p:spPr>
-          <a:xfrm>
-            <a:off x="101600" y="1126297"/>
-            <a:ext cx="3398498" cy="461665"/>
-          </a:xfrm>
-          <a:prstGeom prst="rect">
-            <a:avLst/>
-          </a:prstGeom>
-          <a:noFill/>
-        </p:spPr>
-        <p:txBody>
-          <a:bodyPr wrap="square" rtlCol="0">
-            <a:spAutoFit/>
-          </a:bodyPr>
-          <a:lstStyle/>
-          <a:p>
-            <a:r>
-              <a:rPr lang="zh-TW" altLang="en-US" sz="2400" b="1">
-                <a:solidFill>
-                  <a:srgbClr val="FF0000"/>
-                </a:solidFill>
-                <a:latin typeface="微軟正黑體" panose="020B0604030504040204" pitchFamily="34" charset="-120"/>
-                <a:ea typeface="微軟正黑體" panose="020B0604030504040204" pitchFamily="34" charset="-120"/>
-              </a:rPr>
-              <a:t>視覺化的前端統計畫面</a:t>
-            </a:r>
-          </a:p>
-        </p:txBody>
-      </p:sp>
-      <p:sp>
-        <p:nvSpPr>
-          <p:cNvPr id="29" name="文字方塊 28"/>
-          <p:cNvSpPr txBox="1"/>
-          <p:nvPr/>
-        </p:nvSpPr>
-        <p:spPr>
-          <a:xfrm>
-            <a:off x="101600" y="1609805"/>
-            <a:ext cx="3492502" cy="1015663"/>
-          </a:xfrm>
-          <a:prstGeom prst="rect">
-            <a:avLst/>
-          </a:prstGeom>
-          <a:noFill/>
-        </p:spPr>
-        <p:txBody>
-          <a:bodyPr wrap="square" rtlCol="0">
-            <a:spAutoFit/>
-          </a:bodyPr>
-          <a:lstStyle/>
-          <a:p>
-            <a:r>
-              <a:rPr lang="zh-TW" altLang="en-US" sz="2000" b="1">
-                <a:solidFill>
-                  <a:srgbClr val="808080"/>
-                </a:solidFill>
-                <a:latin typeface="微軟正黑體" panose="020B0604030504040204" pitchFamily="34" charset="-120"/>
-                <a:ea typeface="微軟正黑體" panose="020B0604030504040204" pitchFamily="34" charset="-120"/>
-              </a:rPr>
-              <a:t>前端可以自動讀取</a:t>
-            </a:r>
-            <a:r>
-              <a:rPr lang="en-US" altLang="zh-TW" sz="2000" b="1">
-                <a:solidFill>
-                  <a:srgbClr val="808080"/>
-                </a:solidFill>
-                <a:latin typeface="微軟正黑體" panose="020B0604030504040204" pitchFamily="34" charset="-120"/>
-                <a:ea typeface="微軟正黑體" panose="020B0604030504040204" pitchFamily="34" charset="-120"/>
-              </a:rPr>
-              <a:t>log</a:t>
-            </a:r>
-            <a:r>
-              <a:rPr lang="zh-TW" altLang="en-US" sz="2000" b="1">
-                <a:solidFill>
-                  <a:srgbClr val="808080"/>
-                </a:solidFill>
-                <a:latin typeface="微軟正黑體" panose="020B0604030504040204" pitchFamily="34" charset="-120"/>
-                <a:ea typeface="微軟正黑體" panose="020B0604030504040204" pitchFamily="34" charset="-120"/>
-              </a:rPr>
-              <a:t>檔案，並轉換成圖表、並且可即時顯示最新的圖表</a:t>
-            </a:r>
-          </a:p>
-        </p:txBody>
-      </p:sp>
-      <p:pic>
-        <p:nvPicPr>
-          <p:cNvPr id="2" name="圖片 1"/>
-          <p:cNvPicPr>
-            <a:picLocks noChangeAspect="1"/>
-          </p:cNvPicPr>
-          <p:nvPr/>
-        </p:nvPicPr>
-        <p:blipFill>
-          <a:blip r:embed="rId2" cstate="print">
-            <a:extLst>
-              <a:ext uri="{28A0092B-C50C-407E-A947-70E740481C1C}">
-                <a14:useLocalDpi xmlns:a14="http://schemas.microsoft.com/office/drawing/2010/main" val="0"/>
-              </a:ext>
-            </a:extLst>
-          </a:blip>
-          <a:stretch>
-            <a:fillRect/>
-          </a:stretch>
-        </p:blipFill>
-        <p:spPr>
-          <a:xfrm>
-            <a:off x="3500098" y="2647311"/>
-            <a:ext cx="8541514" cy="3795216"/>
-          </a:xfrm>
-          <a:prstGeom prst="rect">
-            <a:avLst/>
-          </a:prstGeom>
-          <a:ln>
-            <a:solidFill>
-              <a:schemeClr val="tx1">
-                <a:lumMod val="95000"/>
-                <a:lumOff val="5000"/>
-              </a:schemeClr>
-            </a:solidFill>
-          </a:ln>
-        </p:spPr>
-      </p:pic>
-      <p:pic>
-        <p:nvPicPr>
-          <p:cNvPr id="8" name="圖片 7"/>
-          <p:cNvPicPr>
-            <a:picLocks noChangeAspect="1"/>
-          </p:cNvPicPr>
-          <p:nvPr/>
-        </p:nvPicPr>
-        <p:blipFill>
-          <a:blip r:embed="rId3">
-            <a:extLst>
-              <a:ext uri="{28A0092B-C50C-407E-A947-70E740481C1C}">
-                <a14:useLocalDpi xmlns:a14="http://schemas.microsoft.com/office/drawing/2010/main" val="0"/>
-              </a:ext>
-            </a:extLst>
-          </a:blip>
-          <a:stretch>
-            <a:fillRect/>
-          </a:stretch>
-        </p:blipFill>
-        <p:spPr>
-          <a:xfrm>
-            <a:off x="5508949" y="1393913"/>
-            <a:ext cx="4873461" cy="1114150"/>
-          </a:xfrm>
-          <a:prstGeom prst="rect">
-            <a:avLst/>
-          </a:prstGeom>
-          <a:ln>
-            <a:solidFill>
-              <a:schemeClr val="tx1"/>
-            </a:solidFill>
-          </a:ln>
-        </p:spPr>
-      </p:pic>
-      <p:sp>
-        <p:nvSpPr>
-          <p:cNvPr id="10" name="矩形 9"/>
-          <p:cNvSpPr/>
-          <p:nvPr/>
-        </p:nvSpPr>
-        <p:spPr>
-          <a:xfrm>
-            <a:off x="5508949" y="1024581"/>
-            <a:ext cx="1338059" cy="369332"/>
-          </a:xfrm>
-          <a:prstGeom prst="rect">
-            <a:avLst/>
-          </a:prstGeom>
-        </p:spPr>
-        <p:txBody>
-          <a:bodyPr wrap="none">
-            <a:spAutoFit/>
-          </a:bodyPr>
-          <a:lstStyle/>
-          <a:p>
-            <a:r>
-              <a:rPr lang="zh-TW" altLang="en-US" b="1">
-                <a:latin typeface="微軟正黑體" panose="020B0604030504040204" pitchFamily="34" charset="-120"/>
-                <a:ea typeface="微軟正黑體" panose="020B0604030504040204" pitchFamily="34" charset="-120"/>
-              </a:rPr>
-              <a:t>chart.html</a:t>
-            </a:r>
-            <a:endParaRPr lang="zh-TW" altLang="en-US"/>
           </a:p>
         </p:txBody>
       </p:sp>
@@ -7021,7 +6330,7 @@
 </p:sld>
 </file>
 
-<file path=ppt/slides/slide17.xml><?xml version="1.0" encoding="utf-8"?>
+<file path=ppt/slides/slide14.xml><?xml version="1.0" encoding="utf-8"?>
 <p:sld xmlns:a="http://schemas.openxmlformats.org/drawingml/2006/main" xmlns:r="http://schemas.openxmlformats.org/officeDocument/2006/relationships" xmlns:p="http://schemas.openxmlformats.org/presentationml/2006/main">
   <p:cSld>
     <p:spTree>
@@ -7081,7 +6390,7 @@
             <a:fld id="{15FAE70E-A2A9-4EA5-BAA7-366C18FFF9F6}" type="slidenum">
               <a:rPr lang="zh-TW" altLang="en-US" smtClean="0"/>
               <a:pPr/>
-              <a:t>17</a:t>
+              <a:t>14</a:t>
             </a:fld>
             <a:endParaRPr lang="zh-TW" altLang="en-US"/>
           </a:p>
@@ -7177,14 +6486,14 @@
               </a:lnSpc>
             </a:pPr>
             <a:r>
-              <a:rPr lang="en-US" altLang="zh-TW"/>
+              <a:rPr lang="en-US" altLang="zh-TW" dirty="0"/>
               <a:t>n8n </a:t>
             </a:r>
             <a:r>
-              <a:rPr lang="zh-TW" altLang="en-US" smtClean="0"/>
+              <a:rPr lang="zh-TW" altLang="en-US" dirty="0" smtClean="0"/>
               <a:t>介紹與比較</a:t>
             </a:r>
-            <a:endParaRPr lang="en-US" altLang="zh-TW" smtClean="0"/>
+            <a:endParaRPr lang="en-US" altLang="zh-TW" dirty="0" smtClean="0"/>
           </a:p>
           <a:p>
             <a:pPr>
@@ -7193,11 +6502,11 @@
               </a:lnSpc>
             </a:pPr>
             <a:r>
-              <a:rPr lang="zh-TW" altLang="en-US"/>
+              <a:rPr lang="zh-TW" altLang="en-US" dirty="0"/>
               <a:t>如何安裝與設置 </a:t>
             </a:r>
             <a:r>
-              <a:rPr lang="en-US" altLang="zh-TW" smtClean="0"/>
+              <a:rPr lang="en-US" altLang="zh-TW" dirty="0" smtClean="0"/>
               <a:t>n8n</a:t>
             </a:r>
           </a:p>
@@ -7208,18 +6517,18 @@
               </a:lnSpc>
             </a:pPr>
             <a:r>
-              <a:rPr lang="en-US" altLang="zh-TW" smtClean="0"/>
+              <a:rPr lang="en-US" altLang="zh-TW" dirty="0" smtClean="0"/>
               <a:t>n8n </a:t>
             </a:r>
             <a:r>
-              <a:rPr lang="zh-TW" altLang="en-US"/>
+              <a:rPr lang="zh-TW" altLang="en-US" dirty="0"/>
               <a:t>工作流程</a:t>
             </a:r>
             <a:r>
-              <a:rPr lang="zh-TW" altLang="en-US" smtClean="0"/>
+              <a:rPr lang="zh-TW" altLang="en-US" dirty="0" smtClean="0"/>
               <a:t>設計</a:t>
             </a:r>
-            <a:endParaRPr lang="en-US" altLang="zh-TW" smtClean="0"/>
+            <a:endParaRPr lang="en-US" altLang="zh-TW" dirty="0" smtClean="0"/>
           </a:p>
           <a:p>
             <a:pPr>
@@ -7228,10 +6537,10 @@
               </a:lnSpc>
             </a:pPr>
             <a:r>
-              <a:rPr lang="zh-TW" altLang="en-US"/>
+              <a:rPr lang="zh-TW" altLang="en-US" dirty="0"/>
               <a:t>實際應用案例展示</a:t>
             </a:r>
-            <a:endParaRPr lang="en-US" altLang="zh-TW"/>
+            <a:endParaRPr lang="en-US" altLang="zh-TW" dirty="0"/>
           </a:p>
         </p:txBody>
       </p:sp>
@@ -7555,21 +6864,21 @@
           <a:lstStyle/>
           <a:p>
             <a:r>
-              <a:rPr lang="en-US" altLang="zh-TW" sz="2000" smtClean="0">
+              <a:rPr lang="en-US" altLang="zh-TW" sz="2000" dirty="0" smtClean="0">
                 <a:latin typeface="微軟正黑體" panose="020B0604030504040204" pitchFamily="34" charset="-120"/>
                 <a:ea typeface="微軟正黑體" panose="020B0604030504040204" pitchFamily="34" charset="-120"/>
               </a:rPr>
               <a:t>n8n</a:t>
             </a:r>
             <a:r>
-              <a:rPr lang="zh-TW" altLang="en-US" sz="2000" smtClean="0">
+              <a:rPr lang="zh-TW" altLang="en-US" sz="2000" dirty="0" smtClean="0">
                 <a:latin typeface="微軟正黑體" panose="020B0604030504040204" pitchFamily="34" charset="-120"/>
                 <a:ea typeface="微軟正黑體" panose="020B0604030504040204" pitchFamily="34" charset="-120"/>
               </a:rPr>
               <a:t>是一款</a:t>
             </a:r>
             <a:r>
-              <a:rPr lang="zh-TW" altLang="en-US" sz="2000" b="1" smtClean="0">
+              <a:rPr lang="zh-TW" altLang="en-US" sz="2000" b="1" dirty="0" smtClean="0">
                 <a:solidFill>
                   <a:srgbClr val="FF0000"/>
                 </a:solidFill>
@@ -7579,26 +6888,26 @@
               <a:t>開源</a:t>
             </a:r>
             <a:r>
-              <a:rPr lang="zh-TW" altLang="en-US" sz="2000" smtClean="0">
+              <a:rPr lang="zh-TW" altLang="en-US" sz="2000" dirty="0" smtClean="0">
                 <a:latin typeface="微軟正黑體" panose="020B0604030504040204" pitchFamily="34" charset="-120"/>
                 <a:ea typeface="微軟正黑體" panose="020B0604030504040204" pitchFamily="34" charset="-120"/>
               </a:rPr>
-              <a:t>的視覺化自動化工具</a:t>
-            </a:r>
-            <a:endParaRPr lang="en-US" altLang="zh-TW" sz="2000" smtClean="0">
+              <a:t>的視覺化工作流設計工具</a:t>
+            </a:r>
+            <a:endParaRPr lang="en-US" altLang="zh-TW" sz="2000" dirty="0" smtClean="0">
               <a:latin typeface="微軟正黑體" panose="020B0604030504040204" pitchFamily="34" charset="-120"/>
               <a:ea typeface="微軟正黑體" panose="020B0604030504040204" pitchFamily="34" charset="-120"/>
             </a:endParaRPr>
           </a:p>
           <a:p>
             <a:r>
-              <a:rPr lang="zh-TW" altLang="en-US" sz="2000" smtClean="0">
+              <a:rPr lang="zh-TW" altLang="en-US" sz="2000" dirty="0" smtClean="0">
                 <a:latin typeface="微軟正黑體" panose="020B0604030504040204" pitchFamily="34" charset="-120"/>
                 <a:ea typeface="微軟正黑體" panose="020B0604030504040204" pitchFamily="34" charset="-120"/>
               </a:rPr>
               <a:t>能視覺化串接上百種服務，打造個人化工作流程</a:t>
             </a:r>
-            <a:endParaRPr lang="en-US" altLang="zh-TW" sz="2000" smtClean="0">
+            <a:endParaRPr lang="en-US" altLang="zh-TW" sz="2000" dirty="0" smtClean="0">
               <a:latin typeface="微軟正黑體" panose="020B0604030504040204" pitchFamily="34" charset="-120"/>
               <a:ea typeface="微軟正黑體" panose="020B0604030504040204" pitchFamily="34" charset="-120"/>
             </a:endParaRPr>
@@ -8783,7 +8092,7 @@
           <p:nvPr>
             <p:extLst>
               <p:ext uri="{D42A27DB-BD31-4B8C-83A1-F6EECF244321}">
-                <p14:modId xmlns:p14="http://schemas.microsoft.com/office/powerpoint/2010/main" val="439291752"/>
+                <p14:modId xmlns:p14="http://schemas.microsoft.com/office/powerpoint/2010/main" val="2107260049"/>
               </p:ext>
             </p:extLst>
           </p:nvPr>
@@ -8865,14 +8174,14 @@
                         <a:defRPr/>
                       </a:pPr>
                       <a:r>
-                        <a:rPr lang="en-US" altLang="zh-TW" b="1" err="1" smtClean="0">
+                        <a:rPr lang="en-US" altLang="zh-TW" b="1" dirty="0" err="1" smtClean="0">
                           <a:latin typeface="微軟正黑體" panose="020B0604030504040204" pitchFamily="34" charset="-120"/>
                           <a:ea typeface="微軟正黑體" panose="020B0604030504040204" pitchFamily="34" charset="-120"/>
                         </a:rPr>
                         <a:t>Zapier</a:t>
                       </a:r>
                       <a:r>
-                        <a:rPr lang="en-US" altLang="zh-TW" b="1" smtClean="0">
+                        <a:rPr lang="en-US" altLang="zh-TW" b="1" dirty="0" smtClean="0">
                           <a:latin typeface="微軟正黑體" panose="020B0604030504040204" pitchFamily="34" charset="-120"/>
                           <a:ea typeface="微軟正黑體" panose="020B0604030504040204" pitchFamily="34" charset="-120"/>
                         </a:rPr>
@@ -8988,21 +8297,21 @@
                     <a:p>
                       <a:pPr algn="ctr"/>
                       <a:r>
-                        <a:rPr lang="zh-TW" altLang="en-US" sz="1600" smtClean="0">
+                        <a:rPr lang="zh-TW" altLang="en-US" sz="1600" b="0" i="0" kern="1200" dirty="0" smtClean="0">
+                          <a:solidFill>
+                            <a:schemeClr val="dk1"/>
+                          </a:solidFill>
                           <a:effectLst/>
                           <a:latin typeface="微軟正黑體" panose="020B0604030504040204" pitchFamily="34" charset="-120"/>
                           <a:ea typeface="微軟正黑體" panose="020B0604030504040204" pitchFamily="34" charset="-120"/>
+                          <a:cs typeface="+mn-cs"/>
                         </a:rPr>
-                        <a:t>直觀</a:t>
+                        <a:t>白板式界面，適合複雜工作流</a:t>
                       </a:r>
-                      <a:r>
-                        <a:rPr lang="zh-TW" altLang="en-US" sz="1600">
-                          <a:effectLst/>
-                          <a:latin typeface="微軟正黑體" panose="020B0604030504040204" pitchFamily="34" charset="-120"/>
-                          <a:ea typeface="微軟正黑體" panose="020B0604030504040204" pitchFamily="34" charset="-120"/>
-                        </a:rPr>
-                        <a:t>界面，適合入門初學者</a:t>
-                      </a:r>
+                      <a:endParaRPr lang="zh-TW" altLang="en-US" sz="1600" dirty="0">
+                        <a:latin typeface="微軟正黑體" panose="020B0604030504040204" pitchFamily="34" charset="-120"/>
+                        <a:ea typeface="微軟正黑體" panose="020B0604030504040204" pitchFamily="34" charset="-120"/>
+                      </a:endParaRPr>
                     </a:p>
                   </a:txBody>
                   <a:tcPr anchor="ctr"/>
@@ -9014,7 +8323,7 @@
                     <a:p>
                       <a:pPr algn="ctr"/>
                       <a:r>
-                        <a:rPr lang="zh-TW" altLang="en-US" sz="1600" b="0" i="0" kern="1200" smtClean="0">
+                        <a:rPr lang="zh-TW" altLang="en-US" sz="1600" b="0" i="0" kern="1200" dirty="0" smtClean="0">
                           <a:solidFill>
                             <a:schemeClr val="dk1"/>
                           </a:solidFill>
@@ -9025,7 +8334,7 @@
                         </a:rPr>
                         <a:t>白板式界面，適合複雜工作流</a:t>
                       </a:r>
-                      <a:endParaRPr lang="zh-TW" altLang="en-US" sz="1600">
+                      <a:endParaRPr lang="zh-TW" altLang="en-US" sz="1600" dirty="0">
                         <a:latin typeface="微軟正黑體" panose="020B0604030504040204" pitchFamily="34" charset="-120"/>
                         <a:ea typeface="微軟正黑體" panose="020B0604030504040204" pitchFamily="34" charset="-120"/>
                       </a:endParaRPr>
@@ -9167,7 +8476,7 @@
                     <a:p>
                       <a:pPr algn="ctr"/>
                       <a:r>
-                        <a:rPr lang="zh-TW" altLang="en-US" sz="1600">
+                        <a:rPr lang="zh-TW" altLang="en-US" sz="1600" dirty="0">
                           <a:effectLst/>
                           <a:latin typeface="微軟正黑體" panose="020B0604030504040204" pitchFamily="34" charset="-120"/>
                           <a:ea typeface="微軟正黑體" panose="020B0604030504040204" pitchFamily="34" charset="-120"/>
@@ -9175,7 +8484,7 @@
                         <a:t>整合約 </a:t>
                       </a:r>
                       <a:r>
-                        <a:rPr lang="en-US" altLang="zh-TW" sz="1600" smtClean="0">
+                        <a:rPr lang="en-US" altLang="zh-TW" sz="1600" dirty="0" smtClean="0">
                           <a:effectLst/>
                           <a:latin typeface="微軟正黑體" panose="020B0604030504040204" pitchFamily="34" charset="-120"/>
                           <a:ea typeface="微軟正黑體" panose="020B0604030504040204" pitchFamily="34" charset="-120"/>
@@ -9183,7 +8492,7 @@
                         <a:t>1,000</a:t>
                       </a:r>
                       <a:r>
-                        <a:rPr lang="zh-TW" altLang="en-US" sz="1600" smtClean="0">
+                        <a:rPr lang="zh-TW" altLang="en-US" sz="1600" dirty="0" smtClean="0">
                           <a:effectLst/>
                           <a:latin typeface="微軟正黑體" panose="020B0604030504040204" pitchFamily="34" charset="-120"/>
                           <a:ea typeface="微軟正黑體" panose="020B0604030504040204" pitchFamily="34" charset="-120"/>
@@ -9191,7 +8500,7 @@
                         <a:t>個</a:t>
                       </a:r>
                       <a:r>
-                        <a:rPr lang="zh-TW" altLang="en-US" sz="1600">
+                        <a:rPr lang="zh-TW" altLang="en-US" sz="1600" dirty="0">
                           <a:effectLst/>
                           <a:latin typeface="微軟正黑體" panose="020B0604030504040204" pitchFamily="34" charset="-120"/>
                           <a:ea typeface="微軟正黑體" panose="020B0604030504040204" pitchFamily="34" charset="-120"/>
@@ -9695,7 +9004,7 @@
                     <a:p>
                       <a:pPr algn="l"/>
                       <a:r>
-                        <a:rPr lang="zh-TW" altLang="en-US" sz="1600" b="0" i="0" kern="1200" smtClean="0">
+                        <a:rPr lang="zh-TW" altLang="en-US" sz="1600" b="0" i="0" kern="1200" dirty="0" smtClean="0">
                           <a:solidFill>
                             <a:schemeClr val="dk1"/>
                           </a:solidFill>
@@ -9704,34 +9013,10 @@
                           <a:ea typeface="微軟正黑體" panose="020B0604030504040204" pitchFamily="34" charset="-120"/>
                           <a:cs typeface="+mn-cs"/>
                         </a:rPr>
-                        <a:t>雖然只封裝整合 </a:t>
+                        <a:t>雖然預設服務最少，但只要服務有開放 </a:t>
                       </a:r>
                       <a:r>
-                        <a:rPr lang="en-US" altLang="zh-TW" sz="1600" b="0" i="0" kern="1200" smtClean="0">
-                          <a:solidFill>
-                            <a:schemeClr val="dk1"/>
-                          </a:solidFill>
-                          <a:effectLst/>
-                          <a:latin typeface="微軟正黑體" panose="020B0604030504040204" pitchFamily="34" charset="-120"/>
-                          <a:ea typeface="微軟正黑體" panose="020B0604030504040204" pitchFamily="34" charset="-120"/>
-                          <a:cs typeface="+mn-cs"/>
-                        </a:rPr>
-                        <a:t>1,000</a:t>
-                      </a:r>
-                      <a:r>
-                        <a:rPr lang="zh-TW" altLang="en-US" sz="1600" b="0" i="0" kern="1200" smtClean="0">
-                          <a:solidFill>
-                            <a:schemeClr val="dk1"/>
-                          </a:solidFill>
-                          <a:effectLst/>
-                          <a:latin typeface="微軟正黑體" panose="020B0604030504040204" pitchFamily="34" charset="-120"/>
-                          <a:ea typeface="微軟正黑體" panose="020B0604030504040204" pitchFamily="34" charset="-120"/>
-                          <a:cs typeface="+mn-cs"/>
-                        </a:rPr>
-                        <a:t>多個應用，但只要該服務有開放 </a:t>
-                      </a:r>
-                      <a:r>
-                        <a:rPr lang="en-US" altLang="zh-TW" sz="1600" b="0" i="0" kern="1200" smtClean="0">
+                        <a:rPr lang="en-US" altLang="zh-TW" sz="1600" b="0" i="0" kern="1200" dirty="0" smtClean="0">
                           <a:solidFill>
                             <a:schemeClr val="dk1"/>
                           </a:solidFill>
@@ -9743,7 +9028,7 @@
                         <a:t>API</a:t>
                       </a:r>
                       <a:r>
-                        <a:rPr lang="zh-TW" altLang="en-US" sz="1600" b="0" i="0" kern="1200" smtClean="0">
+                        <a:rPr lang="zh-TW" altLang="en-US" sz="1600" b="0" i="0" kern="1200" dirty="0" smtClean="0">
                           <a:solidFill>
                             <a:schemeClr val="dk1"/>
                           </a:solidFill>
@@ -9752,10 +9037,10 @@
                           <a:ea typeface="微軟正黑體" panose="020B0604030504040204" pitchFamily="34" charset="-120"/>
                           <a:cs typeface="+mn-cs"/>
                         </a:rPr>
-                        <a:t>，都能自己串，</a:t>
+                        <a:t>，都能自己串，而且是開源可以本地跑，幾乎零成本，</a:t>
                       </a:r>
                       <a:r>
-                        <a:rPr lang="zh-TW" altLang="en-US" sz="1600" b="1" i="0" kern="1200" smtClean="0">
+                        <a:rPr lang="zh-TW" altLang="en-US" sz="1600" b="1" i="0" kern="1200" dirty="0" smtClean="0">
                           <a:solidFill>
                             <a:srgbClr val="FF0000"/>
                           </a:solidFill>
@@ -9766,7 +9051,7 @@
                         </a:rPr>
                         <a:t>所以是天花板無上限</a:t>
                       </a:r>
-                      <a:endParaRPr lang="zh-TW" altLang="en-US" sz="1600" b="1">
+                      <a:endParaRPr lang="zh-TW" altLang="en-US" sz="1600" b="1" dirty="0">
                         <a:solidFill>
                           <a:srgbClr val="FF0000"/>
                         </a:solidFill>
@@ -9942,6 +9227,56 @@
           </a:prstGeom>
         </p:spPr>
       </p:pic>
+      <p:sp>
+        <p:nvSpPr>
+          <p:cNvPr id="2" name="矩形 1"/>
+          <p:cNvSpPr/>
+          <p:nvPr/>
+        </p:nvSpPr>
+        <p:spPr>
+          <a:xfrm>
+            <a:off x="8560271" y="4511040"/>
+            <a:ext cx="3198114" cy="1840992"/>
+          </a:xfrm>
+          <a:prstGeom prst="rect">
+            <a:avLst/>
+          </a:prstGeom>
+          <a:noFill/>
+          <a:ln w="57150">
+            <a:solidFill>
+              <a:srgbClr val="FF0000"/>
+            </a:solidFill>
+          </a:ln>
+        </p:spPr>
+        <p:style>
+          <a:lnRef idx="2">
+            <a:schemeClr val="accent1">
+              <a:shade val="50000"/>
+            </a:schemeClr>
+          </a:lnRef>
+          <a:fillRef idx="1">
+            <a:schemeClr val="accent1"/>
+          </a:fillRef>
+          <a:effectRef idx="0">
+            <a:schemeClr val="accent1"/>
+          </a:effectRef>
+          <a:fontRef idx="minor">
+            <a:schemeClr val="lt1"/>
+          </a:fontRef>
+        </p:style>
+        <p:txBody>
+          <a:bodyPr rtlCol="0" anchor="ctr"/>
+          <a:lstStyle/>
+          <a:p>
+            <a:pPr algn="ctr"/>
+            <a:r>
+              <a:rPr lang="en-US" altLang="zh-TW" dirty="0" smtClean="0"/>
+              <a:t>`</a:t>
+            </a:r>
+            <a:endParaRPr lang="zh-TW" altLang="en-US" dirty="0"/>
+          </a:p>
+        </p:txBody>
+      </p:sp>
     </p:spTree>
     <p:extLst>
       <p:ext uri="{BB962C8B-B14F-4D97-AF65-F5344CB8AC3E}">
